--- a/PHA DS Challenge Report.pptx
+++ b/PHA DS Challenge Report.pptx
@@ -5,7 +5,7 @@
     <p:sldMasterId id="2147484078" r:id="rId1"/>
   </p:sldMasterIdLst>
   <p:notesMasterIdLst>
-    <p:notesMasterId r:id="rId13"/>
+    <p:notesMasterId r:id="rId14"/>
   </p:notesMasterIdLst>
   <p:sldIdLst>
     <p:sldId id="256" r:id="rId2"/>
@@ -14,11 +14,12 @@
     <p:sldId id="2147374683" r:id="rId5"/>
     <p:sldId id="2147374684" r:id="rId6"/>
     <p:sldId id="2147374685" r:id="rId7"/>
-    <p:sldId id="2147374686" r:id="rId8"/>
-    <p:sldId id="2147374687" r:id="rId9"/>
-    <p:sldId id="2147374688" r:id="rId10"/>
-    <p:sldId id="2147374689" r:id="rId11"/>
-    <p:sldId id="2147374663" r:id="rId12"/>
+    <p:sldId id="2147374690" r:id="rId8"/>
+    <p:sldId id="2147374686" r:id="rId9"/>
+    <p:sldId id="2147374687" r:id="rId10"/>
+    <p:sldId id="2147374688" r:id="rId11"/>
+    <p:sldId id="2147374689" r:id="rId12"/>
+    <p:sldId id="2147374663" r:id="rId13"/>
   </p:sldIdLst>
   <p:sldSz cx="12192000" cy="6858000"/>
   <p:notesSz cx="6858000" cy="9144000"/>
@@ -128,9 +129,7 @@
 <file path=ppt/revisionInfo.xml><?xml version="1.0" encoding="utf-8"?>
 <p1510:revInfo xmlns:a="http://schemas.openxmlformats.org/drawingml/2006/main" xmlns:r="http://schemas.openxmlformats.org/officeDocument/2006/relationships" xmlns:p1510="http://schemas.microsoft.com/office/powerpoint/2015/10/main">
   <p1510:revLst>
-    <p1510:client id="{1D94CB64-612B-4703-BA5F-FC79B372C925}" v="354" dt="2024-10-15T02:29:41.974"/>
     <p1510:client id="{6656D93D-126A-4B19-BD34-6A8CA99EA62D}" v="5" dt="2024-10-15T15:32:47.340"/>
-    <p1510:client id="{F2DE8266-1258-46EE-8025-292BF16D8B40}" v="33" dt="2024-10-15T02:33:21.434"/>
   </p1510:revLst>
 </p1510:revInfo>
 </file>
@@ -302,7 +301,7 @@
   <pc:docChgLst>
     <pc:chgData name="Chinju Mary George" userId="c88f99b449f9b0fa" providerId="LiveId" clId="{6656D93D-126A-4B19-BD34-6A8CA99EA62D}"/>
     <pc:docChg chg="undo custSel addSld delSld modSld">
-      <pc:chgData name="Chinju Mary George" userId="c88f99b449f9b0fa" providerId="LiveId" clId="{6656D93D-126A-4B19-BD34-6A8CA99EA62D}" dt="2024-10-15T18:22:38.047" v="2979" actId="20577"/>
+      <pc:chgData name="Chinju Mary George" userId="c88f99b449f9b0fa" providerId="LiveId" clId="{6656D93D-126A-4B19-BD34-6A8CA99EA62D}" dt="2024-10-22T16:38:39.971" v="3190" actId="20577"/>
       <pc:docMkLst>
         <pc:docMk/>
       </pc:docMkLst>
@@ -329,11 +328,19 @@
         </pc:sldMkLst>
       </pc:sldChg>
       <pc:sldChg chg="modSp mod">
-        <pc:chgData name="Chinju Mary George" userId="c88f99b449f9b0fa" providerId="LiveId" clId="{6656D93D-126A-4B19-BD34-6A8CA99EA62D}" dt="2024-10-15T18:22:38.047" v="2979" actId="20577"/>
+        <pc:chgData name="Chinju Mary George" userId="c88f99b449f9b0fa" providerId="LiveId" clId="{6656D93D-126A-4B19-BD34-6A8CA99EA62D}" dt="2024-10-16T01:29:50.983" v="2987" actId="20577"/>
         <pc:sldMkLst>
           <pc:docMk/>
           <pc:sldMk cId="602595877" sldId="258"/>
         </pc:sldMkLst>
+        <pc:spChg chg="mod">
+          <ac:chgData name="Chinju Mary George" userId="c88f99b449f9b0fa" providerId="LiveId" clId="{6656D93D-126A-4B19-BD34-6A8CA99EA62D}" dt="2024-10-16T01:29:50.983" v="2987" actId="20577"/>
+          <ac:spMkLst>
+            <pc:docMk/>
+            <pc:sldMk cId="602595877" sldId="258"/>
+            <ac:spMk id="2" creationId="{0E2E70CF-2588-FDB4-2D98-40C52429F42E}"/>
+          </ac:spMkLst>
+        </pc:spChg>
         <pc:graphicFrameChg chg="mod modGraphic">
           <ac:chgData name="Chinju Mary George" userId="c88f99b449f9b0fa" providerId="LiveId" clId="{6656D93D-126A-4B19-BD34-6A8CA99EA62D}" dt="2024-10-15T18:22:38.047" v="2979" actId="20577"/>
           <ac:graphicFrameMkLst>
@@ -435,7 +442,7 @@
         </pc:sldMkLst>
       </pc:sldChg>
       <pc:sldChg chg="addSp delSp modSp mod">
-        <pc:chgData name="Chinju Mary George" userId="c88f99b449f9b0fa" providerId="LiveId" clId="{6656D93D-126A-4B19-BD34-6A8CA99EA62D}" dt="2024-10-15T15:47:36.227" v="512" actId="1076"/>
+        <pc:chgData name="Chinju Mary George" userId="c88f99b449f9b0fa" providerId="LiveId" clId="{6656D93D-126A-4B19-BD34-6A8CA99EA62D}" dt="2024-10-16T01:30:04.359" v="2988" actId="404"/>
         <pc:sldMkLst>
           <pc:docMk/>
           <pc:sldMk cId="3994860507" sldId="2147374665"/>
@@ -497,7 +504,7 @@
           </ac:spMkLst>
         </pc:spChg>
         <pc:spChg chg="add mod">
-          <ac:chgData name="Chinju Mary George" userId="c88f99b449f9b0fa" providerId="LiveId" clId="{6656D93D-126A-4B19-BD34-6A8CA99EA62D}" dt="2024-10-15T15:47:36.227" v="512" actId="1076"/>
+          <ac:chgData name="Chinju Mary George" userId="c88f99b449f9b0fa" providerId="LiveId" clId="{6656D93D-126A-4B19-BD34-6A8CA99EA62D}" dt="2024-10-16T01:30:04.359" v="2988" actId="404"/>
           <ac:spMkLst>
             <pc:docMk/>
             <pc:sldMk cId="3994860507" sldId="2147374665"/>
@@ -706,7 +713,7 @@
         </pc:sldMkLst>
       </pc:sldChg>
       <pc:sldChg chg="addSp delSp modSp add mod">
-        <pc:chgData name="Chinju Mary George" userId="c88f99b449f9b0fa" providerId="LiveId" clId="{6656D93D-126A-4B19-BD34-6A8CA99EA62D}" dt="2024-10-15T17:34:27.436" v="2216" actId="478"/>
+        <pc:chgData name="Chinju Mary George" userId="c88f99b449f9b0fa" providerId="LiveId" clId="{6656D93D-126A-4B19-BD34-6A8CA99EA62D}" dt="2024-10-22T15:53:03.715" v="3015" actId="20577"/>
         <pc:sldMkLst>
           <pc:docMk/>
           <pc:sldMk cId="1097756401" sldId="2147374683"/>
@@ -776,7 +783,7 @@
           </ac:spMkLst>
         </pc:spChg>
         <pc:spChg chg="add mod">
-          <ac:chgData name="Chinju Mary George" userId="c88f99b449f9b0fa" providerId="LiveId" clId="{6656D93D-126A-4B19-BD34-6A8CA99EA62D}" dt="2024-10-15T16:27:17.940" v="1711" actId="1076"/>
+          <ac:chgData name="Chinju Mary George" userId="c88f99b449f9b0fa" providerId="LiveId" clId="{6656D93D-126A-4B19-BD34-6A8CA99EA62D}" dt="2024-10-16T01:30:54.028" v="2993" actId="1076"/>
           <ac:spMkLst>
             <pc:docMk/>
             <pc:sldMk cId="1097756401" sldId="2147374683"/>
@@ -800,7 +807,7 @@
           </ac:spMkLst>
         </pc:spChg>
         <pc:spChg chg="add mod">
-          <ac:chgData name="Chinju Mary George" userId="c88f99b449f9b0fa" providerId="LiveId" clId="{6656D93D-126A-4B19-BD34-6A8CA99EA62D}" dt="2024-10-15T16:28:29.463" v="1760" actId="1076"/>
+          <ac:chgData name="Chinju Mary George" userId="c88f99b449f9b0fa" providerId="LiveId" clId="{6656D93D-126A-4B19-BD34-6A8CA99EA62D}" dt="2024-10-16T01:31:01.634" v="2994" actId="1076"/>
           <ac:spMkLst>
             <pc:docMk/>
             <pc:sldMk cId="1097756401" sldId="2147374683"/>
@@ -808,7 +815,7 @@
           </ac:spMkLst>
         </pc:spChg>
         <pc:spChg chg="add del mod">
-          <ac:chgData name="Chinju Mary George" userId="c88f99b449f9b0fa" providerId="LiveId" clId="{6656D93D-126A-4B19-BD34-6A8CA99EA62D}" dt="2024-10-15T16:44:39.374" v="2131" actId="113"/>
+          <ac:chgData name="Chinju Mary George" userId="c88f99b449f9b0fa" providerId="LiveId" clId="{6656D93D-126A-4B19-BD34-6A8CA99EA62D}" dt="2024-10-22T15:53:03.715" v="3015" actId="20577"/>
           <ac:spMkLst>
             <pc:docMk/>
             <pc:sldMk cId="1097756401" sldId="2147374683"/>
@@ -872,7 +879,7 @@
           </ac:picMkLst>
         </pc:picChg>
         <pc:picChg chg="add mod">
-          <ac:chgData name="Chinju Mary George" userId="c88f99b449f9b0fa" providerId="LiveId" clId="{6656D93D-126A-4B19-BD34-6A8CA99EA62D}" dt="2024-10-15T16:22:15.996" v="1402" actId="1076"/>
+          <ac:chgData name="Chinju Mary George" userId="c88f99b449f9b0fa" providerId="LiveId" clId="{6656D93D-126A-4B19-BD34-6A8CA99EA62D}" dt="2024-10-16T01:30:44.110" v="2992" actId="1076"/>
           <ac:picMkLst>
             <pc:docMk/>
             <pc:sldMk cId="1097756401" sldId="2147374683"/>
@@ -888,7 +895,7 @@
           </ac:picMkLst>
         </pc:picChg>
         <pc:picChg chg="add mod">
-          <ac:chgData name="Chinju Mary George" userId="c88f99b449f9b0fa" providerId="LiveId" clId="{6656D93D-126A-4B19-BD34-6A8CA99EA62D}" dt="2024-10-15T16:22:11.361" v="1401" actId="1076"/>
+          <ac:chgData name="Chinju Mary George" userId="c88f99b449f9b0fa" providerId="LiveId" clId="{6656D93D-126A-4B19-BD34-6A8CA99EA62D}" dt="2024-10-16T01:31:14.761" v="2995" actId="1076"/>
           <ac:picMkLst>
             <pc:docMk/>
             <pc:sldMk cId="1097756401" sldId="2147374683"/>
@@ -904,7 +911,7 @@
           </ac:picMkLst>
         </pc:picChg>
         <pc:picChg chg="add mod">
-          <ac:chgData name="Chinju Mary George" userId="c88f99b449f9b0fa" providerId="LiveId" clId="{6656D93D-126A-4B19-BD34-6A8CA99EA62D}" dt="2024-10-15T16:23:21.078" v="1442" actId="1076"/>
+          <ac:chgData name="Chinju Mary George" userId="c88f99b449f9b0fa" providerId="LiveId" clId="{6656D93D-126A-4B19-BD34-6A8CA99EA62D}" dt="2024-10-16T01:30:23.618" v="2990" actId="1076"/>
           <ac:picMkLst>
             <pc:docMk/>
             <pc:sldMk cId="1097756401" sldId="2147374683"/>
@@ -928,7 +935,7 @@
           </ac:picMkLst>
         </pc:picChg>
         <pc:picChg chg="add mod">
-          <ac:chgData name="Chinju Mary George" userId="c88f99b449f9b0fa" providerId="LiveId" clId="{6656D93D-126A-4B19-BD34-6A8CA99EA62D}" dt="2024-10-15T16:26:52.232" v="1707" actId="1076"/>
+          <ac:chgData name="Chinju Mary George" userId="c88f99b449f9b0fa" providerId="LiveId" clId="{6656D93D-126A-4B19-BD34-6A8CA99EA62D}" dt="2024-10-16T01:30:20.236" v="2989" actId="1076"/>
           <ac:picMkLst>
             <pc:docMk/>
             <pc:sldMk cId="1097756401" sldId="2147374683"/>
@@ -1024,7 +1031,7 @@
         </pc:cxnChg>
       </pc:sldChg>
       <pc:sldChg chg="modSp add mod">
-        <pc:chgData name="Chinju Mary George" userId="c88f99b449f9b0fa" providerId="LiveId" clId="{6656D93D-126A-4B19-BD34-6A8CA99EA62D}" dt="2024-10-15T17:38:50.337" v="2399" actId="20577"/>
+        <pc:chgData name="Chinju Mary George" userId="c88f99b449f9b0fa" providerId="LiveId" clId="{6656D93D-126A-4B19-BD34-6A8CA99EA62D}" dt="2024-10-22T16:32:44.459" v="3045" actId="5793"/>
         <pc:sldMkLst>
           <pc:docMk/>
           <pc:sldMk cId="169013034" sldId="2147374685"/>
@@ -1038,7 +1045,7 @@
           </ac:spMkLst>
         </pc:spChg>
         <pc:spChg chg="mod">
-          <ac:chgData name="Chinju Mary George" userId="c88f99b449f9b0fa" providerId="LiveId" clId="{6656D93D-126A-4B19-BD34-6A8CA99EA62D}" dt="2024-10-15T17:38:50.337" v="2399" actId="20577"/>
+          <ac:chgData name="Chinju Mary George" userId="c88f99b449f9b0fa" providerId="LiveId" clId="{6656D93D-126A-4B19-BD34-6A8CA99EA62D}" dt="2024-10-22T16:32:44.459" v="3045" actId="5793"/>
           <ac:spMkLst>
             <pc:docMk/>
             <pc:sldMk cId="169013034" sldId="2147374685"/>
@@ -1063,7 +1070,7 @@
         </pc:spChg>
       </pc:sldChg>
       <pc:sldChg chg="delSp modSp add mod">
-        <pc:chgData name="Chinju Mary George" userId="c88f99b449f9b0fa" providerId="LiveId" clId="{6656D93D-126A-4B19-BD34-6A8CA99EA62D}" dt="2024-10-15T18:21:53.411" v="2958" actId="113"/>
+        <pc:chgData name="Chinju Mary George" userId="c88f99b449f9b0fa" providerId="LiveId" clId="{6656D93D-126A-4B19-BD34-6A8CA99EA62D}" dt="2024-10-22T16:35:45.400" v="3110" actId="20577"/>
         <pc:sldMkLst>
           <pc:docMk/>
           <pc:sldMk cId="4262264447" sldId="2147374686"/>
@@ -1077,7 +1084,7 @@
           </ac:spMkLst>
         </pc:spChg>
         <pc:spChg chg="mod">
-          <ac:chgData name="Chinju Mary George" userId="c88f99b449f9b0fa" providerId="LiveId" clId="{6656D93D-126A-4B19-BD34-6A8CA99EA62D}" dt="2024-10-15T17:40:00.315" v="2495" actId="20577"/>
+          <ac:chgData name="Chinju Mary George" userId="c88f99b449f9b0fa" providerId="LiveId" clId="{6656D93D-126A-4B19-BD34-6A8CA99EA62D}" dt="2024-10-22T16:35:45.400" v="3110" actId="20577"/>
           <ac:spMkLst>
             <pc:docMk/>
             <pc:sldMk cId="4262264447" sldId="2147374686"/>
@@ -1101,7 +1108,7 @@
           </ac:spMkLst>
         </pc:spChg>
         <pc:spChg chg="mod">
-          <ac:chgData name="Chinju Mary George" userId="c88f99b449f9b0fa" providerId="LiveId" clId="{6656D93D-126A-4B19-BD34-6A8CA99EA62D}" dt="2024-10-15T18:21:46.592" v="2957" actId="113"/>
+          <ac:chgData name="Chinju Mary George" userId="c88f99b449f9b0fa" providerId="LiveId" clId="{6656D93D-126A-4B19-BD34-6A8CA99EA62D}" dt="2024-10-16T01:31:44.264" v="2996" actId="20577"/>
           <ac:spMkLst>
             <pc:docMk/>
             <pc:sldMk cId="4262264447" sldId="2147374686"/>
@@ -1110,7 +1117,7 @@
         </pc:spChg>
       </pc:sldChg>
       <pc:sldChg chg="addSp delSp modSp add mod">
-        <pc:chgData name="Chinju Mary George" userId="c88f99b449f9b0fa" providerId="LiveId" clId="{6656D93D-126A-4B19-BD34-6A8CA99EA62D}" dt="2024-10-15T18:07:53.602" v="2786"/>
+        <pc:chgData name="Chinju Mary George" userId="c88f99b449f9b0fa" providerId="LiveId" clId="{6656D93D-126A-4B19-BD34-6A8CA99EA62D}" dt="2024-10-16T01:54:39.742" v="3013" actId="2711"/>
         <pc:sldMkLst>
           <pc:docMk/>
           <pc:sldMk cId="3925758669" sldId="2147374687"/>
@@ -1204,7 +1211,7 @@
           </ac:spMkLst>
         </pc:spChg>
         <pc:graphicFrameChg chg="add mod modGraphic">
-          <ac:chgData name="Chinju Mary George" userId="c88f99b449f9b0fa" providerId="LiveId" clId="{6656D93D-126A-4B19-BD34-6A8CA99EA62D}" dt="2024-10-15T18:07:53.602" v="2786"/>
+          <ac:chgData name="Chinju Mary George" userId="c88f99b449f9b0fa" providerId="LiveId" clId="{6656D93D-126A-4B19-BD34-6A8CA99EA62D}" dt="2024-10-16T01:54:20.397" v="3012" actId="2711"/>
           <ac:graphicFrameMkLst>
             <pc:docMk/>
             <pc:sldMk cId="3925758669" sldId="2147374687"/>
@@ -1212,7 +1219,7 @@
           </ac:graphicFrameMkLst>
         </pc:graphicFrameChg>
         <pc:graphicFrameChg chg="add mod">
-          <ac:chgData name="Chinju Mary George" userId="c88f99b449f9b0fa" providerId="LiveId" clId="{6656D93D-126A-4B19-BD34-6A8CA99EA62D}" dt="2024-10-15T18:06:33.232" v="2744" actId="14100"/>
+          <ac:chgData name="Chinju Mary George" userId="c88f99b449f9b0fa" providerId="LiveId" clId="{6656D93D-126A-4B19-BD34-6A8CA99EA62D}" dt="2024-10-16T01:54:39.742" v="3013" actId="2711"/>
           <ac:graphicFrameMkLst>
             <pc:docMk/>
             <pc:sldMk cId="3925758669" sldId="2147374687"/>
@@ -1253,13 +1260,13 @@
         </pc:picChg>
       </pc:sldChg>
       <pc:sldChg chg="addSp delSp modSp add mod">
-        <pc:chgData name="Chinju Mary George" userId="c88f99b449f9b0fa" providerId="LiveId" clId="{6656D93D-126A-4B19-BD34-6A8CA99EA62D}" dt="2024-10-15T18:14:40.133" v="2920" actId="122"/>
+        <pc:chgData name="Chinju Mary George" userId="c88f99b449f9b0fa" providerId="LiveId" clId="{6656D93D-126A-4B19-BD34-6A8CA99EA62D}" dt="2024-10-22T16:38:39.971" v="3190" actId="20577"/>
         <pc:sldMkLst>
           <pc:docMk/>
           <pc:sldMk cId="3517469546" sldId="2147374688"/>
         </pc:sldMkLst>
         <pc:spChg chg="mod">
-          <ac:chgData name="Chinju Mary George" userId="c88f99b449f9b0fa" providerId="LiveId" clId="{6656D93D-126A-4B19-BD34-6A8CA99EA62D}" dt="2024-10-15T18:14:33.433" v="2919" actId="1076"/>
+          <ac:chgData name="Chinju Mary George" userId="c88f99b449f9b0fa" providerId="LiveId" clId="{6656D93D-126A-4B19-BD34-6A8CA99EA62D}" dt="2024-10-22T16:38:39.971" v="3190" actId="20577"/>
           <ac:spMkLst>
             <pc:docMk/>
             <pc:sldMk cId="3517469546" sldId="2147374688"/>
@@ -1267,7 +1274,7 @@
           </ac:spMkLst>
         </pc:spChg>
         <pc:spChg chg="add mod">
-          <ac:chgData name="Chinju Mary George" userId="c88f99b449f9b0fa" providerId="LiveId" clId="{6656D93D-126A-4B19-BD34-6A8CA99EA62D}" dt="2024-10-15T18:14:40.133" v="2920" actId="122"/>
+          <ac:chgData name="Chinju Mary George" userId="c88f99b449f9b0fa" providerId="LiveId" clId="{6656D93D-126A-4B19-BD34-6A8CA99EA62D}" dt="2024-10-16T01:52:37.580" v="3003" actId="14100"/>
           <ac:spMkLst>
             <pc:docMk/>
             <pc:sldMk cId="3517469546" sldId="2147374688"/>
@@ -1327,6 +1334,45 @@
             <pc:docMk/>
             <pc:sldMk cId="1010202826" sldId="2147374689"/>
             <ac:spMk id="5" creationId="{08EA2E72-DDE7-CE4C-8F82-E0BAD4380E31}"/>
+          </ac:spMkLst>
+        </pc:spChg>
+      </pc:sldChg>
+      <pc:sldChg chg="delSp modSp add del mod">
+        <pc:chgData name="Chinju Mary George" userId="c88f99b449f9b0fa" providerId="LiveId" clId="{6656D93D-126A-4B19-BD34-6A8CA99EA62D}" dt="2024-10-22T16:35:18.460" v="3098" actId="20577"/>
+        <pc:sldMkLst>
+          <pc:docMk/>
+          <pc:sldMk cId="1460241173" sldId="2147374690"/>
+        </pc:sldMkLst>
+        <pc:spChg chg="del">
+          <ac:chgData name="Chinju Mary George" userId="c88f99b449f9b0fa" providerId="LiveId" clId="{6656D93D-126A-4B19-BD34-6A8CA99EA62D}" dt="2024-10-22T16:34:07.830" v="3079" actId="478"/>
+          <ac:spMkLst>
+            <pc:docMk/>
+            <pc:sldMk cId="1460241173" sldId="2147374690"/>
+            <ac:spMk id="2" creationId="{AF5864DA-47C5-F118-9EEA-906586E0CB32}"/>
+          </ac:spMkLst>
+        </pc:spChg>
+        <pc:spChg chg="mod">
+          <ac:chgData name="Chinju Mary George" userId="c88f99b449f9b0fa" providerId="LiveId" clId="{6656D93D-126A-4B19-BD34-6A8CA99EA62D}" dt="2024-10-22T16:33:19.072" v="3066" actId="20577"/>
+          <ac:spMkLst>
+            <pc:docMk/>
+            <pc:sldMk cId="1460241173" sldId="2147374690"/>
+            <ac:spMk id="3" creationId="{3C4B436D-8FA8-78C3-057E-150F66D4B71D}"/>
+          </ac:spMkLst>
+        </pc:spChg>
+        <pc:spChg chg="mod">
+          <ac:chgData name="Chinju Mary George" userId="c88f99b449f9b0fa" providerId="LiveId" clId="{6656D93D-126A-4B19-BD34-6A8CA99EA62D}" dt="2024-10-22T16:33:59.826" v="3078" actId="20577"/>
+          <ac:spMkLst>
+            <pc:docMk/>
+            <pc:sldMk cId="1460241173" sldId="2147374690"/>
+            <ac:spMk id="22" creationId="{FD31B307-6212-7820-C207-C97D95D297F2}"/>
+          </ac:spMkLst>
+        </pc:spChg>
+        <pc:spChg chg="mod">
+          <ac:chgData name="Chinju Mary George" userId="c88f99b449f9b0fa" providerId="LiveId" clId="{6656D93D-126A-4B19-BD34-6A8CA99EA62D}" dt="2024-10-22T16:35:18.460" v="3098" actId="20577"/>
+          <ac:spMkLst>
+            <pc:docMk/>
+            <pc:sldMk cId="1460241173" sldId="2147374690"/>
+            <ac:spMk id="26" creationId="{7B38640F-1275-F7F8-4C81-71F4BE89B502}"/>
           </ac:spMkLst>
         </pc:spChg>
       </pc:sldChg>
@@ -3384,20 +3430,18 @@
 </file>
 
 <file path=ppt/diagrams/colors2.xml><?xml version="1.0" encoding="utf-8"?>
-<dgm:colorsDef xmlns:dgm="http://schemas.openxmlformats.org/drawingml/2006/diagram" xmlns:a="http://schemas.openxmlformats.org/drawingml/2006/main" uniqueId="urn:microsoft.com/office/officeart/2005/8/colors/accent1_3">
+<dgm:colorsDef xmlns:dgm="http://schemas.openxmlformats.org/drawingml/2006/diagram" xmlns:a="http://schemas.openxmlformats.org/drawingml/2006/main" uniqueId="urn:microsoft.com/office/officeart/2005/8/colors/accent0_3">
   <dgm:title val=""/>
   <dgm:desc val=""/>
   <dgm:catLst>
-    <dgm:cat type="accent1" pri="11300"/>
+    <dgm:cat type="mainScheme" pri="10300"/>
   </dgm:catLst>
   <dgm:styleLbl name="node0">
     <dgm:fillClrLst meth="repeat">
-      <a:schemeClr val="accent1">
-        <a:shade val="80000"/>
-      </a:schemeClr>
+      <a:schemeClr val="dk2"/>
     </dgm:fillClrLst>
     <dgm:linClrLst meth="repeat">
-      <a:schemeClr val="lt1"/>
+      <a:schemeClr val="lt2"/>
     </dgm:linClrLst>
     <dgm:effectClrLst/>
     <dgm:txLinClrLst/>
@@ -3405,20 +3449,152 @@
     <dgm:txEffectClrLst/>
   </dgm:styleLbl>
   <dgm:styleLbl name="alignNode1">
-    <dgm:fillClrLst>
-      <a:schemeClr val="accent1">
+    <dgm:fillClrLst meth="repeat">
+      <a:schemeClr val="dk2"/>
+    </dgm:fillClrLst>
+    <dgm:linClrLst meth="repeat">
+      <a:schemeClr val="dk2"/>
+    </dgm:linClrLst>
+    <dgm:effectClrLst/>
+    <dgm:txLinClrLst/>
+    <dgm:txFillClrLst/>
+    <dgm:txEffectClrLst/>
+  </dgm:styleLbl>
+  <dgm:styleLbl name="node1">
+    <dgm:fillClrLst meth="repeat">
+      <a:schemeClr val="dk2"/>
+    </dgm:fillClrLst>
+    <dgm:linClrLst meth="repeat">
+      <a:schemeClr val="lt2"/>
+    </dgm:linClrLst>
+    <dgm:effectClrLst/>
+    <dgm:txLinClrLst/>
+    <dgm:txFillClrLst/>
+    <dgm:txEffectClrLst/>
+  </dgm:styleLbl>
+  <dgm:styleLbl name="lnNode1">
+    <dgm:fillClrLst meth="repeat">
+      <a:schemeClr val="dk2"/>
+    </dgm:fillClrLst>
+    <dgm:linClrLst meth="repeat">
+      <a:schemeClr val="lt2"/>
+    </dgm:linClrLst>
+    <dgm:effectClrLst/>
+    <dgm:txLinClrLst/>
+    <dgm:txFillClrLst/>
+    <dgm:txEffectClrLst/>
+  </dgm:styleLbl>
+  <dgm:styleLbl name="vennNode1">
+    <dgm:fillClrLst meth="repeat">
+      <a:schemeClr val="dk2">
+        <a:alpha val="50000"/>
+      </a:schemeClr>
+    </dgm:fillClrLst>
+    <dgm:linClrLst meth="repeat">
+      <a:schemeClr val="lt2"/>
+    </dgm:linClrLst>
+    <dgm:effectClrLst/>
+    <dgm:txLinClrLst/>
+    <dgm:txFillClrLst/>
+    <dgm:txEffectClrLst/>
+  </dgm:styleLbl>
+  <dgm:styleLbl name="node2">
+    <dgm:fillClrLst meth="repeat">
+      <a:schemeClr val="dk2"/>
+    </dgm:fillClrLst>
+    <dgm:linClrLst meth="repeat">
+      <a:schemeClr val="lt2"/>
+    </dgm:linClrLst>
+    <dgm:effectClrLst/>
+    <dgm:txLinClrLst/>
+    <dgm:txFillClrLst/>
+    <dgm:txEffectClrLst/>
+  </dgm:styleLbl>
+  <dgm:styleLbl name="node3">
+    <dgm:fillClrLst meth="repeat">
+      <a:schemeClr val="dk2"/>
+    </dgm:fillClrLst>
+    <dgm:linClrLst meth="repeat">
+      <a:schemeClr val="lt2"/>
+    </dgm:linClrLst>
+    <dgm:effectClrLst/>
+    <dgm:txLinClrLst/>
+    <dgm:txFillClrLst/>
+    <dgm:txEffectClrLst/>
+  </dgm:styleLbl>
+  <dgm:styleLbl name="node4">
+    <dgm:fillClrLst meth="repeat">
+      <a:schemeClr val="dk2"/>
+    </dgm:fillClrLst>
+    <dgm:linClrLst meth="repeat">
+      <a:schemeClr val="lt2"/>
+    </dgm:linClrLst>
+    <dgm:effectClrLst/>
+    <dgm:txLinClrLst/>
+    <dgm:txFillClrLst/>
+    <dgm:txEffectClrLst/>
+  </dgm:styleLbl>
+  <dgm:styleLbl name="fgImgPlace1">
+    <dgm:fillClrLst meth="repeat">
+      <a:schemeClr val="dk2">
+        <a:tint val="50000"/>
+      </a:schemeClr>
+    </dgm:fillClrLst>
+    <dgm:linClrLst meth="repeat">
+      <a:schemeClr val="lt2"/>
+    </dgm:linClrLst>
+    <dgm:effectClrLst/>
+    <dgm:txLinClrLst/>
+    <dgm:txFillClrLst meth="repeat">
+      <a:schemeClr val="lt2"/>
+    </dgm:txFillClrLst>
+    <dgm:txEffectClrLst/>
+  </dgm:styleLbl>
+  <dgm:styleLbl name="alignImgPlace1">
+    <dgm:fillClrLst meth="repeat">
+      <a:schemeClr val="dk2">
+        <a:tint val="50000"/>
+      </a:schemeClr>
+    </dgm:fillClrLst>
+    <dgm:linClrLst meth="repeat">
+      <a:schemeClr val="dk2">
         <a:shade val="80000"/>
       </a:schemeClr>
-      <a:schemeClr val="accent1">
-        <a:tint val="70000"/>
+    </dgm:linClrLst>
+    <dgm:effectClrLst/>
+    <dgm:txLinClrLst/>
+    <dgm:txFillClrLst meth="repeat">
+      <a:schemeClr val="lt2"/>
+    </dgm:txFillClrLst>
+    <dgm:txEffectClrLst/>
+  </dgm:styleLbl>
+  <dgm:styleLbl name="bgImgPlace1">
+    <dgm:fillClrLst meth="repeat">
+      <a:schemeClr val="dk2">
+        <a:tint val="50000"/>
       </a:schemeClr>
     </dgm:fillClrLst>
-    <dgm:linClrLst>
-      <a:schemeClr val="accent1">
+    <dgm:linClrLst meth="repeat">
+      <a:schemeClr val="dk2">
         <a:shade val="80000"/>
       </a:schemeClr>
-      <a:schemeClr val="accent1">
-        <a:tint val="70000"/>
+    </dgm:linClrLst>
+    <dgm:effectClrLst/>
+    <dgm:txLinClrLst/>
+    <dgm:txFillClrLst meth="repeat">
+      <a:schemeClr val="lt2"/>
+    </dgm:txFillClrLst>
+    <dgm:txEffectClrLst/>
+  </dgm:styleLbl>
+  <dgm:styleLbl name="sibTrans2D1">
+    <dgm:fillClrLst meth="repeat">
+      <a:schemeClr val="dk2">
+        <a:tint val="60000"/>
+      </a:schemeClr>
+    </dgm:fillClrLst>
+    <dgm:linClrLst meth="repeat">
+      <a:schemeClr val="dk2">
+        <a:tint val="60000"/>
       </a:schemeClr>
     </dgm:linClrLst>
     <dgm:effectClrLst/>
@@ -3426,173 +3602,15 @@
     <dgm:txFillClrLst/>
     <dgm:txEffectClrLst/>
   </dgm:styleLbl>
-  <dgm:styleLbl name="node1">
-    <dgm:fillClrLst>
-      <a:schemeClr val="accent1">
-        <a:shade val="80000"/>
-      </a:schemeClr>
-      <a:schemeClr val="accent1">
-        <a:tint val="70000"/>
+  <dgm:styleLbl name="fgSibTrans2D1">
+    <dgm:fillClrLst meth="repeat">
+      <a:schemeClr val="dk2">
+        <a:tint val="60000"/>
       </a:schemeClr>
     </dgm:fillClrLst>
     <dgm:linClrLst meth="repeat">
-      <a:schemeClr val="lt1"/>
-    </dgm:linClrLst>
-    <dgm:effectClrLst/>
-    <dgm:txLinClrLst/>
-    <dgm:txFillClrLst/>
-    <dgm:txEffectClrLst/>
-  </dgm:styleLbl>
-  <dgm:styleLbl name="lnNode1">
-    <dgm:fillClrLst>
-      <a:schemeClr val="accent1">
-        <a:shade val="80000"/>
-      </a:schemeClr>
-      <a:schemeClr val="accent1">
-        <a:tint val="70000"/>
-      </a:schemeClr>
-    </dgm:fillClrLst>
-    <dgm:linClrLst meth="repeat">
-      <a:schemeClr val="lt1"/>
-    </dgm:linClrLst>
-    <dgm:effectClrLst/>
-    <dgm:txLinClrLst/>
-    <dgm:txFillClrLst/>
-    <dgm:txEffectClrLst/>
-  </dgm:styleLbl>
-  <dgm:styleLbl name="vennNode1">
-    <dgm:fillClrLst>
-      <a:schemeClr val="accent1">
-        <a:shade val="80000"/>
-        <a:alpha val="50000"/>
-      </a:schemeClr>
-      <a:schemeClr val="accent1">
-        <a:tint val="70000"/>
-        <a:alpha val="50000"/>
-      </a:schemeClr>
-    </dgm:fillClrLst>
-    <dgm:linClrLst meth="repeat">
-      <a:schemeClr val="lt1"/>
-    </dgm:linClrLst>
-    <dgm:effectClrLst/>
-    <dgm:txLinClrLst/>
-    <dgm:txFillClrLst/>
-    <dgm:txEffectClrLst/>
-  </dgm:styleLbl>
-  <dgm:styleLbl name="node2">
-    <dgm:fillClrLst>
-      <a:schemeClr val="accent1">
-        <a:tint val="99000"/>
-      </a:schemeClr>
-    </dgm:fillClrLst>
-    <dgm:linClrLst meth="repeat">
-      <a:schemeClr val="lt1"/>
-    </dgm:linClrLst>
-    <dgm:effectClrLst/>
-    <dgm:txLinClrLst/>
-    <dgm:txFillClrLst/>
-    <dgm:txEffectClrLst/>
-  </dgm:styleLbl>
-  <dgm:styleLbl name="node3">
-    <dgm:fillClrLst>
-      <a:schemeClr val="accent1">
-        <a:tint val="80000"/>
-      </a:schemeClr>
-    </dgm:fillClrLst>
-    <dgm:linClrLst meth="repeat">
-      <a:schemeClr val="lt1"/>
-    </dgm:linClrLst>
-    <dgm:effectClrLst/>
-    <dgm:txLinClrLst/>
-    <dgm:txFillClrLst/>
-    <dgm:txEffectClrLst/>
-  </dgm:styleLbl>
-  <dgm:styleLbl name="node4">
-    <dgm:fillClrLst>
-      <a:schemeClr val="accent1">
-        <a:tint val="70000"/>
-      </a:schemeClr>
-    </dgm:fillClrLst>
-    <dgm:linClrLst meth="repeat">
-      <a:schemeClr val="lt1"/>
-    </dgm:linClrLst>
-    <dgm:effectClrLst/>
-    <dgm:txLinClrLst/>
-    <dgm:txFillClrLst/>
-    <dgm:txEffectClrLst/>
-  </dgm:styleLbl>
-  <dgm:styleLbl name="fgImgPlace1">
-    <dgm:fillClrLst>
-      <a:schemeClr val="accent1">
-        <a:tint val="50000"/>
-      </a:schemeClr>
-      <a:schemeClr val="accent1">
-        <a:tint val="20000"/>
-      </a:schemeClr>
-    </dgm:fillClrLst>
-    <dgm:linClrLst meth="repeat">
-      <a:schemeClr val="lt1"/>
-    </dgm:linClrLst>
-    <dgm:effectClrLst/>
-    <dgm:txLinClrLst/>
-    <dgm:txFillClrLst meth="repeat">
-      <a:schemeClr val="lt1"/>
-    </dgm:txFillClrLst>
-    <dgm:txEffectClrLst/>
-  </dgm:styleLbl>
-  <dgm:styleLbl name="alignImgPlace1">
-    <dgm:fillClrLst>
-      <a:schemeClr val="accent1">
-        <a:tint val="50000"/>
-      </a:schemeClr>
-      <a:schemeClr val="accent1">
-        <a:tint val="20000"/>
-      </a:schemeClr>
-    </dgm:fillClrLst>
-    <dgm:linClrLst meth="repeat">
-      <a:schemeClr val="lt1"/>
-    </dgm:linClrLst>
-    <dgm:effectClrLst/>
-    <dgm:txLinClrLst/>
-    <dgm:txFillClrLst meth="repeat">
-      <a:schemeClr val="lt1"/>
-    </dgm:txFillClrLst>
-    <dgm:txEffectClrLst/>
-  </dgm:styleLbl>
-  <dgm:styleLbl name="bgImgPlace1">
-    <dgm:fillClrLst>
-      <a:schemeClr val="accent1">
-        <a:tint val="50000"/>
-      </a:schemeClr>
-      <a:schemeClr val="accent1">
-        <a:tint val="20000"/>
-      </a:schemeClr>
-    </dgm:fillClrLst>
-    <dgm:linClrLst meth="repeat">
-      <a:schemeClr val="lt1"/>
-    </dgm:linClrLst>
-    <dgm:effectClrLst/>
-    <dgm:txLinClrLst/>
-    <dgm:txFillClrLst meth="repeat">
-      <a:schemeClr val="lt1"/>
-    </dgm:txFillClrLst>
-    <dgm:txEffectClrLst/>
-  </dgm:styleLbl>
-  <dgm:styleLbl name="sibTrans2D1">
-    <dgm:fillClrLst>
-      <a:schemeClr val="accent1">
-        <a:shade val="90000"/>
-      </a:schemeClr>
-      <a:schemeClr val="accent1">
-        <a:tint val="70000"/>
-      </a:schemeClr>
-    </dgm:fillClrLst>
-    <dgm:linClrLst>
-      <a:schemeClr val="accent1">
-        <a:shade val="90000"/>
-      </a:schemeClr>
-      <a:schemeClr val="accent1">
-        <a:tint val="70000"/>
+      <a:schemeClr val="dk2">
+        <a:tint val="60000"/>
       </a:schemeClr>
     </dgm:linClrLst>
     <dgm:effectClrLst/>
@@ -3600,69 +3618,179 @@
     <dgm:txFillClrLst/>
     <dgm:txEffectClrLst/>
   </dgm:styleLbl>
-  <dgm:styleLbl name="fgSibTrans2D1">
-    <dgm:fillClrLst>
-      <a:schemeClr val="accent1">
-        <a:shade val="90000"/>
-      </a:schemeClr>
-      <a:schemeClr val="accent1">
-        <a:tint val="70000"/>
+  <dgm:styleLbl name="bgSibTrans2D1">
+    <dgm:fillClrLst meth="repeat">
+      <a:schemeClr val="dk2">
+        <a:tint val="60000"/>
       </a:schemeClr>
     </dgm:fillClrLst>
-    <dgm:linClrLst>
-      <a:schemeClr val="accent1">
-        <a:shade val="90000"/>
+    <dgm:linClrLst meth="repeat">
+      <a:schemeClr val="dk2">
+        <a:tint val="60000"/>
       </a:schemeClr>
-      <a:schemeClr val="accent1">
-        <a:tint val="70000"/>
+    </dgm:linClrLst>
+    <dgm:effectClrLst/>
+    <dgm:txLinClrLst/>
+    <dgm:txFillClrLst/>
+    <dgm:txEffectClrLst/>
+  </dgm:styleLbl>
+  <dgm:styleLbl name="sibTrans1D1">
+    <dgm:fillClrLst meth="repeat">
+      <a:schemeClr val="dk2"/>
+    </dgm:fillClrLst>
+    <dgm:linClrLst meth="repeat">
+      <a:schemeClr val="dk2"/>
+    </dgm:linClrLst>
+    <dgm:effectClrLst/>
+    <dgm:txLinClrLst/>
+    <dgm:txFillClrLst meth="repeat">
+      <a:schemeClr val="lt2"/>
+    </dgm:txFillClrLst>
+    <dgm:txEffectClrLst/>
+  </dgm:styleLbl>
+  <dgm:styleLbl name="callout">
+    <dgm:fillClrLst meth="repeat">
+      <a:schemeClr val="dk2"/>
+    </dgm:fillClrLst>
+    <dgm:linClrLst meth="repeat">
+      <a:schemeClr val="dk2">
+        <a:tint val="50000"/>
       </a:schemeClr>
     </dgm:linClrLst>
     <dgm:effectClrLst/>
     <dgm:txLinClrLst/>
     <dgm:txFillClrLst meth="repeat">
-      <a:schemeClr val="lt1"/>
+      <a:schemeClr val="lt2"/>
     </dgm:txFillClrLst>
     <dgm:txEffectClrLst/>
   </dgm:styleLbl>
-  <dgm:styleLbl name="bgSibTrans2D1">
-    <dgm:fillClrLst>
-      <a:schemeClr val="accent1">
-        <a:shade val="90000"/>
-      </a:schemeClr>
-      <a:schemeClr val="accent1">
-        <a:tint val="70000"/>
+  <dgm:styleLbl name="asst0">
+    <dgm:fillClrLst meth="repeat">
+      <a:schemeClr val="dk2"/>
+    </dgm:fillClrLst>
+    <dgm:linClrLst meth="repeat">
+      <a:schemeClr val="lt2"/>
+    </dgm:linClrLst>
+    <dgm:effectClrLst/>
+    <dgm:txLinClrLst/>
+    <dgm:txFillClrLst/>
+    <dgm:txEffectClrLst/>
+  </dgm:styleLbl>
+  <dgm:styleLbl name="asst1">
+    <dgm:fillClrLst meth="repeat">
+      <a:schemeClr val="dk2"/>
+    </dgm:fillClrLst>
+    <dgm:linClrLst meth="repeat">
+      <a:schemeClr val="lt2"/>
+    </dgm:linClrLst>
+    <dgm:effectClrLst/>
+    <dgm:txLinClrLst/>
+    <dgm:txFillClrLst/>
+    <dgm:txEffectClrLst/>
+  </dgm:styleLbl>
+  <dgm:styleLbl name="asst2">
+    <dgm:fillClrLst meth="repeat">
+      <a:schemeClr val="dk2"/>
+    </dgm:fillClrLst>
+    <dgm:linClrLst meth="repeat">
+      <a:schemeClr val="lt2"/>
+    </dgm:linClrLst>
+    <dgm:effectClrLst/>
+    <dgm:txLinClrLst/>
+    <dgm:txFillClrLst/>
+    <dgm:txEffectClrLst/>
+  </dgm:styleLbl>
+  <dgm:styleLbl name="asst3">
+    <dgm:fillClrLst meth="repeat">
+      <a:schemeClr val="dk2"/>
+    </dgm:fillClrLst>
+    <dgm:linClrLst meth="repeat">
+      <a:schemeClr val="lt2"/>
+    </dgm:linClrLst>
+    <dgm:effectClrLst/>
+    <dgm:txLinClrLst/>
+    <dgm:txFillClrLst/>
+    <dgm:txEffectClrLst/>
+  </dgm:styleLbl>
+  <dgm:styleLbl name="asst4">
+    <dgm:fillClrLst meth="repeat">
+      <a:schemeClr val="dk2"/>
+    </dgm:fillClrLst>
+    <dgm:linClrLst meth="repeat">
+      <a:schemeClr val="lt2"/>
+    </dgm:linClrLst>
+    <dgm:effectClrLst/>
+    <dgm:txLinClrLst/>
+    <dgm:txFillClrLst/>
+    <dgm:txEffectClrLst/>
+  </dgm:styleLbl>
+  <dgm:styleLbl name="parChTrans2D1">
+    <dgm:fillClrLst meth="repeat">
+      <a:schemeClr val="dk2">
+        <a:tint val="60000"/>
       </a:schemeClr>
     </dgm:fillClrLst>
-    <dgm:linClrLst>
-      <a:schemeClr val="accent1">
-        <a:shade val="90000"/>
-      </a:schemeClr>
-      <a:schemeClr val="accent1">
-        <a:tint val="70000"/>
+    <dgm:linClrLst meth="repeat">
+      <a:schemeClr val="dk2">
+        <a:tint val="60000"/>
       </a:schemeClr>
     </dgm:linClrLst>
     <dgm:effectClrLst/>
     <dgm:txLinClrLst/>
     <dgm:txFillClrLst meth="repeat">
-      <a:schemeClr val="lt1"/>
+      <a:schemeClr val="lt2"/>
     </dgm:txFillClrLst>
     <dgm:txEffectClrLst/>
   </dgm:styleLbl>
-  <dgm:styleLbl name="sibTrans1D1">
-    <dgm:fillClrLst>
-      <a:schemeClr val="accent1">
-        <a:shade val="90000"/>
-      </a:schemeClr>
-      <a:schemeClr val="accent1">
-        <a:tint val="70000"/>
-      </a:schemeClr>
+  <dgm:styleLbl name="parChTrans2D2">
+    <dgm:fillClrLst meth="repeat">
+      <a:schemeClr val="dk2"/>
     </dgm:fillClrLst>
-    <dgm:linClrLst>
-      <a:schemeClr val="accent1">
-        <a:shade val="90000"/>
-      </a:schemeClr>
-      <a:schemeClr val="accent1">
-        <a:tint val="70000"/>
+    <dgm:linClrLst meth="repeat">
+      <a:schemeClr val="dk2"/>
+    </dgm:linClrLst>
+    <dgm:effectClrLst/>
+    <dgm:txLinClrLst/>
+    <dgm:txFillClrLst meth="repeat">
+      <a:schemeClr val="lt2"/>
+    </dgm:txFillClrLst>
+    <dgm:txEffectClrLst/>
+  </dgm:styleLbl>
+  <dgm:styleLbl name="parChTrans2D3">
+    <dgm:fillClrLst meth="repeat">
+      <a:schemeClr val="dk2"/>
+    </dgm:fillClrLst>
+    <dgm:linClrLst meth="repeat">
+      <a:schemeClr val="dk2"/>
+    </dgm:linClrLst>
+    <dgm:effectClrLst/>
+    <dgm:txLinClrLst/>
+    <dgm:txFillClrLst meth="repeat">
+      <a:schemeClr val="lt2"/>
+    </dgm:txFillClrLst>
+    <dgm:txEffectClrLst/>
+  </dgm:styleLbl>
+  <dgm:styleLbl name="parChTrans2D4">
+    <dgm:fillClrLst meth="repeat">
+      <a:schemeClr val="dk2"/>
+    </dgm:fillClrLst>
+    <dgm:linClrLst meth="repeat">
+      <a:schemeClr val="dk2"/>
+    </dgm:linClrLst>
+    <dgm:effectClrLst/>
+    <dgm:txLinClrLst/>
+    <dgm:txFillClrLst meth="repeat">
+      <a:schemeClr val="lt2"/>
+    </dgm:txFillClrLst>
+    <dgm:txEffectClrLst/>
+  </dgm:styleLbl>
+  <dgm:styleLbl name="parChTrans1D1">
+    <dgm:fillClrLst meth="repeat">
+      <a:schemeClr val="dk2"/>
+    </dgm:fillClrLst>
+    <dgm:linClrLst meth="repeat">
+      <a:schemeClr val="dk2">
+        <a:shade val="60000"/>
       </a:schemeClr>
     </dgm:linClrLst>
     <dgm:effectClrLst/>
@@ -3672,12 +3800,14 @@
     </dgm:txFillClrLst>
     <dgm:txEffectClrLst/>
   </dgm:styleLbl>
-  <dgm:styleLbl name="callout">
+  <dgm:styleLbl name="parChTrans1D2">
     <dgm:fillClrLst meth="repeat">
-      <a:schemeClr val="accent1"/>
+      <a:schemeClr val="dk2"/>
     </dgm:fillClrLst>
     <dgm:linClrLst meth="repeat">
-      <a:schemeClr val="accent1"/>
+      <a:schemeClr val="dk2">
+        <a:shade val="60000"/>
+      </a:schemeClr>
     </dgm:linClrLst>
     <dgm:effectClrLst/>
     <dgm:txLinClrLst/>
@@ -3686,152 +3816,12 @@
     </dgm:txFillClrLst>
     <dgm:txEffectClrLst/>
   </dgm:styleLbl>
-  <dgm:styleLbl name="asst0">
+  <dgm:styleLbl name="parChTrans1D3">
     <dgm:fillClrLst meth="repeat">
-      <a:schemeClr val="accent1">
-        <a:shade val="80000"/>
-      </a:schemeClr>
+      <a:schemeClr val="dk2"/>
     </dgm:fillClrLst>
     <dgm:linClrLst meth="repeat">
-      <a:schemeClr val="lt1"/>
-    </dgm:linClrLst>
-    <dgm:effectClrLst/>
-    <dgm:txLinClrLst/>
-    <dgm:txFillClrLst/>
-    <dgm:txEffectClrLst/>
-  </dgm:styleLbl>
-  <dgm:styleLbl name="asst1">
-    <dgm:fillClrLst meth="repeat">
-      <a:schemeClr val="accent1">
-        <a:shade val="80000"/>
-      </a:schemeClr>
-    </dgm:fillClrLst>
-    <dgm:linClrLst meth="repeat">
-      <a:schemeClr val="lt1"/>
-    </dgm:linClrLst>
-    <dgm:effectClrLst/>
-    <dgm:txLinClrLst/>
-    <dgm:txFillClrLst/>
-    <dgm:txEffectClrLst/>
-  </dgm:styleLbl>
-  <dgm:styleLbl name="asst2">
-    <dgm:fillClrLst>
-      <a:schemeClr val="accent1">
-        <a:tint val="99000"/>
-      </a:schemeClr>
-    </dgm:fillClrLst>
-    <dgm:linClrLst meth="repeat">
-      <a:schemeClr val="lt1"/>
-    </dgm:linClrLst>
-    <dgm:effectClrLst/>
-    <dgm:txLinClrLst/>
-    <dgm:txFillClrLst/>
-    <dgm:txEffectClrLst/>
-  </dgm:styleLbl>
-  <dgm:styleLbl name="asst3">
-    <dgm:fillClrLst>
-      <a:schemeClr val="accent1">
-        <a:tint val="80000"/>
-      </a:schemeClr>
-    </dgm:fillClrLst>
-    <dgm:linClrLst meth="repeat">
-      <a:schemeClr val="lt1"/>
-    </dgm:linClrLst>
-    <dgm:effectClrLst/>
-    <dgm:txLinClrLst/>
-    <dgm:txFillClrLst/>
-    <dgm:txEffectClrLst/>
-  </dgm:styleLbl>
-  <dgm:styleLbl name="asst4">
-    <dgm:fillClrLst>
-      <a:schemeClr val="accent1">
-        <a:tint val="70000"/>
-      </a:schemeClr>
-    </dgm:fillClrLst>
-    <dgm:linClrLst meth="repeat">
-      <a:schemeClr val="lt1"/>
-    </dgm:linClrLst>
-    <dgm:effectClrLst/>
-    <dgm:txLinClrLst/>
-    <dgm:txFillClrLst/>
-    <dgm:txEffectClrLst/>
-  </dgm:styleLbl>
-  <dgm:styleLbl name="parChTrans2D1">
-    <dgm:fillClrLst meth="repeat">
-      <a:schemeClr val="accent1">
-        <a:tint val="60000"/>
-      </a:schemeClr>
-    </dgm:fillClrLst>
-    <dgm:linClrLst meth="repeat">
-      <a:schemeClr val="accent1">
-        <a:tint val="60000"/>
-      </a:schemeClr>
-    </dgm:linClrLst>
-    <dgm:effectClrLst/>
-    <dgm:txLinClrLst/>
-    <dgm:txFillClrLst meth="repeat">
-      <a:schemeClr val="lt1"/>
-    </dgm:txFillClrLst>
-    <dgm:txEffectClrLst/>
-  </dgm:styleLbl>
-  <dgm:styleLbl name="parChTrans2D2">
-    <dgm:fillClrLst meth="repeat">
-      <a:schemeClr val="accent1">
-        <a:tint val="90000"/>
-      </a:schemeClr>
-    </dgm:fillClrLst>
-    <dgm:linClrLst meth="repeat">
-      <a:schemeClr val="accent1">
-        <a:tint val="90000"/>
-      </a:schemeClr>
-    </dgm:linClrLst>
-    <dgm:effectClrLst/>
-    <dgm:txLinClrLst/>
-    <dgm:txFillClrLst/>
-    <dgm:txEffectClrLst/>
-  </dgm:styleLbl>
-  <dgm:styleLbl name="parChTrans2D3">
-    <dgm:fillClrLst meth="repeat">
-      <a:schemeClr val="accent1">
-        <a:tint val="70000"/>
-      </a:schemeClr>
-    </dgm:fillClrLst>
-    <dgm:linClrLst meth="repeat">
-      <a:schemeClr val="accent1">
-        <a:tint val="70000"/>
-      </a:schemeClr>
-    </dgm:linClrLst>
-    <dgm:effectClrLst/>
-    <dgm:txLinClrLst/>
-    <dgm:txFillClrLst/>
-    <dgm:txEffectClrLst/>
-  </dgm:styleLbl>
-  <dgm:styleLbl name="parChTrans2D4">
-    <dgm:fillClrLst meth="repeat">
-      <a:schemeClr val="accent1">
-        <a:tint val="50000"/>
-      </a:schemeClr>
-    </dgm:fillClrLst>
-    <dgm:linClrLst meth="repeat">
-      <a:schemeClr val="accent1">
-        <a:tint val="50000"/>
-      </a:schemeClr>
-    </dgm:linClrLst>
-    <dgm:effectClrLst/>
-    <dgm:txLinClrLst/>
-    <dgm:txFillClrLst meth="repeat">
-      <a:schemeClr val="lt1"/>
-    </dgm:txFillClrLst>
-    <dgm:txEffectClrLst/>
-  </dgm:styleLbl>
-  <dgm:styleLbl name="parChTrans1D1">
-    <dgm:fillClrLst meth="repeat">
-      <a:schemeClr val="accent1">
-        <a:shade val="80000"/>
-      </a:schemeClr>
-    </dgm:fillClrLst>
-    <dgm:linClrLst meth="repeat">
-      <a:schemeClr val="accent1">
+      <a:schemeClr val="dk2">
         <a:shade val="80000"/>
       </a:schemeClr>
     </dgm:linClrLst>
@@ -3842,15 +3832,13 @@
     </dgm:txFillClrLst>
     <dgm:txEffectClrLst/>
   </dgm:styleLbl>
-  <dgm:styleLbl name="parChTrans1D2">
+  <dgm:styleLbl name="parChTrans1D4">
     <dgm:fillClrLst meth="repeat">
-      <a:schemeClr val="accent1">
-        <a:tint val="99000"/>
-      </a:schemeClr>
+      <a:schemeClr val="dk2"/>
     </dgm:fillClrLst>
     <dgm:linClrLst meth="repeat">
-      <a:schemeClr val="accent1">
-        <a:tint val="99000"/>
+      <a:schemeClr val="dk2">
+        <a:shade val="80000"/>
       </a:schemeClr>
     </dgm:linClrLst>
     <dgm:effectClrLst/>
@@ -3860,55 +3848,14 @@
     </dgm:txFillClrLst>
     <dgm:txEffectClrLst/>
   </dgm:styleLbl>
-  <dgm:styleLbl name="parChTrans1D3">
+  <dgm:styleLbl name="fgAcc1">
     <dgm:fillClrLst meth="repeat">
-      <a:schemeClr val="accent1">
-        <a:tint val="80000"/>
+      <a:schemeClr val="lt2">
+        <a:alpha val="90000"/>
       </a:schemeClr>
     </dgm:fillClrLst>
     <dgm:linClrLst meth="repeat">
-      <a:schemeClr val="accent1">
-        <a:tint val="80000"/>
-      </a:schemeClr>
-    </dgm:linClrLst>
-    <dgm:effectClrLst/>
-    <dgm:txLinClrLst/>
-    <dgm:txFillClrLst meth="repeat">
-      <a:schemeClr val="tx1"/>
-    </dgm:txFillClrLst>
-    <dgm:txEffectClrLst/>
-  </dgm:styleLbl>
-  <dgm:styleLbl name="parChTrans1D4">
-    <dgm:fillClrLst meth="repeat">
-      <a:schemeClr val="accent1">
-        <a:tint val="70000"/>
-      </a:schemeClr>
-    </dgm:fillClrLst>
-    <dgm:linClrLst meth="repeat">
-      <a:schemeClr val="accent1">
-        <a:tint val="70000"/>
-      </a:schemeClr>
-    </dgm:linClrLst>
-    <dgm:effectClrLst/>
-    <dgm:txLinClrLst/>
-    <dgm:txFillClrLst meth="repeat">
-      <a:schemeClr val="tx1"/>
-    </dgm:txFillClrLst>
-    <dgm:txEffectClrLst/>
-  </dgm:styleLbl>
-  <dgm:styleLbl name="fgAcc1">
-    <dgm:fillClrLst meth="repeat">
-      <a:schemeClr val="lt1">
-        <a:alpha val="90000"/>
-      </a:schemeClr>
-    </dgm:fillClrLst>
-    <dgm:linClrLst>
-      <a:schemeClr val="accent1">
-        <a:shade val="80000"/>
-      </a:schemeClr>
-      <a:schemeClr val="accent1">
-        <a:tint val="70000"/>
-      </a:schemeClr>
+      <a:schemeClr val="dk2"/>
     </dgm:linClrLst>
     <dgm:effectClrLst/>
     <dgm:txLinClrLst/>
@@ -3919,17 +3866,12 @@
   </dgm:styleLbl>
   <dgm:styleLbl name="conFgAcc1">
     <dgm:fillClrLst meth="repeat">
-      <a:schemeClr val="lt1">
+      <a:schemeClr val="lt2">
         <a:alpha val="90000"/>
       </a:schemeClr>
     </dgm:fillClrLst>
-    <dgm:linClrLst>
-      <a:schemeClr val="accent1">
-        <a:shade val="80000"/>
-      </a:schemeClr>
-      <a:schemeClr val="accent1">
-        <a:tint val="70000"/>
-      </a:schemeClr>
+    <dgm:linClrLst meth="repeat">
+      <a:schemeClr val="dk2"/>
     </dgm:linClrLst>
     <dgm:effectClrLst/>
     <dgm:txLinClrLst/>
@@ -3940,17 +3882,12 @@
   </dgm:styleLbl>
   <dgm:styleLbl name="alignAcc1">
     <dgm:fillClrLst meth="repeat">
-      <a:schemeClr val="lt1">
+      <a:schemeClr val="lt2">
         <a:alpha val="90000"/>
       </a:schemeClr>
     </dgm:fillClrLst>
-    <dgm:linClrLst>
-      <a:schemeClr val="accent1">
-        <a:shade val="80000"/>
-      </a:schemeClr>
-      <a:schemeClr val="accent1">
-        <a:tint val="70000"/>
-      </a:schemeClr>
+    <dgm:linClrLst meth="repeat">
+      <a:schemeClr val="dk2"/>
     </dgm:linClrLst>
     <dgm:effectClrLst/>
     <dgm:txLinClrLst/>
@@ -3961,12 +3898,12 @@
   </dgm:styleLbl>
   <dgm:styleLbl name="trAlignAcc1">
     <dgm:fillClrLst meth="repeat">
-      <a:schemeClr val="lt1">
+      <a:schemeClr val="lt2">
         <a:alpha val="40000"/>
       </a:schemeClr>
     </dgm:fillClrLst>
     <dgm:linClrLst meth="repeat">
-      <a:schemeClr val="accent1"/>
+      <a:schemeClr val="dk2"/>
     </dgm:linClrLst>
     <dgm:effectClrLst/>
     <dgm:txLinClrLst/>
@@ -3977,17 +3914,12 @@
   </dgm:styleLbl>
   <dgm:styleLbl name="bgAcc1">
     <dgm:fillClrLst meth="repeat">
-      <a:schemeClr val="lt1">
+      <a:schemeClr val="lt2">
         <a:alpha val="90000"/>
       </a:schemeClr>
     </dgm:fillClrLst>
-    <dgm:linClrLst>
-      <a:schemeClr val="accent1">
-        <a:shade val="80000"/>
-      </a:schemeClr>
-      <a:schemeClr val="accent1">
-        <a:tint val="70000"/>
-      </a:schemeClr>
+    <dgm:linClrLst meth="repeat">
+      <a:schemeClr val="dk2"/>
     </dgm:linClrLst>
     <dgm:effectClrLst/>
     <dgm:txLinClrLst/>
@@ -3998,15 +3930,10 @@
   </dgm:styleLbl>
   <dgm:styleLbl name="solidFgAcc1">
     <dgm:fillClrLst meth="repeat">
-      <a:schemeClr val="lt1"/>
+      <a:schemeClr val="lt2"/>
     </dgm:fillClrLst>
-    <dgm:linClrLst>
-      <a:schemeClr val="accent1">
-        <a:shade val="80000"/>
-      </a:schemeClr>
-      <a:schemeClr val="accent1">
-        <a:tint val="70000"/>
-      </a:schemeClr>
+    <dgm:linClrLst meth="repeat">
+      <a:schemeClr val="dk2"/>
     </dgm:linClrLst>
     <dgm:effectClrLst/>
     <dgm:txLinClrLst/>
@@ -4017,10 +3944,10 @@
   </dgm:styleLbl>
   <dgm:styleLbl name="solidAlignAcc1">
     <dgm:fillClrLst meth="repeat">
-      <a:schemeClr val="lt1"/>
+      <a:schemeClr val="lt2"/>
     </dgm:fillClrLst>
     <dgm:linClrLst meth="repeat">
-      <a:schemeClr val="accent1"/>
+      <a:schemeClr val="dk2"/>
     </dgm:linClrLst>
     <dgm:effectClrLst/>
     <dgm:txLinClrLst/>
@@ -4031,10 +3958,10 @@
   </dgm:styleLbl>
   <dgm:styleLbl name="solidBgAcc1">
     <dgm:fillClrLst meth="repeat">
-      <a:schemeClr val="lt1"/>
+      <a:schemeClr val="lt2"/>
     </dgm:fillClrLst>
     <dgm:linClrLst meth="repeat">
-      <a:schemeClr val="accent1"/>
+      <a:schemeClr val="dk2"/>
     </dgm:linClrLst>
     <dgm:effectClrLst/>
     <dgm:txLinClrLst/>
@@ -4045,13 +3972,13 @@
   </dgm:styleLbl>
   <dgm:styleLbl name="fgAccFollowNode1">
     <dgm:fillClrLst meth="repeat">
-      <a:schemeClr val="accent1">
+      <a:schemeClr val="dk2">
         <a:alpha val="90000"/>
         <a:tint val="40000"/>
       </a:schemeClr>
     </dgm:fillClrLst>
     <dgm:linClrLst meth="repeat">
-      <a:schemeClr val="accent1">
+      <a:schemeClr val="dk2">
         <a:alpha val="90000"/>
         <a:tint val="40000"/>
       </a:schemeClr>
@@ -4065,13 +3992,13 @@
   </dgm:styleLbl>
   <dgm:styleLbl name="alignAccFollowNode1">
     <dgm:fillClrLst meth="repeat">
-      <a:schemeClr val="accent1">
+      <a:schemeClr val="dk2">
         <a:alpha val="90000"/>
         <a:tint val="40000"/>
       </a:schemeClr>
     </dgm:fillClrLst>
     <dgm:linClrLst meth="repeat">
-      <a:schemeClr val="accent1">
+      <a:schemeClr val="dk2">
         <a:alpha val="90000"/>
         <a:tint val="40000"/>
       </a:schemeClr>
@@ -4085,30 +4012,15 @@
   </dgm:styleLbl>
   <dgm:styleLbl name="bgAccFollowNode1">
     <dgm:fillClrLst meth="repeat">
-      <a:schemeClr val="accent1">
+      <a:schemeClr val="dk2">
         <a:alpha val="90000"/>
         <a:tint val="40000"/>
       </a:schemeClr>
     </dgm:fillClrLst>
     <dgm:linClrLst meth="repeat">
-      <a:schemeClr val="lt1"/>
-    </dgm:linClrLst>
-    <dgm:effectClrLst/>
-    <dgm:txLinClrLst/>
-    <dgm:txFillClrLst meth="repeat">
-      <a:schemeClr val="dk1"/>
-    </dgm:txFillClrLst>
-    <dgm:txEffectClrLst/>
-  </dgm:styleLbl>
-  <dgm:styleLbl name="fgAcc0">
-    <dgm:fillClrLst meth="repeat">
-      <a:schemeClr val="lt1">
+      <a:schemeClr val="dk2">
         <a:alpha val="90000"/>
-      </a:schemeClr>
-    </dgm:fillClrLst>
-    <dgm:linClrLst meth="repeat">
-      <a:schemeClr val="accent1">
-        <a:shade val="80000"/>
+        <a:tint val="40000"/>
       </a:schemeClr>
     </dgm:linClrLst>
     <dgm:effectClrLst/>
@@ -4118,16 +4030,14 @@
     </dgm:txFillClrLst>
     <dgm:txEffectClrLst/>
   </dgm:styleLbl>
-  <dgm:styleLbl name="fgAcc2">
+  <dgm:styleLbl name="fgAcc0">
     <dgm:fillClrLst meth="repeat">
-      <a:schemeClr val="lt1">
+      <a:schemeClr val="lt2">
         <a:alpha val="90000"/>
       </a:schemeClr>
     </dgm:fillClrLst>
     <dgm:linClrLst meth="repeat">
-      <a:schemeClr val="accent1">
-        <a:tint val="99000"/>
-      </a:schemeClr>
+      <a:schemeClr val="dk2"/>
     </dgm:linClrLst>
     <dgm:effectClrLst/>
     <dgm:txLinClrLst/>
@@ -4136,16 +4046,14 @@
     </dgm:txFillClrLst>
     <dgm:txEffectClrLst/>
   </dgm:styleLbl>
-  <dgm:styleLbl name="fgAcc3">
+  <dgm:styleLbl name="fgAcc2">
     <dgm:fillClrLst meth="repeat">
-      <a:schemeClr val="lt1">
+      <a:schemeClr val="lt2">
         <a:alpha val="90000"/>
       </a:schemeClr>
     </dgm:fillClrLst>
     <dgm:linClrLst meth="repeat">
-      <a:schemeClr val="accent1">
-        <a:tint val="80000"/>
-      </a:schemeClr>
+      <a:schemeClr val="dk2"/>
     </dgm:linClrLst>
     <dgm:effectClrLst/>
     <dgm:txLinClrLst/>
@@ -4154,16 +4062,14 @@
     </dgm:txFillClrLst>
     <dgm:txEffectClrLst/>
   </dgm:styleLbl>
-  <dgm:styleLbl name="fgAcc4">
+  <dgm:styleLbl name="fgAcc3">
     <dgm:fillClrLst meth="repeat">
-      <a:schemeClr val="lt1">
+      <a:schemeClr val="lt2">
         <a:alpha val="90000"/>
       </a:schemeClr>
     </dgm:fillClrLst>
     <dgm:linClrLst meth="repeat">
-      <a:schemeClr val="accent1">
-        <a:tint val="70000"/>
-      </a:schemeClr>
+      <a:schemeClr val="dk2"/>
     </dgm:linClrLst>
     <dgm:effectClrLst/>
     <dgm:txLinClrLst/>
@@ -4172,14 +4078,14 @@
     </dgm:txFillClrLst>
     <dgm:txEffectClrLst/>
   </dgm:styleLbl>
-  <dgm:styleLbl name="bgShp">
+  <dgm:styleLbl name="fgAcc4">
     <dgm:fillClrLst meth="repeat">
-      <a:schemeClr val="accent1">
-        <a:tint val="40000"/>
+      <a:schemeClr val="lt2">
+        <a:alpha val="90000"/>
       </a:schemeClr>
     </dgm:fillClrLst>
     <dgm:linClrLst meth="repeat">
-      <a:schemeClr val="dk1"/>
+      <a:schemeClr val="dk2"/>
     </dgm:linClrLst>
     <dgm:effectClrLst/>
     <dgm:txLinClrLst/>
@@ -4188,14 +4094,30 @@
     </dgm:txFillClrLst>
     <dgm:txEffectClrLst/>
   </dgm:styleLbl>
-  <dgm:styleLbl name="dkBgShp">
+  <dgm:styleLbl name="bgShp">
     <dgm:fillClrLst meth="repeat">
-      <a:schemeClr val="accent1">
-        <a:shade val="90000"/>
+      <a:schemeClr val="dk2">
+        <a:tint val="40000"/>
       </a:schemeClr>
     </dgm:fillClrLst>
     <dgm:linClrLst meth="repeat">
+      <a:schemeClr val="dk2"/>
+    </dgm:linClrLst>
+    <dgm:effectClrLst/>
+    <dgm:txLinClrLst/>
+    <dgm:txFillClrLst meth="repeat">
       <a:schemeClr val="dk1"/>
+    </dgm:txFillClrLst>
+    <dgm:txEffectClrLst/>
+  </dgm:styleLbl>
+  <dgm:styleLbl name="dkBgShp">
+    <dgm:fillClrLst meth="repeat">
+      <a:schemeClr val="dk2">
+        <a:shade val="80000"/>
+      </a:schemeClr>
+    </dgm:fillClrLst>
+    <dgm:linClrLst meth="repeat">
+      <a:schemeClr val="dk2"/>
     </dgm:linClrLst>
     <dgm:effectClrLst/>
     <dgm:txLinClrLst/>
@@ -4206,13 +4128,13 @@
   </dgm:styleLbl>
   <dgm:styleLbl name="trBgShp">
     <dgm:fillClrLst meth="repeat">
-      <a:schemeClr val="accent1">
+      <a:schemeClr val="dk2">
         <a:tint val="50000"/>
         <a:alpha val="40000"/>
       </a:schemeClr>
     </dgm:fillClrLst>
     <dgm:linClrLst meth="repeat">
-      <a:schemeClr val="accent1"/>
+      <a:schemeClr val="dk2"/>
     </dgm:linClrLst>
     <dgm:effectClrLst/>
     <dgm:txLinClrLst/>
@@ -4223,12 +4145,12 @@
   </dgm:styleLbl>
   <dgm:styleLbl name="fgShp">
     <dgm:fillClrLst meth="repeat">
-      <a:schemeClr val="accent1">
-        <a:tint val="40000"/>
+      <a:schemeClr val="dk2">
+        <a:tint val="60000"/>
       </a:schemeClr>
     </dgm:fillClrLst>
     <dgm:linClrLst meth="repeat">
-      <a:schemeClr val="lt1"/>
+      <a:schemeClr val="lt2"/>
     </dgm:linClrLst>
     <dgm:effectClrLst/>
     <dgm:txLinClrLst/>
@@ -4239,7 +4161,7 @@
   </dgm:styleLbl>
   <dgm:styleLbl name="revTx">
     <dgm:fillClrLst meth="repeat">
-      <a:schemeClr val="lt1">
+      <a:schemeClr val="lt2">
         <a:alpha val="0"/>
       </a:schemeClr>
     </dgm:fillClrLst>
@@ -4259,20 +4181,18 @@
 </file>
 
 <file path=ppt/diagrams/colors3.xml><?xml version="1.0" encoding="utf-8"?>
-<dgm:colorsDef xmlns:dgm="http://schemas.openxmlformats.org/drawingml/2006/diagram" xmlns:a="http://schemas.openxmlformats.org/drawingml/2006/main" uniqueId="urn:microsoft.com/office/officeart/2005/8/colors/accent1_3">
+<dgm:colorsDef xmlns:dgm="http://schemas.openxmlformats.org/drawingml/2006/diagram" xmlns:a="http://schemas.openxmlformats.org/drawingml/2006/main" uniqueId="urn:microsoft.com/office/officeart/2005/8/colors/accent0_3">
   <dgm:title val=""/>
   <dgm:desc val=""/>
   <dgm:catLst>
-    <dgm:cat type="accent1" pri="11300"/>
+    <dgm:cat type="mainScheme" pri="10300"/>
   </dgm:catLst>
   <dgm:styleLbl name="node0">
     <dgm:fillClrLst meth="repeat">
-      <a:schemeClr val="accent1">
-        <a:shade val="80000"/>
-      </a:schemeClr>
+      <a:schemeClr val="dk2"/>
     </dgm:fillClrLst>
     <dgm:linClrLst meth="repeat">
-      <a:schemeClr val="lt1"/>
+      <a:schemeClr val="lt2"/>
     </dgm:linClrLst>
     <dgm:effectClrLst/>
     <dgm:txLinClrLst/>
@@ -4280,20 +4200,152 @@
     <dgm:txEffectClrLst/>
   </dgm:styleLbl>
   <dgm:styleLbl name="alignNode1">
-    <dgm:fillClrLst>
-      <a:schemeClr val="accent1">
+    <dgm:fillClrLst meth="repeat">
+      <a:schemeClr val="dk2"/>
+    </dgm:fillClrLst>
+    <dgm:linClrLst meth="repeat">
+      <a:schemeClr val="dk2"/>
+    </dgm:linClrLst>
+    <dgm:effectClrLst/>
+    <dgm:txLinClrLst/>
+    <dgm:txFillClrLst/>
+    <dgm:txEffectClrLst/>
+  </dgm:styleLbl>
+  <dgm:styleLbl name="node1">
+    <dgm:fillClrLst meth="repeat">
+      <a:schemeClr val="dk2"/>
+    </dgm:fillClrLst>
+    <dgm:linClrLst meth="repeat">
+      <a:schemeClr val="lt2"/>
+    </dgm:linClrLst>
+    <dgm:effectClrLst/>
+    <dgm:txLinClrLst/>
+    <dgm:txFillClrLst/>
+    <dgm:txEffectClrLst/>
+  </dgm:styleLbl>
+  <dgm:styleLbl name="lnNode1">
+    <dgm:fillClrLst meth="repeat">
+      <a:schemeClr val="dk2"/>
+    </dgm:fillClrLst>
+    <dgm:linClrLst meth="repeat">
+      <a:schemeClr val="lt2"/>
+    </dgm:linClrLst>
+    <dgm:effectClrLst/>
+    <dgm:txLinClrLst/>
+    <dgm:txFillClrLst/>
+    <dgm:txEffectClrLst/>
+  </dgm:styleLbl>
+  <dgm:styleLbl name="vennNode1">
+    <dgm:fillClrLst meth="repeat">
+      <a:schemeClr val="dk2">
+        <a:alpha val="50000"/>
+      </a:schemeClr>
+    </dgm:fillClrLst>
+    <dgm:linClrLst meth="repeat">
+      <a:schemeClr val="lt2"/>
+    </dgm:linClrLst>
+    <dgm:effectClrLst/>
+    <dgm:txLinClrLst/>
+    <dgm:txFillClrLst/>
+    <dgm:txEffectClrLst/>
+  </dgm:styleLbl>
+  <dgm:styleLbl name="node2">
+    <dgm:fillClrLst meth="repeat">
+      <a:schemeClr val="dk2"/>
+    </dgm:fillClrLst>
+    <dgm:linClrLst meth="repeat">
+      <a:schemeClr val="lt2"/>
+    </dgm:linClrLst>
+    <dgm:effectClrLst/>
+    <dgm:txLinClrLst/>
+    <dgm:txFillClrLst/>
+    <dgm:txEffectClrLst/>
+  </dgm:styleLbl>
+  <dgm:styleLbl name="node3">
+    <dgm:fillClrLst meth="repeat">
+      <a:schemeClr val="dk2"/>
+    </dgm:fillClrLst>
+    <dgm:linClrLst meth="repeat">
+      <a:schemeClr val="lt2"/>
+    </dgm:linClrLst>
+    <dgm:effectClrLst/>
+    <dgm:txLinClrLst/>
+    <dgm:txFillClrLst/>
+    <dgm:txEffectClrLst/>
+  </dgm:styleLbl>
+  <dgm:styleLbl name="node4">
+    <dgm:fillClrLst meth="repeat">
+      <a:schemeClr val="dk2"/>
+    </dgm:fillClrLst>
+    <dgm:linClrLst meth="repeat">
+      <a:schemeClr val="lt2"/>
+    </dgm:linClrLst>
+    <dgm:effectClrLst/>
+    <dgm:txLinClrLst/>
+    <dgm:txFillClrLst/>
+    <dgm:txEffectClrLst/>
+  </dgm:styleLbl>
+  <dgm:styleLbl name="fgImgPlace1">
+    <dgm:fillClrLst meth="repeat">
+      <a:schemeClr val="dk2">
+        <a:tint val="50000"/>
+      </a:schemeClr>
+    </dgm:fillClrLst>
+    <dgm:linClrLst meth="repeat">
+      <a:schemeClr val="lt2"/>
+    </dgm:linClrLst>
+    <dgm:effectClrLst/>
+    <dgm:txLinClrLst/>
+    <dgm:txFillClrLst meth="repeat">
+      <a:schemeClr val="lt2"/>
+    </dgm:txFillClrLst>
+    <dgm:txEffectClrLst/>
+  </dgm:styleLbl>
+  <dgm:styleLbl name="alignImgPlace1">
+    <dgm:fillClrLst meth="repeat">
+      <a:schemeClr val="dk2">
+        <a:tint val="50000"/>
+      </a:schemeClr>
+    </dgm:fillClrLst>
+    <dgm:linClrLst meth="repeat">
+      <a:schemeClr val="dk2">
         <a:shade val="80000"/>
       </a:schemeClr>
-      <a:schemeClr val="accent1">
-        <a:tint val="70000"/>
+    </dgm:linClrLst>
+    <dgm:effectClrLst/>
+    <dgm:txLinClrLst/>
+    <dgm:txFillClrLst meth="repeat">
+      <a:schemeClr val="lt2"/>
+    </dgm:txFillClrLst>
+    <dgm:txEffectClrLst/>
+  </dgm:styleLbl>
+  <dgm:styleLbl name="bgImgPlace1">
+    <dgm:fillClrLst meth="repeat">
+      <a:schemeClr val="dk2">
+        <a:tint val="50000"/>
       </a:schemeClr>
     </dgm:fillClrLst>
-    <dgm:linClrLst>
-      <a:schemeClr val="accent1">
+    <dgm:linClrLst meth="repeat">
+      <a:schemeClr val="dk2">
         <a:shade val="80000"/>
       </a:schemeClr>
-      <a:schemeClr val="accent1">
-        <a:tint val="70000"/>
+    </dgm:linClrLst>
+    <dgm:effectClrLst/>
+    <dgm:txLinClrLst/>
+    <dgm:txFillClrLst meth="repeat">
+      <a:schemeClr val="lt2"/>
+    </dgm:txFillClrLst>
+    <dgm:txEffectClrLst/>
+  </dgm:styleLbl>
+  <dgm:styleLbl name="sibTrans2D1">
+    <dgm:fillClrLst meth="repeat">
+      <a:schemeClr val="dk2">
+        <a:tint val="60000"/>
+      </a:schemeClr>
+    </dgm:fillClrLst>
+    <dgm:linClrLst meth="repeat">
+      <a:schemeClr val="dk2">
+        <a:tint val="60000"/>
       </a:schemeClr>
     </dgm:linClrLst>
     <dgm:effectClrLst/>
@@ -4301,173 +4353,15 @@
     <dgm:txFillClrLst/>
     <dgm:txEffectClrLst/>
   </dgm:styleLbl>
-  <dgm:styleLbl name="node1">
-    <dgm:fillClrLst>
-      <a:schemeClr val="accent1">
-        <a:shade val="80000"/>
-      </a:schemeClr>
-      <a:schemeClr val="accent1">
-        <a:tint val="70000"/>
+  <dgm:styleLbl name="fgSibTrans2D1">
+    <dgm:fillClrLst meth="repeat">
+      <a:schemeClr val="dk2">
+        <a:tint val="60000"/>
       </a:schemeClr>
     </dgm:fillClrLst>
     <dgm:linClrLst meth="repeat">
-      <a:schemeClr val="lt1"/>
-    </dgm:linClrLst>
-    <dgm:effectClrLst/>
-    <dgm:txLinClrLst/>
-    <dgm:txFillClrLst/>
-    <dgm:txEffectClrLst/>
-  </dgm:styleLbl>
-  <dgm:styleLbl name="lnNode1">
-    <dgm:fillClrLst>
-      <a:schemeClr val="accent1">
-        <a:shade val="80000"/>
-      </a:schemeClr>
-      <a:schemeClr val="accent1">
-        <a:tint val="70000"/>
-      </a:schemeClr>
-    </dgm:fillClrLst>
-    <dgm:linClrLst meth="repeat">
-      <a:schemeClr val="lt1"/>
-    </dgm:linClrLst>
-    <dgm:effectClrLst/>
-    <dgm:txLinClrLst/>
-    <dgm:txFillClrLst/>
-    <dgm:txEffectClrLst/>
-  </dgm:styleLbl>
-  <dgm:styleLbl name="vennNode1">
-    <dgm:fillClrLst>
-      <a:schemeClr val="accent1">
-        <a:shade val="80000"/>
-        <a:alpha val="50000"/>
-      </a:schemeClr>
-      <a:schemeClr val="accent1">
-        <a:tint val="70000"/>
-        <a:alpha val="50000"/>
-      </a:schemeClr>
-    </dgm:fillClrLst>
-    <dgm:linClrLst meth="repeat">
-      <a:schemeClr val="lt1"/>
-    </dgm:linClrLst>
-    <dgm:effectClrLst/>
-    <dgm:txLinClrLst/>
-    <dgm:txFillClrLst/>
-    <dgm:txEffectClrLst/>
-  </dgm:styleLbl>
-  <dgm:styleLbl name="node2">
-    <dgm:fillClrLst>
-      <a:schemeClr val="accent1">
-        <a:tint val="99000"/>
-      </a:schemeClr>
-    </dgm:fillClrLst>
-    <dgm:linClrLst meth="repeat">
-      <a:schemeClr val="lt1"/>
-    </dgm:linClrLst>
-    <dgm:effectClrLst/>
-    <dgm:txLinClrLst/>
-    <dgm:txFillClrLst/>
-    <dgm:txEffectClrLst/>
-  </dgm:styleLbl>
-  <dgm:styleLbl name="node3">
-    <dgm:fillClrLst>
-      <a:schemeClr val="accent1">
-        <a:tint val="80000"/>
-      </a:schemeClr>
-    </dgm:fillClrLst>
-    <dgm:linClrLst meth="repeat">
-      <a:schemeClr val="lt1"/>
-    </dgm:linClrLst>
-    <dgm:effectClrLst/>
-    <dgm:txLinClrLst/>
-    <dgm:txFillClrLst/>
-    <dgm:txEffectClrLst/>
-  </dgm:styleLbl>
-  <dgm:styleLbl name="node4">
-    <dgm:fillClrLst>
-      <a:schemeClr val="accent1">
-        <a:tint val="70000"/>
-      </a:schemeClr>
-    </dgm:fillClrLst>
-    <dgm:linClrLst meth="repeat">
-      <a:schemeClr val="lt1"/>
-    </dgm:linClrLst>
-    <dgm:effectClrLst/>
-    <dgm:txLinClrLst/>
-    <dgm:txFillClrLst/>
-    <dgm:txEffectClrLst/>
-  </dgm:styleLbl>
-  <dgm:styleLbl name="fgImgPlace1">
-    <dgm:fillClrLst>
-      <a:schemeClr val="accent1">
-        <a:tint val="50000"/>
-      </a:schemeClr>
-      <a:schemeClr val="accent1">
-        <a:tint val="20000"/>
-      </a:schemeClr>
-    </dgm:fillClrLst>
-    <dgm:linClrLst meth="repeat">
-      <a:schemeClr val="lt1"/>
-    </dgm:linClrLst>
-    <dgm:effectClrLst/>
-    <dgm:txLinClrLst/>
-    <dgm:txFillClrLst meth="repeat">
-      <a:schemeClr val="lt1"/>
-    </dgm:txFillClrLst>
-    <dgm:txEffectClrLst/>
-  </dgm:styleLbl>
-  <dgm:styleLbl name="alignImgPlace1">
-    <dgm:fillClrLst>
-      <a:schemeClr val="accent1">
-        <a:tint val="50000"/>
-      </a:schemeClr>
-      <a:schemeClr val="accent1">
-        <a:tint val="20000"/>
-      </a:schemeClr>
-    </dgm:fillClrLst>
-    <dgm:linClrLst meth="repeat">
-      <a:schemeClr val="lt1"/>
-    </dgm:linClrLst>
-    <dgm:effectClrLst/>
-    <dgm:txLinClrLst/>
-    <dgm:txFillClrLst meth="repeat">
-      <a:schemeClr val="lt1"/>
-    </dgm:txFillClrLst>
-    <dgm:txEffectClrLst/>
-  </dgm:styleLbl>
-  <dgm:styleLbl name="bgImgPlace1">
-    <dgm:fillClrLst>
-      <a:schemeClr val="accent1">
-        <a:tint val="50000"/>
-      </a:schemeClr>
-      <a:schemeClr val="accent1">
-        <a:tint val="20000"/>
-      </a:schemeClr>
-    </dgm:fillClrLst>
-    <dgm:linClrLst meth="repeat">
-      <a:schemeClr val="lt1"/>
-    </dgm:linClrLst>
-    <dgm:effectClrLst/>
-    <dgm:txLinClrLst/>
-    <dgm:txFillClrLst meth="repeat">
-      <a:schemeClr val="lt1"/>
-    </dgm:txFillClrLst>
-    <dgm:txEffectClrLst/>
-  </dgm:styleLbl>
-  <dgm:styleLbl name="sibTrans2D1">
-    <dgm:fillClrLst>
-      <a:schemeClr val="accent1">
-        <a:shade val="90000"/>
-      </a:schemeClr>
-      <a:schemeClr val="accent1">
-        <a:tint val="70000"/>
-      </a:schemeClr>
-    </dgm:fillClrLst>
-    <dgm:linClrLst>
-      <a:schemeClr val="accent1">
-        <a:shade val="90000"/>
-      </a:schemeClr>
-      <a:schemeClr val="accent1">
-        <a:tint val="70000"/>
+      <a:schemeClr val="dk2">
+        <a:tint val="60000"/>
       </a:schemeClr>
     </dgm:linClrLst>
     <dgm:effectClrLst/>
@@ -4475,69 +4369,179 @@
     <dgm:txFillClrLst/>
     <dgm:txEffectClrLst/>
   </dgm:styleLbl>
-  <dgm:styleLbl name="fgSibTrans2D1">
-    <dgm:fillClrLst>
-      <a:schemeClr val="accent1">
-        <a:shade val="90000"/>
-      </a:schemeClr>
-      <a:schemeClr val="accent1">
-        <a:tint val="70000"/>
+  <dgm:styleLbl name="bgSibTrans2D1">
+    <dgm:fillClrLst meth="repeat">
+      <a:schemeClr val="dk2">
+        <a:tint val="60000"/>
       </a:schemeClr>
     </dgm:fillClrLst>
-    <dgm:linClrLst>
-      <a:schemeClr val="accent1">
-        <a:shade val="90000"/>
+    <dgm:linClrLst meth="repeat">
+      <a:schemeClr val="dk2">
+        <a:tint val="60000"/>
       </a:schemeClr>
-      <a:schemeClr val="accent1">
-        <a:tint val="70000"/>
+    </dgm:linClrLst>
+    <dgm:effectClrLst/>
+    <dgm:txLinClrLst/>
+    <dgm:txFillClrLst/>
+    <dgm:txEffectClrLst/>
+  </dgm:styleLbl>
+  <dgm:styleLbl name="sibTrans1D1">
+    <dgm:fillClrLst meth="repeat">
+      <a:schemeClr val="dk2"/>
+    </dgm:fillClrLst>
+    <dgm:linClrLst meth="repeat">
+      <a:schemeClr val="dk2"/>
+    </dgm:linClrLst>
+    <dgm:effectClrLst/>
+    <dgm:txLinClrLst/>
+    <dgm:txFillClrLst meth="repeat">
+      <a:schemeClr val="lt2"/>
+    </dgm:txFillClrLst>
+    <dgm:txEffectClrLst/>
+  </dgm:styleLbl>
+  <dgm:styleLbl name="callout">
+    <dgm:fillClrLst meth="repeat">
+      <a:schemeClr val="dk2"/>
+    </dgm:fillClrLst>
+    <dgm:linClrLst meth="repeat">
+      <a:schemeClr val="dk2">
+        <a:tint val="50000"/>
       </a:schemeClr>
     </dgm:linClrLst>
     <dgm:effectClrLst/>
     <dgm:txLinClrLst/>
     <dgm:txFillClrLst meth="repeat">
-      <a:schemeClr val="lt1"/>
+      <a:schemeClr val="lt2"/>
     </dgm:txFillClrLst>
     <dgm:txEffectClrLst/>
   </dgm:styleLbl>
-  <dgm:styleLbl name="bgSibTrans2D1">
-    <dgm:fillClrLst>
-      <a:schemeClr val="accent1">
-        <a:shade val="90000"/>
-      </a:schemeClr>
-      <a:schemeClr val="accent1">
-        <a:tint val="70000"/>
+  <dgm:styleLbl name="asst0">
+    <dgm:fillClrLst meth="repeat">
+      <a:schemeClr val="dk2"/>
+    </dgm:fillClrLst>
+    <dgm:linClrLst meth="repeat">
+      <a:schemeClr val="lt2"/>
+    </dgm:linClrLst>
+    <dgm:effectClrLst/>
+    <dgm:txLinClrLst/>
+    <dgm:txFillClrLst/>
+    <dgm:txEffectClrLst/>
+  </dgm:styleLbl>
+  <dgm:styleLbl name="asst1">
+    <dgm:fillClrLst meth="repeat">
+      <a:schemeClr val="dk2"/>
+    </dgm:fillClrLst>
+    <dgm:linClrLst meth="repeat">
+      <a:schemeClr val="lt2"/>
+    </dgm:linClrLst>
+    <dgm:effectClrLst/>
+    <dgm:txLinClrLst/>
+    <dgm:txFillClrLst/>
+    <dgm:txEffectClrLst/>
+  </dgm:styleLbl>
+  <dgm:styleLbl name="asst2">
+    <dgm:fillClrLst meth="repeat">
+      <a:schemeClr val="dk2"/>
+    </dgm:fillClrLst>
+    <dgm:linClrLst meth="repeat">
+      <a:schemeClr val="lt2"/>
+    </dgm:linClrLst>
+    <dgm:effectClrLst/>
+    <dgm:txLinClrLst/>
+    <dgm:txFillClrLst/>
+    <dgm:txEffectClrLst/>
+  </dgm:styleLbl>
+  <dgm:styleLbl name="asst3">
+    <dgm:fillClrLst meth="repeat">
+      <a:schemeClr val="dk2"/>
+    </dgm:fillClrLst>
+    <dgm:linClrLst meth="repeat">
+      <a:schemeClr val="lt2"/>
+    </dgm:linClrLst>
+    <dgm:effectClrLst/>
+    <dgm:txLinClrLst/>
+    <dgm:txFillClrLst/>
+    <dgm:txEffectClrLst/>
+  </dgm:styleLbl>
+  <dgm:styleLbl name="asst4">
+    <dgm:fillClrLst meth="repeat">
+      <a:schemeClr val="dk2"/>
+    </dgm:fillClrLst>
+    <dgm:linClrLst meth="repeat">
+      <a:schemeClr val="lt2"/>
+    </dgm:linClrLst>
+    <dgm:effectClrLst/>
+    <dgm:txLinClrLst/>
+    <dgm:txFillClrLst/>
+    <dgm:txEffectClrLst/>
+  </dgm:styleLbl>
+  <dgm:styleLbl name="parChTrans2D1">
+    <dgm:fillClrLst meth="repeat">
+      <a:schemeClr val="dk2">
+        <a:tint val="60000"/>
       </a:schemeClr>
     </dgm:fillClrLst>
-    <dgm:linClrLst>
-      <a:schemeClr val="accent1">
-        <a:shade val="90000"/>
-      </a:schemeClr>
-      <a:schemeClr val="accent1">
-        <a:tint val="70000"/>
+    <dgm:linClrLst meth="repeat">
+      <a:schemeClr val="dk2">
+        <a:tint val="60000"/>
       </a:schemeClr>
     </dgm:linClrLst>
     <dgm:effectClrLst/>
     <dgm:txLinClrLst/>
     <dgm:txFillClrLst meth="repeat">
-      <a:schemeClr val="lt1"/>
+      <a:schemeClr val="lt2"/>
     </dgm:txFillClrLst>
     <dgm:txEffectClrLst/>
   </dgm:styleLbl>
-  <dgm:styleLbl name="sibTrans1D1">
-    <dgm:fillClrLst>
-      <a:schemeClr val="accent1">
-        <a:shade val="90000"/>
-      </a:schemeClr>
-      <a:schemeClr val="accent1">
-        <a:tint val="70000"/>
-      </a:schemeClr>
+  <dgm:styleLbl name="parChTrans2D2">
+    <dgm:fillClrLst meth="repeat">
+      <a:schemeClr val="dk2"/>
     </dgm:fillClrLst>
-    <dgm:linClrLst>
-      <a:schemeClr val="accent1">
-        <a:shade val="90000"/>
-      </a:schemeClr>
-      <a:schemeClr val="accent1">
-        <a:tint val="70000"/>
+    <dgm:linClrLst meth="repeat">
+      <a:schemeClr val="dk2"/>
+    </dgm:linClrLst>
+    <dgm:effectClrLst/>
+    <dgm:txLinClrLst/>
+    <dgm:txFillClrLst meth="repeat">
+      <a:schemeClr val="lt2"/>
+    </dgm:txFillClrLst>
+    <dgm:txEffectClrLst/>
+  </dgm:styleLbl>
+  <dgm:styleLbl name="parChTrans2D3">
+    <dgm:fillClrLst meth="repeat">
+      <a:schemeClr val="dk2"/>
+    </dgm:fillClrLst>
+    <dgm:linClrLst meth="repeat">
+      <a:schemeClr val="dk2"/>
+    </dgm:linClrLst>
+    <dgm:effectClrLst/>
+    <dgm:txLinClrLst/>
+    <dgm:txFillClrLst meth="repeat">
+      <a:schemeClr val="lt2"/>
+    </dgm:txFillClrLst>
+    <dgm:txEffectClrLst/>
+  </dgm:styleLbl>
+  <dgm:styleLbl name="parChTrans2D4">
+    <dgm:fillClrLst meth="repeat">
+      <a:schemeClr val="dk2"/>
+    </dgm:fillClrLst>
+    <dgm:linClrLst meth="repeat">
+      <a:schemeClr val="dk2"/>
+    </dgm:linClrLst>
+    <dgm:effectClrLst/>
+    <dgm:txLinClrLst/>
+    <dgm:txFillClrLst meth="repeat">
+      <a:schemeClr val="lt2"/>
+    </dgm:txFillClrLst>
+    <dgm:txEffectClrLst/>
+  </dgm:styleLbl>
+  <dgm:styleLbl name="parChTrans1D1">
+    <dgm:fillClrLst meth="repeat">
+      <a:schemeClr val="dk2"/>
+    </dgm:fillClrLst>
+    <dgm:linClrLst meth="repeat">
+      <a:schemeClr val="dk2">
+        <a:shade val="60000"/>
       </a:schemeClr>
     </dgm:linClrLst>
     <dgm:effectClrLst/>
@@ -4547,12 +4551,14 @@
     </dgm:txFillClrLst>
     <dgm:txEffectClrLst/>
   </dgm:styleLbl>
-  <dgm:styleLbl name="callout">
+  <dgm:styleLbl name="parChTrans1D2">
     <dgm:fillClrLst meth="repeat">
-      <a:schemeClr val="accent1"/>
+      <a:schemeClr val="dk2"/>
     </dgm:fillClrLst>
     <dgm:linClrLst meth="repeat">
-      <a:schemeClr val="accent1"/>
+      <a:schemeClr val="dk2">
+        <a:shade val="60000"/>
+      </a:schemeClr>
     </dgm:linClrLst>
     <dgm:effectClrLst/>
     <dgm:txLinClrLst/>
@@ -4561,152 +4567,12 @@
     </dgm:txFillClrLst>
     <dgm:txEffectClrLst/>
   </dgm:styleLbl>
-  <dgm:styleLbl name="asst0">
+  <dgm:styleLbl name="parChTrans1D3">
     <dgm:fillClrLst meth="repeat">
-      <a:schemeClr val="accent1">
-        <a:shade val="80000"/>
-      </a:schemeClr>
+      <a:schemeClr val="dk2"/>
     </dgm:fillClrLst>
     <dgm:linClrLst meth="repeat">
-      <a:schemeClr val="lt1"/>
-    </dgm:linClrLst>
-    <dgm:effectClrLst/>
-    <dgm:txLinClrLst/>
-    <dgm:txFillClrLst/>
-    <dgm:txEffectClrLst/>
-  </dgm:styleLbl>
-  <dgm:styleLbl name="asst1">
-    <dgm:fillClrLst meth="repeat">
-      <a:schemeClr val="accent1">
-        <a:shade val="80000"/>
-      </a:schemeClr>
-    </dgm:fillClrLst>
-    <dgm:linClrLst meth="repeat">
-      <a:schemeClr val="lt1"/>
-    </dgm:linClrLst>
-    <dgm:effectClrLst/>
-    <dgm:txLinClrLst/>
-    <dgm:txFillClrLst/>
-    <dgm:txEffectClrLst/>
-  </dgm:styleLbl>
-  <dgm:styleLbl name="asst2">
-    <dgm:fillClrLst>
-      <a:schemeClr val="accent1">
-        <a:tint val="99000"/>
-      </a:schemeClr>
-    </dgm:fillClrLst>
-    <dgm:linClrLst meth="repeat">
-      <a:schemeClr val="lt1"/>
-    </dgm:linClrLst>
-    <dgm:effectClrLst/>
-    <dgm:txLinClrLst/>
-    <dgm:txFillClrLst/>
-    <dgm:txEffectClrLst/>
-  </dgm:styleLbl>
-  <dgm:styleLbl name="asst3">
-    <dgm:fillClrLst>
-      <a:schemeClr val="accent1">
-        <a:tint val="80000"/>
-      </a:schemeClr>
-    </dgm:fillClrLst>
-    <dgm:linClrLst meth="repeat">
-      <a:schemeClr val="lt1"/>
-    </dgm:linClrLst>
-    <dgm:effectClrLst/>
-    <dgm:txLinClrLst/>
-    <dgm:txFillClrLst/>
-    <dgm:txEffectClrLst/>
-  </dgm:styleLbl>
-  <dgm:styleLbl name="asst4">
-    <dgm:fillClrLst>
-      <a:schemeClr val="accent1">
-        <a:tint val="70000"/>
-      </a:schemeClr>
-    </dgm:fillClrLst>
-    <dgm:linClrLst meth="repeat">
-      <a:schemeClr val="lt1"/>
-    </dgm:linClrLst>
-    <dgm:effectClrLst/>
-    <dgm:txLinClrLst/>
-    <dgm:txFillClrLst/>
-    <dgm:txEffectClrLst/>
-  </dgm:styleLbl>
-  <dgm:styleLbl name="parChTrans2D1">
-    <dgm:fillClrLst meth="repeat">
-      <a:schemeClr val="accent1">
-        <a:tint val="60000"/>
-      </a:schemeClr>
-    </dgm:fillClrLst>
-    <dgm:linClrLst meth="repeat">
-      <a:schemeClr val="accent1">
-        <a:tint val="60000"/>
-      </a:schemeClr>
-    </dgm:linClrLst>
-    <dgm:effectClrLst/>
-    <dgm:txLinClrLst/>
-    <dgm:txFillClrLst meth="repeat">
-      <a:schemeClr val="lt1"/>
-    </dgm:txFillClrLst>
-    <dgm:txEffectClrLst/>
-  </dgm:styleLbl>
-  <dgm:styleLbl name="parChTrans2D2">
-    <dgm:fillClrLst meth="repeat">
-      <a:schemeClr val="accent1">
-        <a:tint val="90000"/>
-      </a:schemeClr>
-    </dgm:fillClrLst>
-    <dgm:linClrLst meth="repeat">
-      <a:schemeClr val="accent1">
-        <a:tint val="90000"/>
-      </a:schemeClr>
-    </dgm:linClrLst>
-    <dgm:effectClrLst/>
-    <dgm:txLinClrLst/>
-    <dgm:txFillClrLst/>
-    <dgm:txEffectClrLst/>
-  </dgm:styleLbl>
-  <dgm:styleLbl name="parChTrans2D3">
-    <dgm:fillClrLst meth="repeat">
-      <a:schemeClr val="accent1">
-        <a:tint val="70000"/>
-      </a:schemeClr>
-    </dgm:fillClrLst>
-    <dgm:linClrLst meth="repeat">
-      <a:schemeClr val="accent1">
-        <a:tint val="70000"/>
-      </a:schemeClr>
-    </dgm:linClrLst>
-    <dgm:effectClrLst/>
-    <dgm:txLinClrLst/>
-    <dgm:txFillClrLst/>
-    <dgm:txEffectClrLst/>
-  </dgm:styleLbl>
-  <dgm:styleLbl name="parChTrans2D4">
-    <dgm:fillClrLst meth="repeat">
-      <a:schemeClr val="accent1">
-        <a:tint val="50000"/>
-      </a:schemeClr>
-    </dgm:fillClrLst>
-    <dgm:linClrLst meth="repeat">
-      <a:schemeClr val="accent1">
-        <a:tint val="50000"/>
-      </a:schemeClr>
-    </dgm:linClrLst>
-    <dgm:effectClrLst/>
-    <dgm:txLinClrLst/>
-    <dgm:txFillClrLst meth="repeat">
-      <a:schemeClr val="lt1"/>
-    </dgm:txFillClrLst>
-    <dgm:txEffectClrLst/>
-  </dgm:styleLbl>
-  <dgm:styleLbl name="parChTrans1D1">
-    <dgm:fillClrLst meth="repeat">
-      <a:schemeClr val="accent1">
-        <a:shade val="80000"/>
-      </a:schemeClr>
-    </dgm:fillClrLst>
-    <dgm:linClrLst meth="repeat">
-      <a:schemeClr val="accent1">
+      <a:schemeClr val="dk2">
         <a:shade val="80000"/>
       </a:schemeClr>
     </dgm:linClrLst>
@@ -4717,15 +4583,13 @@
     </dgm:txFillClrLst>
     <dgm:txEffectClrLst/>
   </dgm:styleLbl>
-  <dgm:styleLbl name="parChTrans1D2">
+  <dgm:styleLbl name="parChTrans1D4">
     <dgm:fillClrLst meth="repeat">
-      <a:schemeClr val="accent1">
-        <a:tint val="99000"/>
-      </a:schemeClr>
+      <a:schemeClr val="dk2"/>
     </dgm:fillClrLst>
     <dgm:linClrLst meth="repeat">
-      <a:schemeClr val="accent1">
-        <a:tint val="99000"/>
+      <a:schemeClr val="dk2">
+        <a:shade val="80000"/>
       </a:schemeClr>
     </dgm:linClrLst>
     <dgm:effectClrLst/>
@@ -4735,55 +4599,14 @@
     </dgm:txFillClrLst>
     <dgm:txEffectClrLst/>
   </dgm:styleLbl>
-  <dgm:styleLbl name="parChTrans1D3">
+  <dgm:styleLbl name="fgAcc1">
     <dgm:fillClrLst meth="repeat">
-      <a:schemeClr val="accent1">
-        <a:tint val="80000"/>
+      <a:schemeClr val="lt2">
+        <a:alpha val="90000"/>
       </a:schemeClr>
     </dgm:fillClrLst>
     <dgm:linClrLst meth="repeat">
-      <a:schemeClr val="accent1">
-        <a:tint val="80000"/>
-      </a:schemeClr>
-    </dgm:linClrLst>
-    <dgm:effectClrLst/>
-    <dgm:txLinClrLst/>
-    <dgm:txFillClrLst meth="repeat">
-      <a:schemeClr val="tx1"/>
-    </dgm:txFillClrLst>
-    <dgm:txEffectClrLst/>
-  </dgm:styleLbl>
-  <dgm:styleLbl name="parChTrans1D4">
-    <dgm:fillClrLst meth="repeat">
-      <a:schemeClr val="accent1">
-        <a:tint val="70000"/>
-      </a:schemeClr>
-    </dgm:fillClrLst>
-    <dgm:linClrLst meth="repeat">
-      <a:schemeClr val="accent1">
-        <a:tint val="70000"/>
-      </a:schemeClr>
-    </dgm:linClrLst>
-    <dgm:effectClrLst/>
-    <dgm:txLinClrLst/>
-    <dgm:txFillClrLst meth="repeat">
-      <a:schemeClr val="tx1"/>
-    </dgm:txFillClrLst>
-    <dgm:txEffectClrLst/>
-  </dgm:styleLbl>
-  <dgm:styleLbl name="fgAcc1">
-    <dgm:fillClrLst meth="repeat">
-      <a:schemeClr val="lt1">
-        <a:alpha val="90000"/>
-      </a:schemeClr>
-    </dgm:fillClrLst>
-    <dgm:linClrLst>
-      <a:schemeClr val="accent1">
-        <a:shade val="80000"/>
-      </a:schemeClr>
-      <a:schemeClr val="accent1">
-        <a:tint val="70000"/>
-      </a:schemeClr>
+      <a:schemeClr val="dk2"/>
     </dgm:linClrLst>
     <dgm:effectClrLst/>
     <dgm:txLinClrLst/>
@@ -4794,17 +4617,12 @@
   </dgm:styleLbl>
   <dgm:styleLbl name="conFgAcc1">
     <dgm:fillClrLst meth="repeat">
-      <a:schemeClr val="lt1">
+      <a:schemeClr val="lt2">
         <a:alpha val="90000"/>
       </a:schemeClr>
     </dgm:fillClrLst>
-    <dgm:linClrLst>
-      <a:schemeClr val="accent1">
-        <a:shade val="80000"/>
-      </a:schemeClr>
-      <a:schemeClr val="accent1">
-        <a:tint val="70000"/>
-      </a:schemeClr>
+    <dgm:linClrLst meth="repeat">
+      <a:schemeClr val="dk2"/>
     </dgm:linClrLst>
     <dgm:effectClrLst/>
     <dgm:txLinClrLst/>
@@ -4815,17 +4633,12 @@
   </dgm:styleLbl>
   <dgm:styleLbl name="alignAcc1">
     <dgm:fillClrLst meth="repeat">
-      <a:schemeClr val="lt1">
+      <a:schemeClr val="lt2">
         <a:alpha val="90000"/>
       </a:schemeClr>
     </dgm:fillClrLst>
-    <dgm:linClrLst>
-      <a:schemeClr val="accent1">
-        <a:shade val="80000"/>
-      </a:schemeClr>
-      <a:schemeClr val="accent1">
-        <a:tint val="70000"/>
-      </a:schemeClr>
+    <dgm:linClrLst meth="repeat">
+      <a:schemeClr val="dk2"/>
     </dgm:linClrLst>
     <dgm:effectClrLst/>
     <dgm:txLinClrLst/>
@@ -4836,12 +4649,12 @@
   </dgm:styleLbl>
   <dgm:styleLbl name="trAlignAcc1">
     <dgm:fillClrLst meth="repeat">
-      <a:schemeClr val="lt1">
+      <a:schemeClr val="lt2">
         <a:alpha val="40000"/>
       </a:schemeClr>
     </dgm:fillClrLst>
     <dgm:linClrLst meth="repeat">
-      <a:schemeClr val="accent1"/>
+      <a:schemeClr val="dk2"/>
     </dgm:linClrLst>
     <dgm:effectClrLst/>
     <dgm:txLinClrLst/>
@@ -4852,17 +4665,12 @@
   </dgm:styleLbl>
   <dgm:styleLbl name="bgAcc1">
     <dgm:fillClrLst meth="repeat">
-      <a:schemeClr val="lt1">
+      <a:schemeClr val="lt2">
         <a:alpha val="90000"/>
       </a:schemeClr>
     </dgm:fillClrLst>
-    <dgm:linClrLst>
-      <a:schemeClr val="accent1">
-        <a:shade val="80000"/>
-      </a:schemeClr>
-      <a:schemeClr val="accent1">
-        <a:tint val="70000"/>
-      </a:schemeClr>
+    <dgm:linClrLst meth="repeat">
+      <a:schemeClr val="dk2"/>
     </dgm:linClrLst>
     <dgm:effectClrLst/>
     <dgm:txLinClrLst/>
@@ -4873,15 +4681,10 @@
   </dgm:styleLbl>
   <dgm:styleLbl name="solidFgAcc1">
     <dgm:fillClrLst meth="repeat">
-      <a:schemeClr val="lt1"/>
+      <a:schemeClr val="lt2"/>
     </dgm:fillClrLst>
-    <dgm:linClrLst>
-      <a:schemeClr val="accent1">
-        <a:shade val="80000"/>
-      </a:schemeClr>
-      <a:schemeClr val="accent1">
-        <a:tint val="70000"/>
-      </a:schemeClr>
+    <dgm:linClrLst meth="repeat">
+      <a:schemeClr val="dk2"/>
     </dgm:linClrLst>
     <dgm:effectClrLst/>
     <dgm:txLinClrLst/>
@@ -4892,10 +4695,10 @@
   </dgm:styleLbl>
   <dgm:styleLbl name="solidAlignAcc1">
     <dgm:fillClrLst meth="repeat">
-      <a:schemeClr val="lt1"/>
+      <a:schemeClr val="lt2"/>
     </dgm:fillClrLst>
     <dgm:linClrLst meth="repeat">
-      <a:schemeClr val="accent1"/>
+      <a:schemeClr val="dk2"/>
     </dgm:linClrLst>
     <dgm:effectClrLst/>
     <dgm:txLinClrLst/>
@@ -4906,10 +4709,10 @@
   </dgm:styleLbl>
   <dgm:styleLbl name="solidBgAcc1">
     <dgm:fillClrLst meth="repeat">
-      <a:schemeClr val="lt1"/>
+      <a:schemeClr val="lt2"/>
     </dgm:fillClrLst>
     <dgm:linClrLst meth="repeat">
-      <a:schemeClr val="accent1"/>
+      <a:schemeClr val="dk2"/>
     </dgm:linClrLst>
     <dgm:effectClrLst/>
     <dgm:txLinClrLst/>
@@ -4920,13 +4723,13 @@
   </dgm:styleLbl>
   <dgm:styleLbl name="fgAccFollowNode1">
     <dgm:fillClrLst meth="repeat">
-      <a:schemeClr val="accent1">
+      <a:schemeClr val="dk2">
         <a:alpha val="90000"/>
         <a:tint val="40000"/>
       </a:schemeClr>
     </dgm:fillClrLst>
     <dgm:linClrLst meth="repeat">
-      <a:schemeClr val="accent1">
+      <a:schemeClr val="dk2">
         <a:alpha val="90000"/>
         <a:tint val="40000"/>
       </a:schemeClr>
@@ -4940,13 +4743,13 @@
   </dgm:styleLbl>
   <dgm:styleLbl name="alignAccFollowNode1">
     <dgm:fillClrLst meth="repeat">
-      <a:schemeClr val="accent1">
+      <a:schemeClr val="dk2">
         <a:alpha val="90000"/>
         <a:tint val="40000"/>
       </a:schemeClr>
     </dgm:fillClrLst>
     <dgm:linClrLst meth="repeat">
-      <a:schemeClr val="accent1">
+      <a:schemeClr val="dk2">
         <a:alpha val="90000"/>
         <a:tint val="40000"/>
       </a:schemeClr>
@@ -4960,30 +4763,15 @@
   </dgm:styleLbl>
   <dgm:styleLbl name="bgAccFollowNode1">
     <dgm:fillClrLst meth="repeat">
-      <a:schemeClr val="accent1">
+      <a:schemeClr val="dk2">
         <a:alpha val="90000"/>
         <a:tint val="40000"/>
       </a:schemeClr>
     </dgm:fillClrLst>
     <dgm:linClrLst meth="repeat">
-      <a:schemeClr val="lt1"/>
-    </dgm:linClrLst>
-    <dgm:effectClrLst/>
-    <dgm:txLinClrLst/>
-    <dgm:txFillClrLst meth="repeat">
-      <a:schemeClr val="dk1"/>
-    </dgm:txFillClrLst>
-    <dgm:txEffectClrLst/>
-  </dgm:styleLbl>
-  <dgm:styleLbl name="fgAcc0">
-    <dgm:fillClrLst meth="repeat">
-      <a:schemeClr val="lt1">
+      <a:schemeClr val="dk2">
         <a:alpha val="90000"/>
-      </a:schemeClr>
-    </dgm:fillClrLst>
-    <dgm:linClrLst meth="repeat">
-      <a:schemeClr val="accent1">
-        <a:shade val="80000"/>
+        <a:tint val="40000"/>
       </a:schemeClr>
     </dgm:linClrLst>
     <dgm:effectClrLst/>
@@ -4993,16 +4781,14 @@
     </dgm:txFillClrLst>
     <dgm:txEffectClrLst/>
   </dgm:styleLbl>
-  <dgm:styleLbl name="fgAcc2">
+  <dgm:styleLbl name="fgAcc0">
     <dgm:fillClrLst meth="repeat">
-      <a:schemeClr val="lt1">
+      <a:schemeClr val="lt2">
         <a:alpha val="90000"/>
       </a:schemeClr>
     </dgm:fillClrLst>
     <dgm:linClrLst meth="repeat">
-      <a:schemeClr val="accent1">
-        <a:tint val="99000"/>
-      </a:schemeClr>
+      <a:schemeClr val="dk2"/>
     </dgm:linClrLst>
     <dgm:effectClrLst/>
     <dgm:txLinClrLst/>
@@ -5011,16 +4797,14 @@
     </dgm:txFillClrLst>
     <dgm:txEffectClrLst/>
   </dgm:styleLbl>
-  <dgm:styleLbl name="fgAcc3">
+  <dgm:styleLbl name="fgAcc2">
     <dgm:fillClrLst meth="repeat">
-      <a:schemeClr val="lt1">
+      <a:schemeClr val="lt2">
         <a:alpha val="90000"/>
       </a:schemeClr>
     </dgm:fillClrLst>
     <dgm:linClrLst meth="repeat">
-      <a:schemeClr val="accent1">
-        <a:tint val="80000"/>
-      </a:schemeClr>
+      <a:schemeClr val="dk2"/>
     </dgm:linClrLst>
     <dgm:effectClrLst/>
     <dgm:txLinClrLst/>
@@ -5029,16 +4813,14 @@
     </dgm:txFillClrLst>
     <dgm:txEffectClrLst/>
   </dgm:styleLbl>
-  <dgm:styleLbl name="fgAcc4">
+  <dgm:styleLbl name="fgAcc3">
     <dgm:fillClrLst meth="repeat">
-      <a:schemeClr val="lt1">
+      <a:schemeClr val="lt2">
         <a:alpha val="90000"/>
       </a:schemeClr>
     </dgm:fillClrLst>
     <dgm:linClrLst meth="repeat">
-      <a:schemeClr val="accent1">
-        <a:tint val="70000"/>
-      </a:schemeClr>
+      <a:schemeClr val="dk2"/>
     </dgm:linClrLst>
     <dgm:effectClrLst/>
     <dgm:txLinClrLst/>
@@ -5047,14 +4829,14 @@
     </dgm:txFillClrLst>
     <dgm:txEffectClrLst/>
   </dgm:styleLbl>
-  <dgm:styleLbl name="bgShp">
+  <dgm:styleLbl name="fgAcc4">
     <dgm:fillClrLst meth="repeat">
-      <a:schemeClr val="accent1">
-        <a:tint val="40000"/>
+      <a:schemeClr val="lt2">
+        <a:alpha val="90000"/>
       </a:schemeClr>
     </dgm:fillClrLst>
     <dgm:linClrLst meth="repeat">
-      <a:schemeClr val="dk1"/>
+      <a:schemeClr val="dk2"/>
     </dgm:linClrLst>
     <dgm:effectClrLst/>
     <dgm:txLinClrLst/>
@@ -5063,14 +4845,30 @@
     </dgm:txFillClrLst>
     <dgm:txEffectClrLst/>
   </dgm:styleLbl>
-  <dgm:styleLbl name="dkBgShp">
+  <dgm:styleLbl name="bgShp">
     <dgm:fillClrLst meth="repeat">
-      <a:schemeClr val="accent1">
-        <a:shade val="90000"/>
+      <a:schemeClr val="dk2">
+        <a:tint val="40000"/>
       </a:schemeClr>
     </dgm:fillClrLst>
     <dgm:linClrLst meth="repeat">
+      <a:schemeClr val="dk2"/>
+    </dgm:linClrLst>
+    <dgm:effectClrLst/>
+    <dgm:txLinClrLst/>
+    <dgm:txFillClrLst meth="repeat">
       <a:schemeClr val="dk1"/>
+    </dgm:txFillClrLst>
+    <dgm:txEffectClrLst/>
+  </dgm:styleLbl>
+  <dgm:styleLbl name="dkBgShp">
+    <dgm:fillClrLst meth="repeat">
+      <a:schemeClr val="dk2">
+        <a:shade val="80000"/>
+      </a:schemeClr>
+    </dgm:fillClrLst>
+    <dgm:linClrLst meth="repeat">
+      <a:schemeClr val="dk2"/>
     </dgm:linClrLst>
     <dgm:effectClrLst/>
     <dgm:txLinClrLst/>
@@ -5081,13 +4879,13 @@
   </dgm:styleLbl>
   <dgm:styleLbl name="trBgShp">
     <dgm:fillClrLst meth="repeat">
-      <a:schemeClr val="accent1">
+      <a:schemeClr val="dk2">
         <a:tint val="50000"/>
         <a:alpha val="40000"/>
       </a:schemeClr>
     </dgm:fillClrLst>
     <dgm:linClrLst meth="repeat">
-      <a:schemeClr val="accent1"/>
+      <a:schemeClr val="dk2"/>
     </dgm:linClrLst>
     <dgm:effectClrLst/>
     <dgm:txLinClrLst/>
@@ -5098,12 +4896,12 @@
   </dgm:styleLbl>
   <dgm:styleLbl name="fgShp">
     <dgm:fillClrLst meth="repeat">
-      <a:schemeClr val="accent1">
-        <a:tint val="40000"/>
+      <a:schemeClr val="dk2">
+        <a:tint val="60000"/>
       </a:schemeClr>
     </dgm:fillClrLst>
     <dgm:linClrLst meth="repeat">
-      <a:schemeClr val="lt1"/>
+      <a:schemeClr val="lt2"/>
     </dgm:linClrLst>
     <dgm:effectClrLst/>
     <dgm:txLinClrLst/>
@@ -5114,7 +4912,7 @@
   </dgm:styleLbl>
   <dgm:styleLbl name="revTx">
     <dgm:fillClrLst meth="repeat">
-      <a:schemeClr val="lt1">
+      <a:schemeClr val="lt2">
         <a:alpha val="0"/>
       </a:schemeClr>
     </dgm:fillClrLst>
@@ -5872,7 +5670,7 @@
 <dgm:dataModel xmlns:dgm="http://schemas.openxmlformats.org/drawingml/2006/diagram" xmlns:a="http://schemas.openxmlformats.org/drawingml/2006/main">
   <dgm:ptLst>
     <dgm:pt modelId="{3C7D325D-1357-49FD-8FF2-7AABFDF50856}" type="doc">
-      <dgm:prSet loTypeId="urn:microsoft.com/office/officeart/2005/8/layout/vList2" loCatId="list" qsTypeId="urn:microsoft.com/office/officeart/2005/8/quickstyle/simple1" qsCatId="simple" csTypeId="urn:microsoft.com/office/officeart/2005/8/colors/accent1_3" csCatId="accent1" phldr="1"/>
+      <dgm:prSet loTypeId="urn:microsoft.com/office/officeart/2005/8/layout/vList2" loCatId="list" qsTypeId="urn:microsoft.com/office/officeart/2005/8/quickstyle/simple1" qsCatId="simple" csTypeId="urn:microsoft.com/office/officeart/2005/8/colors/accent0_3" csCatId="mainScheme" phldr="1"/>
       <dgm:spPr/>
       <dgm:t>
         <a:bodyPr/>
@@ -5935,7 +5733,11 @@
         <a:lstStyle/>
         <a:p>
           <a:r>
-            <a:rPr lang="en-IN" sz="1800" dirty="0"/>
+            <a:rPr lang="en-IN" sz="1800" dirty="0">
+              <a:latin typeface="Open Sans" panose="020B0606030504020204" pitchFamily="34" charset="0"/>
+              <a:ea typeface="Open Sans" panose="020B0606030504020204" pitchFamily="34" charset="0"/>
+              <a:cs typeface="Open Sans" panose="020B0606030504020204" pitchFamily="34" charset="0"/>
+            </a:rPr>
             <a:t>Safety Buffer</a:t>
           </a:r>
         </a:p>
@@ -6182,7 +5984,7 @@
       <dgm:spPr/>
     </dgm:pt>
     <dgm:pt modelId="{812AF87E-CC21-484B-8C4F-FEC68B30B10A}" type="pres">
-      <dgm:prSet presAssocID="{BD4E941A-5A44-4A7C-B18B-BA8FFE480A13}" presName="parentText" presStyleLbl="node1" presStyleIdx="2" presStyleCnt="3">
+      <dgm:prSet presAssocID="{BD4E941A-5A44-4A7C-B18B-BA8FFE480A13}" presName="parentText" presStyleLbl="node1" presStyleIdx="2" presStyleCnt="3" custLinFactNeighborY="-26234">
         <dgm:presLayoutVars>
           <dgm:chMax val="0"/>
           <dgm:bulletEnabled val="1"/>
@@ -6191,7 +5993,7 @@
       <dgm:spPr/>
     </dgm:pt>
     <dgm:pt modelId="{E24EE500-CF1D-4B80-9588-8E724D5931AB}" type="pres">
-      <dgm:prSet presAssocID="{BD4E941A-5A44-4A7C-B18B-BA8FFE480A13}" presName="childText" presStyleLbl="revTx" presStyleIdx="2" presStyleCnt="3">
+      <dgm:prSet presAssocID="{BD4E941A-5A44-4A7C-B18B-BA8FFE480A13}" presName="childText" presStyleLbl="revTx" presStyleIdx="2" presStyleCnt="3" custLinFactNeighborY="-18988">
         <dgm:presLayoutVars>
           <dgm:bulletEnabled val="1"/>
         </dgm:presLayoutVars>
@@ -6234,7 +6036,7 @@
 <dgm:dataModel xmlns:dgm="http://schemas.openxmlformats.org/drawingml/2006/diagram" xmlns:a="http://schemas.openxmlformats.org/drawingml/2006/main">
   <dgm:ptLst>
     <dgm:pt modelId="{3C7D325D-1357-49FD-8FF2-7AABFDF50856}" type="doc">
-      <dgm:prSet loTypeId="urn:microsoft.com/office/officeart/2005/8/layout/vList2" loCatId="list" qsTypeId="urn:microsoft.com/office/officeart/2005/8/quickstyle/simple1" qsCatId="simple" csTypeId="urn:microsoft.com/office/officeart/2005/8/colors/accent1_3" csCatId="accent1" phldr="1"/>
+      <dgm:prSet loTypeId="urn:microsoft.com/office/officeart/2005/8/layout/vList2" loCatId="list" qsTypeId="urn:microsoft.com/office/officeart/2005/8/quickstyle/simple1" qsCatId="simple" csTypeId="urn:microsoft.com/office/officeart/2005/8/colors/accent0_3" csCatId="mainScheme" phldr="1"/>
       <dgm:spPr/>
       <dgm:t>
         <a:bodyPr/>
@@ -6297,7 +6099,11 @@
         <a:lstStyle/>
         <a:p>
           <a:r>
-            <a:rPr lang="en-IN" sz="1800" dirty="0"/>
+            <a:rPr lang="en-IN" sz="1800" dirty="0">
+              <a:latin typeface="Open Sans" panose="020B0606030504020204" pitchFamily="34" charset="0"/>
+              <a:ea typeface="Open Sans" panose="020B0606030504020204" pitchFamily="34" charset="0"/>
+              <a:cs typeface="Open Sans" panose="020B0606030504020204" pitchFamily="34" charset="0"/>
+            </a:rPr>
             <a:t>Taxi Availability</a:t>
           </a:r>
         </a:p>
@@ -6544,7 +6350,7 @@
       <dgm:spPr/>
     </dgm:pt>
     <dgm:pt modelId="{812AF87E-CC21-484B-8C4F-FEC68B30B10A}" type="pres">
-      <dgm:prSet presAssocID="{BD4E941A-5A44-4A7C-B18B-BA8FFE480A13}" presName="parentText" presStyleLbl="node1" presStyleIdx="2" presStyleCnt="3">
+      <dgm:prSet presAssocID="{BD4E941A-5A44-4A7C-B18B-BA8FFE480A13}" presName="parentText" presStyleLbl="node1" presStyleIdx="2" presStyleCnt="3" custLinFactNeighborX="35223" custLinFactNeighborY="-29514">
         <dgm:presLayoutVars>
           <dgm:chMax val="0"/>
           <dgm:bulletEnabled val="1"/>
@@ -6553,7 +6359,7 @@
       <dgm:spPr/>
     </dgm:pt>
     <dgm:pt modelId="{E24EE500-CF1D-4B80-9588-8E724D5931AB}" type="pres">
-      <dgm:prSet presAssocID="{BD4E941A-5A44-4A7C-B18B-BA8FFE480A13}" presName="childText" presStyleLbl="revTx" presStyleIdx="2" presStyleCnt="3">
+      <dgm:prSet presAssocID="{BD4E941A-5A44-4A7C-B18B-BA8FFE480A13}" presName="childText" presStyleLbl="revTx" presStyleIdx="2" presStyleCnt="3" custLinFactNeighborX="0" custLinFactNeighborY="-10681">
         <dgm:presLayoutVars>
           <dgm:bulletEnabled val="1"/>
         </dgm:presLayoutVars>
@@ -7650,8 +7456,7 @@
           <a:avLst/>
         </a:prstGeom>
         <a:solidFill>
-          <a:schemeClr val="accent1">
-            <a:shade val="80000"/>
+          <a:schemeClr val="dk2">
             <a:hueOff val="0"/>
             <a:satOff val="0"/>
             <a:lumOff val="0"/>
@@ -7660,7 +7465,7 @@
         </a:solidFill>
         <a:ln w="12700" cap="flat" cmpd="sng" algn="ctr">
           <a:solidFill>
-            <a:schemeClr val="lt1">
+            <a:schemeClr val="lt2">
               <a:hueOff val="0"/>
               <a:satOff val="0"/>
               <a:lumOff val="0"/>
@@ -7807,17 +7612,16 @@
           <a:avLst/>
         </a:prstGeom>
         <a:solidFill>
-          <a:schemeClr val="accent1">
-            <a:shade val="80000"/>
-            <a:hueOff val="174641"/>
-            <a:satOff val="-3128"/>
-            <a:lumOff val="13293"/>
+          <a:schemeClr val="dk2">
+            <a:hueOff val="0"/>
+            <a:satOff val="0"/>
+            <a:lumOff val="0"/>
             <a:alphaOff val="0"/>
           </a:schemeClr>
         </a:solidFill>
         <a:ln w="12700" cap="flat" cmpd="sng" algn="ctr">
           <a:solidFill>
-            <a:schemeClr val="lt1">
+            <a:schemeClr val="lt2">
               <a:hueOff val="0"/>
               <a:satOff val="0"/>
               <a:lumOff val="0"/>
@@ -7862,7 +7666,11 @@
             <a:buNone/>
           </a:pPr>
           <a:r>
-            <a:rPr lang="en-IN" sz="1800" kern="1200" dirty="0"/>
+            <a:rPr lang="en-IN" sz="1800" kern="1200" dirty="0">
+              <a:latin typeface="Open Sans" panose="020B0606030504020204" pitchFamily="34" charset="0"/>
+              <a:ea typeface="Open Sans" panose="020B0606030504020204" pitchFamily="34" charset="0"/>
+              <a:cs typeface="Open Sans" panose="020B0606030504020204" pitchFamily="34" charset="0"/>
+            </a:rPr>
             <a:t>Safety Buffer</a:t>
           </a:r>
         </a:p>
@@ -7948,24 +7756,23 @@
       </dsp:nvSpPr>
       <dsp:spPr>
         <a:xfrm>
-          <a:off x="0" y="3480430"/>
+          <a:off x="0" y="3240947"/>
           <a:ext cx="5377545" cy="917280"/>
         </a:xfrm>
         <a:prstGeom prst="roundRect">
           <a:avLst/>
         </a:prstGeom>
         <a:solidFill>
-          <a:schemeClr val="accent1">
-            <a:shade val="80000"/>
-            <a:hueOff val="349283"/>
-            <a:satOff val="-6256"/>
-            <a:lumOff val="26585"/>
+          <a:schemeClr val="dk2">
+            <a:hueOff val="0"/>
+            <a:satOff val="0"/>
+            <a:lumOff val="0"/>
             <a:alphaOff val="0"/>
           </a:schemeClr>
         </a:solidFill>
         <a:ln w="12700" cap="flat" cmpd="sng" algn="ctr">
           <a:solidFill>
-            <a:schemeClr val="lt1">
+            <a:schemeClr val="lt2">
               <a:hueOff val="0"/>
               <a:satOff val="0"/>
               <a:lumOff val="0"/>
@@ -8020,7 +7827,7 @@
         </a:p>
       </dsp:txBody>
       <dsp:txXfrm>
-        <a:off x="44778" y="3525208"/>
+        <a:off x="44778" y="3285725"/>
         <a:ext cx="5287989" cy="827724"/>
       </dsp:txXfrm>
     </dsp:sp>
@@ -8031,7 +7838,7 @@
       </dsp:nvSpPr>
       <dsp:spPr>
         <a:xfrm>
-          <a:off x="0" y="4397710"/>
+          <a:off x="0" y="4223536"/>
           <a:ext cx="5377545" cy="912870"/>
         </a:xfrm>
         <a:prstGeom prst="rect">
@@ -8089,7 +7896,7 @@
         </a:p>
       </dsp:txBody>
       <dsp:txXfrm>
-        <a:off x="0" y="4397710"/>
+        <a:off x="0" y="4223536"/>
         <a:ext cx="5377545" cy="912870"/>
       </dsp:txXfrm>
     </dsp:sp>
@@ -8119,8 +7926,7 @@
           <a:avLst/>
         </a:prstGeom>
         <a:solidFill>
-          <a:schemeClr val="accent1">
-            <a:shade val="80000"/>
+          <a:schemeClr val="dk2">
             <a:hueOff val="0"/>
             <a:satOff val="0"/>
             <a:lumOff val="0"/>
@@ -8129,7 +7935,7 @@
         </a:solidFill>
         <a:ln w="12700" cap="flat" cmpd="sng" algn="ctr">
           <a:solidFill>
-            <a:schemeClr val="lt1">
+            <a:schemeClr val="lt2">
               <a:hueOff val="0"/>
               <a:satOff val="0"/>
               <a:lumOff val="0"/>
@@ -8276,17 +8082,16 @@
           <a:avLst/>
         </a:prstGeom>
         <a:solidFill>
-          <a:schemeClr val="accent1">
-            <a:shade val="80000"/>
-            <a:hueOff val="174641"/>
-            <a:satOff val="-3128"/>
-            <a:lumOff val="13293"/>
+          <a:schemeClr val="dk2">
+            <a:hueOff val="0"/>
+            <a:satOff val="0"/>
+            <a:lumOff val="0"/>
             <a:alphaOff val="0"/>
           </a:schemeClr>
         </a:solidFill>
         <a:ln w="12700" cap="flat" cmpd="sng" algn="ctr">
           <a:solidFill>
-            <a:schemeClr val="lt1">
+            <a:schemeClr val="lt2">
               <a:hueOff val="0"/>
               <a:satOff val="0"/>
               <a:lumOff val="0"/>
@@ -8331,7 +8136,11 @@
             <a:buNone/>
           </a:pPr>
           <a:r>
-            <a:rPr lang="en-IN" sz="1800" kern="1200" dirty="0"/>
+            <a:rPr lang="en-IN" sz="1800" kern="1200" dirty="0">
+              <a:latin typeface="Open Sans" panose="020B0606030504020204" pitchFamily="34" charset="0"/>
+              <a:ea typeface="Open Sans" panose="020B0606030504020204" pitchFamily="34" charset="0"/>
+              <a:cs typeface="Open Sans" panose="020B0606030504020204" pitchFamily="34" charset="0"/>
+            </a:rPr>
             <a:t>Taxi Availability</a:t>
           </a:r>
         </a:p>
@@ -8417,24 +8226,23 @@
       </dsp:nvSpPr>
       <dsp:spPr>
         <a:xfrm>
-          <a:off x="0" y="3489193"/>
+          <a:off x="0" y="3249704"/>
           <a:ext cx="5377546" cy="917280"/>
         </a:xfrm>
         <a:prstGeom prst="roundRect">
           <a:avLst/>
         </a:prstGeom>
         <a:solidFill>
-          <a:schemeClr val="accent1">
-            <a:shade val="80000"/>
-            <a:hueOff val="349283"/>
-            <a:satOff val="-6256"/>
-            <a:lumOff val="26585"/>
+          <a:schemeClr val="dk2">
+            <a:hueOff val="0"/>
+            <a:satOff val="0"/>
+            <a:lumOff val="0"/>
             <a:alphaOff val="0"/>
           </a:schemeClr>
         </a:solidFill>
         <a:ln w="12700" cap="flat" cmpd="sng" algn="ctr">
           <a:solidFill>
-            <a:schemeClr val="lt1">
+            <a:schemeClr val="lt2">
               <a:hueOff val="0"/>
               <a:satOff val="0"/>
               <a:lumOff val="0"/>
@@ -8489,7 +8297,7 @@
         </a:p>
       </dsp:txBody>
       <dsp:txXfrm>
-        <a:off x="44778" y="3533971"/>
+        <a:off x="44778" y="3294482"/>
         <a:ext cx="5287990" cy="827724"/>
       </dsp:txXfrm>
     </dsp:sp>
@@ -8500,7 +8308,7 @@
       </dsp:nvSpPr>
       <dsp:spPr>
         <a:xfrm>
-          <a:off x="0" y="4406473"/>
+          <a:off x="0" y="4308498"/>
           <a:ext cx="5377546" cy="811440"/>
         </a:xfrm>
         <a:prstGeom prst="rect">
@@ -8558,7 +8366,7 @@
         </a:p>
       </dsp:txBody>
       <dsp:txXfrm>
-        <a:off x="0" y="4406473"/>
+        <a:off x="0" y="4308498"/>
         <a:ext cx="5377546" cy="811440"/>
       </dsp:txXfrm>
     </dsp:sp>
@@ -12289,7 +12097,7 @@
           <a:p>
             <a:fld id="{09F9A6AE-B4CC-4086-8069-2D28DC6B187B}" type="datetimeFigureOut">
               <a:rPr lang="en-IN" smtClean="0"/>
-              <a:t>15-10-2024</a:t>
+              <a:t>21-10-2024</a:t>
             </a:fld>
             <a:endParaRPr lang="en-IN"/>
           </a:p>
@@ -12686,7 +12494,7 @@
           <a:p>
             <a:fld id="{F5EAA884-C184-4EE5-9B69-61A9072C47B6}" type="datetimeFigureOut">
               <a:rPr lang="en-IN" smtClean="0"/>
-              <a:t>15-10-2024</a:t>
+              <a:t>21-10-2024</a:t>
             </a:fld>
             <a:endParaRPr lang="en-IN"/>
           </a:p>
@@ -12854,7 +12662,7 @@
           <a:p>
             <a:fld id="{F5EAA884-C184-4EE5-9B69-61A9072C47B6}" type="datetimeFigureOut">
               <a:rPr lang="en-IN" smtClean="0"/>
-              <a:t>15-10-2024</a:t>
+              <a:t>21-10-2024</a:t>
             </a:fld>
             <a:endParaRPr lang="en-IN"/>
           </a:p>
@@ -13032,7 +12840,7 @@
           <a:p>
             <a:fld id="{F5EAA884-C184-4EE5-9B69-61A9072C47B6}" type="datetimeFigureOut">
               <a:rPr lang="en-IN" smtClean="0"/>
-              <a:t>15-10-2024</a:t>
+              <a:t>21-10-2024</a:t>
             </a:fld>
             <a:endParaRPr lang="en-IN"/>
           </a:p>
@@ -13205,7 +13013,7 @@
           <a:p>
             <a:fld id="{F5EAA884-C184-4EE5-9B69-61A9072C47B6}" type="datetimeFigureOut">
               <a:rPr lang="en-IN" smtClean="0"/>
-              <a:t>15-10-2024</a:t>
+              <a:t>21-10-2024</a:t>
             </a:fld>
             <a:endParaRPr lang="en-IN"/>
           </a:p>
@@ -13373,7 +13181,7 @@
           <a:p>
             <a:fld id="{F5EAA884-C184-4EE5-9B69-61A9072C47B6}" type="datetimeFigureOut">
               <a:rPr lang="en-IN" smtClean="0"/>
-              <a:t>15-10-2024</a:t>
+              <a:t>21-10-2024</a:t>
             </a:fld>
             <a:endParaRPr lang="en-IN"/>
           </a:p>
@@ -13618,7 +13426,7 @@
           <a:p>
             <a:fld id="{F5EAA884-C184-4EE5-9B69-61A9072C47B6}" type="datetimeFigureOut">
               <a:rPr lang="en-IN" smtClean="0"/>
-              <a:t>15-10-2024</a:t>
+              <a:t>21-10-2024</a:t>
             </a:fld>
             <a:endParaRPr lang="en-IN"/>
           </a:p>
@@ -13847,7 +13655,7 @@
           <a:p>
             <a:fld id="{F5EAA884-C184-4EE5-9B69-61A9072C47B6}" type="datetimeFigureOut">
               <a:rPr lang="en-IN" smtClean="0"/>
-              <a:t>15-10-2024</a:t>
+              <a:t>21-10-2024</a:t>
             </a:fld>
             <a:endParaRPr lang="en-IN"/>
           </a:p>
@@ -14211,7 +14019,7 @@
           <a:p>
             <a:fld id="{F5EAA884-C184-4EE5-9B69-61A9072C47B6}" type="datetimeFigureOut">
               <a:rPr lang="en-IN" smtClean="0"/>
-              <a:t>15-10-2024</a:t>
+              <a:t>21-10-2024</a:t>
             </a:fld>
             <a:endParaRPr lang="en-IN"/>
           </a:p>
@@ -14328,7 +14136,7 @@
           <a:p>
             <a:fld id="{F5EAA884-C184-4EE5-9B69-61A9072C47B6}" type="datetimeFigureOut">
               <a:rPr lang="en-IN" smtClean="0"/>
-              <a:t>15-10-2024</a:t>
+              <a:t>21-10-2024</a:t>
             </a:fld>
             <a:endParaRPr lang="en-IN"/>
           </a:p>
@@ -14423,7 +14231,7 @@
           <a:p>
             <a:fld id="{F5EAA884-C184-4EE5-9B69-61A9072C47B6}" type="datetimeFigureOut">
               <a:rPr lang="en-IN" smtClean="0"/>
-              <a:t>15-10-2024</a:t>
+              <a:t>21-10-2024</a:t>
             </a:fld>
             <a:endParaRPr lang="en-IN"/>
           </a:p>
@@ -14698,7 +14506,7 @@
           <a:p>
             <a:fld id="{F5EAA884-C184-4EE5-9B69-61A9072C47B6}" type="datetimeFigureOut">
               <a:rPr lang="en-IN" smtClean="0"/>
-              <a:t>15-10-2024</a:t>
+              <a:t>21-10-2024</a:t>
             </a:fld>
             <a:endParaRPr lang="en-IN"/>
           </a:p>
@@ -14953,7 +14761,7 @@
           <a:p>
             <a:fld id="{F5EAA884-C184-4EE5-9B69-61A9072C47B6}" type="datetimeFigureOut">
               <a:rPr lang="en-IN" smtClean="0"/>
-              <a:t>15-10-2024</a:t>
+              <a:t>21-10-2024</a:t>
             </a:fld>
             <a:endParaRPr lang="en-IN"/>
           </a:p>
@@ -15164,7 +14972,7 @@
           <a:p>
             <a:fld id="{F5EAA884-C184-4EE5-9B69-61A9072C47B6}" type="datetimeFigureOut">
               <a:rPr lang="en-IN" smtClean="0"/>
-              <a:t>15-10-2024</a:t>
+              <a:t>21-10-2024</a:t>
             </a:fld>
             <a:endParaRPr lang="en-IN"/>
           </a:p>
@@ -18812,6 +18620,292 @@
         <p:cNvPr id="1" name="">
           <a:extLst>
             <a:ext uri="{FF2B5EF4-FFF2-40B4-BE49-F238E27FC236}">
+              <a16:creationId xmlns:a16="http://schemas.microsoft.com/office/drawing/2014/main" id="{55807055-3A0C-9DBC-AAD5-4724734D9046}"/>
+            </a:ext>
+          </a:extLst>
+        </p:cNvPr>
+        <p:cNvGrpSpPr/>
+        <p:nvPr/>
+      </p:nvGrpSpPr>
+      <p:grpSpPr>
+        <a:xfrm>
+          <a:off x="0" y="0"/>
+          <a:ext cx="0" cy="0"/>
+          <a:chOff x="0" y="0"/>
+          <a:chExt cx="0" cy="0"/>
+        </a:xfrm>
+      </p:grpSpPr>
+      <p:sp>
+        <p:nvSpPr>
+          <p:cNvPr id="3" name="TextBox 2">
+            <a:extLst>
+              <a:ext uri="{FF2B5EF4-FFF2-40B4-BE49-F238E27FC236}">
+                <a16:creationId xmlns:a16="http://schemas.microsoft.com/office/drawing/2014/main" id="{36BBEE6C-EFD4-9ECD-D4C4-0B4D95609701}"/>
+              </a:ext>
+            </a:extLst>
+          </p:cNvPr>
+          <p:cNvSpPr txBox="1"/>
+          <p:nvPr/>
+        </p:nvSpPr>
+        <p:spPr>
+          <a:xfrm>
+            <a:off x="195942" y="161053"/>
+            <a:ext cx="10559143" cy="461665"/>
+          </a:xfrm>
+          <a:prstGeom prst="rect">
+            <a:avLst/>
+          </a:prstGeom>
+          <a:noFill/>
+        </p:spPr>
+        <p:txBody>
+          <a:bodyPr wrap="square" rtlCol="0">
+            <a:spAutoFit/>
+          </a:bodyPr>
+          <a:lstStyle/>
+          <a:p>
+            <a:r>
+              <a:rPr lang="en-IN" sz="2400" b="1" dirty="0">
+                <a:solidFill>
+                  <a:schemeClr val="accent1">
+                    <a:lumMod val="50000"/>
+                  </a:schemeClr>
+                </a:solidFill>
+                <a:latin typeface="Open Sans" panose="020B0606030504020204" pitchFamily="34" charset="0"/>
+                <a:ea typeface="Open Sans" panose="020B0606030504020204" pitchFamily="34" charset="0"/>
+                <a:cs typeface="Open Sans" panose="020B0606030504020204" pitchFamily="34" charset="0"/>
+              </a:rPr>
+              <a:t>Optimal Number of Taxis</a:t>
+            </a:r>
+            <a:endParaRPr lang="en-IN" sz="2400" dirty="0">
+              <a:latin typeface="Open Sans" panose="020B0606030504020204" pitchFamily="34" charset="0"/>
+              <a:ea typeface="Open Sans" panose="020B0606030504020204" pitchFamily="34" charset="0"/>
+              <a:cs typeface="Open Sans" panose="020B0606030504020204" pitchFamily="34" charset="0"/>
+            </a:endParaRPr>
+          </a:p>
+        </p:txBody>
+      </p:sp>
+      <p:sp>
+        <p:nvSpPr>
+          <p:cNvPr id="4" name="TextBox 3">
+            <a:extLst>
+              <a:ext uri="{FF2B5EF4-FFF2-40B4-BE49-F238E27FC236}">
+                <a16:creationId xmlns:a16="http://schemas.microsoft.com/office/drawing/2014/main" id="{8F40A2C0-B492-5780-957B-CCD2A976B6FA}"/>
+              </a:ext>
+            </a:extLst>
+          </p:cNvPr>
+          <p:cNvSpPr txBox="1"/>
+          <p:nvPr/>
+        </p:nvSpPr>
+        <p:spPr>
+          <a:xfrm>
+            <a:off x="304801" y="1044983"/>
+            <a:ext cx="9307285" cy="1200329"/>
+          </a:xfrm>
+          <a:prstGeom prst="rect">
+            <a:avLst/>
+          </a:prstGeom>
+          <a:noFill/>
+        </p:spPr>
+        <p:txBody>
+          <a:bodyPr wrap="square" rtlCol="0">
+            <a:spAutoFit/>
+          </a:bodyPr>
+          <a:lstStyle/>
+          <a:p>
+            <a:r>
+              <a:rPr lang="en-IN" b="1" dirty="0">
+                <a:solidFill>
+                  <a:srgbClr val="002060"/>
+                </a:solidFill>
+                <a:latin typeface="Open Sans" panose="020B0606030504020204" pitchFamily="34" charset="0"/>
+                <a:ea typeface="Open Sans" panose="020B0606030504020204" pitchFamily="34" charset="0"/>
+                <a:cs typeface="Open Sans" panose="020B0606030504020204" pitchFamily="34" charset="0"/>
+              </a:rPr>
+              <a:t>Results: Found the Optimal number of Taxis using Lasso Model Predicted Demand</a:t>
+            </a:r>
+          </a:p>
+          <a:p>
+            <a:r>
+              <a:rPr lang="en-IN" b="1" dirty="0">
+                <a:latin typeface="Open Sans" panose="020B0606030504020204" pitchFamily="34" charset="0"/>
+                <a:ea typeface="Open Sans" panose="020B0606030504020204" pitchFamily="34" charset="0"/>
+                <a:cs typeface="Open Sans" panose="020B0606030504020204" pitchFamily="34" charset="0"/>
+              </a:rPr>
+              <a:t>Please find the results in Optimal_taxis.csv </a:t>
+            </a:r>
+          </a:p>
+          <a:p>
+            <a:endParaRPr lang="en-IN" b="1" dirty="0">
+              <a:solidFill>
+                <a:srgbClr val="002060"/>
+              </a:solidFill>
+              <a:latin typeface="Open Sans" panose="020B0606030504020204" pitchFamily="34" charset="0"/>
+              <a:ea typeface="Open Sans" panose="020B0606030504020204" pitchFamily="34" charset="0"/>
+              <a:cs typeface="Open Sans" panose="020B0606030504020204" pitchFamily="34" charset="0"/>
+            </a:endParaRPr>
+          </a:p>
+        </p:txBody>
+      </p:sp>
+      <p:sp>
+        <p:nvSpPr>
+          <p:cNvPr id="5" name="Rectangle: Rounded Corners 4">
+            <a:extLst>
+              <a:ext uri="{FF2B5EF4-FFF2-40B4-BE49-F238E27FC236}">
+                <a16:creationId xmlns:a16="http://schemas.microsoft.com/office/drawing/2014/main" id="{21BD4A55-D911-B36D-3608-43CD0DB9536C}"/>
+              </a:ext>
+            </a:extLst>
+          </p:cNvPr>
+          <p:cNvSpPr/>
+          <p:nvPr/>
+        </p:nvSpPr>
+        <p:spPr>
+          <a:xfrm>
+            <a:off x="402771" y="2719318"/>
+            <a:ext cx="11386458" cy="954107"/>
+          </a:xfrm>
+          <a:prstGeom prst="roundRect">
+            <a:avLst/>
+          </a:prstGeom>
+          <a:solidFill>
+            <a:schemeClr val="tx2">
+              <a:lumMod val="40000"/>
+              <a:lumOff val="60000"/>
+            </a:schemeClr>
+          </a:solidFill>
+        </p:spPr>
+        <p:style>
+          <a:lnRef idx="2">
+            <a:schemeClr val="accent1">
+              <a:shade val="15000"/>
+            </a:schemeClr>
+          </a:lnRef>
+          <a:fillRef idx="1">
+            <a:schemeClr val="accent1"/>
+          </a:fillRef>
+          <a:effectRef idx="0">
+            <a:schemeClr val="accent1"/>
+          </a:effectRef>
+          <a:fontRef idx="minor">
+            <a:schemeClr val="lt1"/>
+          </a:fontRef>
+        </p:style>
+        <p:txBody>
+          <a:bodyPr rtlCol="0" anchor="b"/>
+          <a:lstStyle/>
+          <a:p>
+            <a:pPr algn="ctr"/>
+            <a:r>
+              <a:rPr lang="en-US" b="1" i="0" dirty="0">
+                <a:solidFill>
+                  <a:srgbClr val="002060"/>
+                </a:solidFill>
+                <a:effectLst/>
+                <a:latin typeface="Open Sans" panose="020B0606030504020204" pitchFamily="34" charset="0"/>
+                <a:ea typeface="Open Sans" panose="020B0606030504020204" pitchFamily="34" charset="0"/>
+                <a:cs typeface="Open Sans" panose="020B0606030504020204" pitchFamily="34" charset="0"/>
+              </a:rPr>
+              <a:t>Maximum number of Taxis </a:t>
+            </a:r>
+            <a:r>
+              <a:rPr lang="en-US" b="1" dirty="0">
+                <a:solidFill>
+                  <a:srgbClr val="002060"/>
+                </a:solidFill>
+                <a:latin typeface="Open Sans" panose="020B0606030504020204" pitchFamily="34" charset="0"/>
+                <a:ea typeface="Open Sans" panose="020B0606030504020204" pitchFamily="34" charset="0"/>
+                <a:cs typeface="Open Sans" panose="020B0606030504020204" pitchFamily="34" charset="0"/>
+              </a:rPr>
+              <a:t>required is 14 while minimum is 2.</a:t>
+            </a:r>
+          </a:p>
+          <a:p>
+            <a:endParaRPr lang="en-IN" dirty="0">
+              <a:solidFill>
+                <a:schemeClr val="tx1"/>
+              </a:solidFill>
+              <a:latin typeface="Open Sans" panose="020B0606030504020204" pitchFamily="34" charset="0"/>
+              <a:ea typeface="Open Sans" panose="020B0606030504020204" pitchFamily="34" charset="0"/>
+              <a:cs typeface="Open Sans" panose="020B0606030504020204" pitchFamily="34" charset="0"/>
+            </a:endParaRPr>
+          </a:p>
+        </p:txBody>
+      </p:sp>
+    </p:spTree>
+    <p:extLst>
+      <p:ext uri="{BB962C8B-B14F-4D97-AF65-F5344CB8AC3E}">
+        <p14:creationId xmlns:p14="http://schemas.microsoft.com/office/powerpoint/2010/main" val="3517469546"/>
+      </p:ext>
+    </p:extLst>
+  </p:cSld>
+  <p:clrMapOvr>
+    <a:masterClrMapping/>
+  </p:clrMapOvr>
+  <mc:AlternateContent xmlns:mc="http://schemas.openxmlformats.org/markup-compatibility/2006" xmlns:p14="http://schemas.microsoft.com/office/powerpoint/2010/main">
+    <mc:Choice Requires="p14">
+      <p:transition spd="med" p14:dur="700">
+        <p:fade/>
+      </p:transition>
+    </mc:Choice>
+    <mc:Fallback xmlns="">
+      <p:transition spd="med">
+        <p:fade/>
+      </p:transition>
+    </mc:Fallback>
+  </mc:AlternateContent>
+</p:sld>
+</file>
+
+<file path=ppt/slides/slide11.xml><?xml version="1.0" encoding="utf-8"?>
+<p:sld xmlns:a="http://schemas.openxmlformats.org/drawingml/2006/main" xmlns:r="http://schemas.openxmlformats.org/officeDocument/2006/relationships" xmlns:p="http://schemas.openxmlformats.org/presentationml/2006/main" showMasterSp="0">
+  <p:cSld>
+    <p:bg>
+      <p:bgPr>
+        <a:gradFill flip="none" rotWithShape="1">
+          <a:gsLst>
+            <a:gs pos="10000">
+              <a:schemeClr val="accent5">
+                <a:lumMod val="0"/>
+                <a:lumOff val="100000"/>
+                <a:alpha val="0"/>
+              </a:schemeClr>
+            </a:gs>
+            <a:gs pos="29000">
+              <a:schemeClr val="accent5">
+                <a:lumMod val="0"/>
+                <a:lumOff val="100000"/>
+                <a:alpha val="0"/>
+              </a:schemeClr>
+            </a:gs>
+            <a:gs pos="100000">
+              <a:schemeClr val="accent5">
+                <a:lumMod val="45000"/>
+                <a:lumOff val="55000"/>
+              </a:schemeClr>
+            </a:gs>
+            <a:gs pos="100000">
+              <a:schemeClr val="tx2">
+                <a:lumMod val="20000"/>
+                <a:lumOff val="80000"/>
+              </a:schemeClr>
+            </a:gs>
+            <a:gs pos="100000">
+              <a:schemeClr val="accent5">
+                <a:lumMod val="30000"/>
+                <a:lumOff val="70000"/>
+              </a:schemeClr>
+            </a:gs>
+          </a:gsLst>
+          <a:lin ang="2700000" scaled="1"/>
+          <a:tileRect/>
+        </a:gradFill>
+        <a:effectLst/>
+      </p:bgPr>
+    </p:bg>
+    <p:spTree>
+      <p:nvGrpSpPr>
+        <p:cNvPr id="1" name="">
+          <a:extLst>
+            <a:ext uri="{FF2B5EF4-FFF2-40B4-BE49-F238E27FC236}">
               <a16:creationId xmlns:a16="http://schemas.microsoft.com/office/drawing/2014/main" id="{A5C42F73-254A-2713-DE09-68CACA266C26}"/>
             </a:ext>
           </a:extLst>
@@ -19046,13 +19140,13 @@
   <p:clrMapOvr>
     <a:masterClrMapping/>
   </p:clrMapOvr>
-  <mc:AlternateContent xmlns:mc="http://schemas.openxmlformats.org/markup-compatibility/2006">
-    <mc:Choice xmlns:p14="http://schemas.microsoft.com/office/powerpoint/2010/main" Requires="p14">
+  <mc:AlternateContent xmlns:mc="http://schemas.openxmlformats.org/markup-compatibility/2006" xmlns:p14="http://schemas.microsoft.com/office/powerpoint/2010/main">
+    <mc:Choice Requires="p14">
       <p:transition spd="med" p14:dur="700">
         <p:fade/>
       </p:transition>
     </mc:Choice>
-    <mc:Fallback>
+    <mc:Fallback xmlns="">
       <p:transition spd="med">
         <p:fade/>
       </p:transition>
@@ -19061,7 +19155,7 @@
 </p:sld>
 </file>
 
-<file path=ppt/slides/slide11.xml><?xml version="1.0" encoding="utf-8"?>
+<file path=ppt/slides/slide12.xml><?xml version="1.0" encoding="utf-8"?>
 <p:sld xmlns:a="http://schemas.openxmlformats.org/drawingml/2006/main" xmlns:r="http://schemas.openxmlformats.org/officeDocument/2006/relationships" xmlns:p="http://schemas.openxmlformats.org/presentationml/2006/main">
   <p:cSld>
     <p:bg>
@@ -22632,7 +22726,7 @@
           <a:lstStyle/>
           <a:p>
             <a:r>
-              <a:rPr lang="en-US" sz="3600" b="1" kern="1200">
+              <a:rPr lang="en-US" sz="3600" b="1" kern="1200" dirty="0">
                 <a:solidFill>
                   <a:srgbClr val="002060"/>
                 </a:solidFill>
@@ -22640,7 +22734,7 @@
                 <a:ea typeface="Open Sans" pitchFamily="2" charset="0"/>
                 <a:cs typeface="Open Sans" pitchFamily="2" charset="0"/>
               </a:rPr>
-              <a:t>Agenda</a:t>
+              <a:t>Contents</a:t>
             </a:r>
           </a:p>
         </p:txBody>
@@ -23286,7 +23380,7 @@
           <a:lstStyle/>
           <a:p>
             <a:r>
-              <a:rPr lang="en-US" dirty="0">
+              <a:rPr lang="en-US" sz="1600" dirty="0">
                 <a:solidFill>
                   <a:schemeClr val="tx1"/>
                 </a:solidFill>
@@ -23297,7 +23391,7 @@
               <a:t>To </a:t>
             </a:r>
             <a:r>
-              <a:rPr lang="en-US" b="0" i="0" dirty="0">
+              <a:rPr lang="en-US" sz="1600" b="0" i="0" dirty="0">
                 <a:solidFill>
                   <a:schemeClr val="tx1"/>
                 </a:solidFill>
@@ -23308,7 +23402,7 @@
               </a:rPr>
               <a:t>predict the hourly demand for taxis in the Bronx area and determine the optimal number of taxis required to meet this demand.</a:t>
             </a:r>
-            <a:endParaRPr lang="en-IN" dirty="0">
+            <a:endParaRPr lang="en-IN" sz="1600" dirty="0">
               <a:solidFill>
                 <a:schemeClr val="tx1"/>
               </a:solidFill>
@@ -23547,7 +23641,7 @@
         </p:blipFill>
         <p:spPr>
           <a:xfrm>
-            <a:off x="1091747" y="1460797"/>
+            <a:off x="1189718" y="1381390"/>
             <a:ext cx="968298" cy="897100"/>
           </a:xfrm>
           <a:prstGeom prst="rect">
@@ -23863,7 +23957,7 @@
         </p:blipFill>
         <p:spPr>
           <a:xfrm>
-            <a:off x="4556146" y="1503475"/>
+            <a:off x="4942587" y="1503475"/>
             <a:ext cx="772885" cy="620490"/>
           </a:xfrm>
           <a:prstGeom prst="rect">
@@ -23899,7 +23993,7 @@
         </p:blipFill>
         <p:spPr>
           <a:xfrm>
-            <a:off x="7913916" y="1460797"/>
+            <a:off x="7913915" y="1454258"/>
             <a:ext cx="772886" cy="772886"/>
           </a:xfrm>
           <a:prstGeom prst="rect">
@@ -23921,7 +24015,7 @@
         </p:nvSpPr>
         <p:spPr>
           <a:xfrm>
-            <a:off x="7293427" y="2646520"/>
+            <a:off x="6923316" y="2619501"/>
             <a:ext cx="2574475" cy="307777"/>
           </a:xfrm>
           <a:prstGeom prst="rect">
@@ -24074,7 +24168,7 @@
         </p:blipFill>
         <p:spPr>
           <a:xfrm>
-            <a:off x="10654945" y="1385872"/>
+            <a:off x="10345278" y="1381390"/>
             <a:ext cx="1055914" cy="1055914"/>
           </a:xfrm>
           <a:prstGeom prst="rect">
@@ -24096,7 +24190,7 @@
         </p:nvSpPr>
         <p:spPr>
           <a:xfrm>
-            <a:off x="10091606" y="2606388"/>
+            <a:off x="9823038" y="2615550"/>
             <a:ext cx="2100394" cy="523220"/>
           </a:xfrm>
           <a:prstGeom prst="rect">
@@ -24233,7 +24327,7 @@
                 <a:ea typeface="Open Sans" panose="020B0606030504020204" pitchFamily="34" charset="0"/>
                 <a:cs typeface="Open Sans" panose="020B0606030504020204" pitchFamily="34" charset="0"/>
               </a:rPr>
-              <a:t>R-squared-0.92</a:t>
+              <a:t>R-squared:0.92</a:t>
             </a:r>
           </a:p>
         </p:txBody>
@@ -24248,13 +24342,13 @@
   <p:clrMapOvr>
     <a:masterClrMapping/>
   </p:clrMapOvr>
-  <mc:AlternateContent xmlns:mc="http://schemas.openxmlformats.org/markup-compatibility/2006">
-    <mc:Choice xmlns:p14="http://schemas.microsoft.com/office/powerpoint/2010/main" Requires="p14">
+  <mc:AlternateContent xmlns:mc="http://schemas.openxmlformats.org/markup-compatibility/2006" xmlns:p14="http://schemas.microsoft.com/office/powerpoint/2010/main">
+    <mc:Choice Requires="p14">
       <p:transition spd="med" p14:dur="700">
         <p:fade/>
       </p:transition>
     </mc:Choice>
-    <mc:Fallback>
+    <mc:Fallback xmlns="">
       <p:transition spd="med">
         <p:fade/>
       </p:transition>
@@ -25258,13 +25352,13 @@
   <p:clrMapOvr>
     <a:masterClrMapping/>
   </p:clrMapOvr>
-  <mc:AlternateContent xmlns:mc="http://schemas.openxmlformats.org/markup-compatibility/2006">
-    <mc:Choice xmlns:p14="http://schemas.microsoft.com/office/powerpoint/2010/main" Requires="p14">
+  <mc:AlternateContent xmlns:mc="http://schemas.openxmlformats.org/markup-compatibility/2006" xmlns:p14="http://schemas.microsoft.com/office/powerpoint/2010/main">
+    <mc:Choice Requires="p14">
       <p:transition spd="med" p14:dur="700">
         <p:fade/>
       </p:transition>
     </mc:Choice>
-    <mc:Fallback>
+    <mc:Fallback xmlns="">
       <p:transition spd="med">
         <p:fade/>
       </p:transition>
@@ -25399,7 +25493,7 @@
                 <a:ea typeface="Open Sans" panose="020B0606030504020204" pitchFamily="34" charset="0"/>
                 <a:cs typeface="Open Sans" panose="020B0606030504020204" pitchFamily="34" charset="0"/>
               </a:rPr>
-              <a:t>Lasso Regression proved best as a model for demand prediction</a:t>
+              <a:t>Lasso Regression proved best as a model in terms of model performance for demand prediction</a:t>
             </a:r>
           </a:p>
         </p:txBody>
@@ -26247,6 +26341,947 @@
   <p:clrMapOvr>
     <a:masterClrMapping/>
   </p:clrMapOvr>
+  <mc:AlternateContent xmlns:mc="http://schemas.openxmlformats.org/markup-compatibility/2006" xmlns:p14="http://schemas.microsoft.com/office/powerpoint/2010/main">
+    <mc:Choice Requires="p14">
+      <p:transition spd="med" p14:dur="700">
+        <p:fade/>
+      </p:transition>
+    </mc:Choice>
+    <mc:Fallback xmlns="">
+      <p:transition spd="med">
+        <p:fade/>
+      </p:transition>
+    </mc:Fallback>
+  </mc:AlternateContent>
+</p:sld>
+</file>
+
+<file path=ppt/slides/slide7.xml><?xml version="1.0" encoding="utf-8"?>
+<p:sld xmlns:a="http://schemas.openxmlformats.org/drawingml/2006/main" xmlns:r="http://schemas.openxmlformats.org/officeDocument/2006/relationships" xmlns:p="http://schemas.openxmlformats.org/presentationml/2006/main" showMasterSp="0">
+  <p:cSld>
+    <p:bg>
+      <p:bgPr>
+        <a:gradFill flip="none" rotWithShape="1">
+          <a:gsLst>
+            <a:gs pos="10000">
+              <a:schemeClr val="accent5">
+                <a:lumMod val="0"/>
+                <a:lumOff val="100000"/>
+                <a:alpha val="0"/>
+              </a:schemeClr>
+            </a:gs>
+            <a:gs pos="29000">
+              <a:schemeClr val="accent5">
+                <a:lumMod val="0"/>
+                <a:lumOff val="100000"/>
+                <a:alpha val="0"/>
+              </a:schemeClr>
+            </a:gs>
+            <a:gs pos="100000">
+              <a:schemeClr val="accent5">
+                <a:lumMod val="45000"/>
+                <a:lumOff val="55000"/>
+              </a:schemeClr>
+            </a:gs>
+            <a:gs pos="100000">
+              <a:schemeClr val="tx2">
+                <a:lumMod val="20000"/>
+                <a:lumOff val="80000"/>
+              </a:schemeClr>
+            </a:gs>
+            <a:gs pos="100000">
+              <a:schemeClr val="accent5">
+                <a:lumMod val="30000"/>
+                <a:lumOff val="70000"/>
+              </a:schemeClr>
+            </a:gs>
+          </a:gsLst>
+          <a:lin ang="2700000" scaled="1"/>
+          <a:tileRect/>
+        </a:gradFill>
+        <a:effectLst/>
+      </p:bgPr>
+    </p:bg>
+    <p:spTree>
+      <p:nvGrpSpPr>
+        <p:cNvPr id="1" name="">
+          <a:extLst>
+            <a:ext uri="{FF2B5EF4-FFF2-40B4-BE49-F238E27FC236}">
+              <a16:creationId xmlns:a16="http://schemas.microsoft.com/office/drawing/2014/main" id="{459F018B-9FCC-4CAA-40B5-A4D2F789488F}"/>
+            </a:ext>
+          </a:extLst>
+        </p:cNvPr>
+        <p:cNvGrpSpPr/>
+        <p:nvPr/>
+      </p:nvGrpSpPr>
+      <p:grpSpPr>
+        <a:xfrm>
+          <a:off x="0" y="0"/>
+          <a:ext cx="0" cy="0"/>
+          <a:chOff x="0" y="0"/>
+          <a:chExt cx="0" cy="0"/>
+        </a:xfrm>
+      </p:grpSpPr>
+      <p:sp>
+        <p:nvSpPr>
+          <p:cNvPr id="3" name="TextBox 2">
+            <a:extLst>
+              <a:ext uri="{FF2B5EF4-FFF2-40B4-BE49-F238E27FC236}">
+                <a16:creationId xmlns:a16="http://schemas.microsoft.com/office/drawing/2014/main" id="{3C4B436D-8FA8-78C3-057E-150F66D4B71D}"/>
+              </a:ext>
+            </a:extLst>
+          </p:cNvPr>
+          <p:cNvSpPr txBox="1"/>
+          <p:nvPr/>
+        </p:nvSpPr>
+        <p:spPr>
+          <a:xfrm>
+            <a:off x="195942" y="278518"/>
+            <a:ext cx="10559143" cy="830997"/>
+          </a:xfrm>
+          <a:prstGeom prst="rect">
+            <a:avLst/>
+          </a:prstGeom>
+          <a:noFill/>
+        </p:spPr>
+        <p:txBody>
+          <a:bodyPr wrap="square" rtlCol="0">
+            <a:spAutoFit/>
+          </a:bodyPr>
+          <a:lstStyle/>
+          <a:p>
+            <a:r>
+              <a:rPr lang="en-IN" sz="2400" b="1" dirty="0">
+                <a:solidFill>
+                  <a:schemeClr val="accent1">
+                    <a:lumMod val="50000"/>
+                  </a:schemeClr>
+                </a:solidFill>
+                <a:latin typeface="Open Sans" panose="020B0606030504020204" pitchFamily="34" charset="0"/>
+                <a:ea typeface="Open Sans" panose="020B0606030504020204" pitchFamily="34" charset="0"/>
+                <a:cs typeface="Open Sans" panose="020B0606030504020204" pitchFamily="34" charset="0"/>
+              </a:rPr>
+              <a:t>Best Model</a:t>
+            </a:r>
+            <a:r>
+              <a:rPr lang="en-IN" sz="2000" dirty="0">
+                <a:solidFill>
+                  <a:schemeClr val="accent1">
+                    <a:lumMod val="50000"/>
+                  </a:schemeClr>
+                </a:solidFill>
+                <a:latin typeface="Open Sans" panose="020B0606030504020204" pitchFamily="34" charset="0"/>
+                <a:ea typeface="Open Sans" panose="020B0606030504020204" pitchFamily="34" charset="0"/>
+                <a:cs typeface="Open Sans" panose="020B0606030504020204" pitchFamily="34" charset="0"/>
+              </a:rPr>
+              <a:t>: </a:t>
+            </a:r>
+            <a:r>
+              <a:rPr lang="en-IN" sz="2400" dirty="0">
+                <a:latin typeface="Open Sans" panose="020B0606030504020204" pitchFamily="34" charset="0"/>
+                <a:ea typeface="Open Sans" panose="020B0606030504020204" pitchFamily="34" charset="0"/>
+                <a:cs typeface="Open Sans" panose="020B0606030504020204" pitchFamily="34" charset="0"/>
+              </a:rPr>
+              <a:t>XG Boost proved best as a model in terms of forecasts for demand prediction</a:t>
+            </a:r>
+          </a:p>
+        </p:txBody>
+      </p:sp>
+      <p:sp>
+        <p:nvSpPr>
+          <p:cNvPr id="5" name="TextBox 4">
+            <a:extLst>
+              <a:ext uri="{FF2B5EF4-FFF2-40B4-BE49-F238E27FC236}">
+                <a16:creationId xmlns:a16="http://schemas.microsoft.com/office/drawing/2014/main" id="{A596EDD2-0DBD-E404-BD53-9D813A9F00CB}"/>
+              </a:ext>
+            </a:extLst>
+          </p:cNvPr>
+          <p:cNvSpPr txBox="1"/>
+          <p:nvPr/>
+        </p:nvSpPr>
+        <p:spPr>
+          <a:xfrm>
+            <a:off x="195942" y="2591615"/>
+            <a:ext cx="3614058" cy="307777"/>
+          </a:xfrm>
+          <a:prstGeom prst="rect">
+            <a:avLst/>
+          </a:prstGeom>
+          <a:noFill/>
+        </p:spPr>
+        <p:txBody>
+          <a:bodyPr wrap="square" rtlCol="0">
+            <a:spAutoFit/>
+          </a:bodyPr>
+          <a:lstStyle/>
+          <a:p>
+            <a:r>
+              <a:rPr lang="en-IN" sz="1400" b="1" dirty="0">
+                <a:solidFill>
+                  <a:srgbClr val="002060"/>
+                </a:solidFill>
+                <a:latin typeface="Open Sans" panose="020B0606030504020204" pitchFamily="34" charset="0"/>
+                <a:ea typeface="Open Sans" panose="020B0606030504020204" pitchFamily="34" charset="0"/>
+                <a:cs typeface="Open Sans" panose="020B0606030504020204" pitchFamily="34" charset="0"/>
+              </a:rPr>
+              <a:t>Data Cleaning and Processing</a:t>
+            </a:r>
+          </a:p>
+        </p:txBody>
+      </p:sp>
+      <p:pic>
+        <p:nvPicPr>
+          <p:cNvPr id="8" name="Picture 7">
+            <a:extLst>
+              <a:ext uri="{FF2B5EF4-FFF2-40B4-BE49-F238E27FC236}">
+                <a16:creationId xmlns:a16="http://schemas.microsoft.com/office/drawing/2014/main" id="{EC740620-7499-EFF4-9615-4008D8D558F9}"/>
+              </a:ext>
+            </a:extLst>
+          </p:cNvPr>
+          <p:cNvPicPr>
+            <a:picLocks noChangeAspect="1"/>
+          </p:cNvPicPr>
+          <p:nvPr/>
+        </p:nvPicPr>
+        <p:blipFill>
+          <a:blip r:embed="rId2">
+            <a:duotone>
+              <a:srgbClr val="0F6DFF">
+                <a:shade val="45000"/>
+                <a:satMod val="135000"/>
+              </a:srgbClr>
+              <a:prstClr val="white"/>
+            </a:duotone>
+          </a:blip>
+          <a:stretch>
+            <a:fillRect/>
+          </a:stretch>
+        </p:blipFill>
+        <p:spPr>
+          <a:xfrm>
+            <a:off x="1091747" y="1460797"/>
+            <a:ext cx="968298" cy="897100"/>
+          </a:xfrm>
+          <a:prstGeom prst="rect">
+            <a:avLst/>
+          </a:prstGeom>
+        </p:spPr>
+      </p:pic>
+      <p:sp>
+        <p:nvSpPr>
+          <p:cNvPr id="10" name="TextBox 9">
+            <a:extLst>
+              <a:ext uri="{FF2B5EF4-FFF2-40B4-BE49-F238E27FC236}">
+                <a16:creationId xmlns:a16="http://schemas.microsoft.com/office/drawing/2014/main" id="{1977DE6D-8939-A873-6B44-A4B3902C0F68}"/>
+              </a:ext>
+            </a:extLst>
+          </p:cNvPr>
+          <p:cNvSpPr txBox="1"/>
+          <p:nvPr/>
+        </p:nvSpPr>
+        <p:spPr>
+          <a:xfrm>
+            <a:off x="149675" y="3384752"/>
+            <a:ext cx="3320144" cy="2123658"/>
+          </a:xfrm>
+          <a:prstGeom prst="rect">
+            <a:avLst/>
+          </a:prstGeom>
+          <a:noFill/>
+        </p:spPr>
+        <p:txBody>
+          <a:bodyPr wrap="square" rtlCol="0">
+            <a:spAutoFit/>
+          </a:bodyPr>
+          <a:lstStyle/>
+          <a:p>
+            <a:pPr marL="285750" indent="-285750">
+              <a:buFont typeface="Wingdings" panose="05000000000000000000" pitchFamily="2" charset="2"/>
+              <a:buChar char="§"/>
+            </a:pPr>
+            <a:r>
+              <a:rPr lang="en-IN" sz="1200" dirty="0">
+                <a:solidFill>
+                  <a:schemeClr val="tx2"/>
+                </a:solidFill>
+                <a:latin typeface="Open Sans" panose="020B0606030504020204" pitchFamily="34" charset="0"/>
+                <a:ea typeface="Open Sans" panose="020B0606030504020204" pitchFamily="34" charset="0"/>
+                <a:cs typeface="Open Sans" panose="020B0606030504020204" pitchFamily="34" charset="0"/>
+              </a:rPr>
+              <a:t>Import necessary Libraries like NumPy, Pandas, Scikit-learn </a:t>
+            </a:r>
+          </a:p>
+          <a:p>
+            <a:pPr marL="285750" indent="-285750">
+              <a:buFont typeface="Wingdings" panose="05000000000000000000" pitchFamily="2" charset="2"/>
+              <a:buChar char="§"/>
+            </a:pPr>
+            <a:r>
+              <a:rPr lang="en-IN" sz="1200" dirty="0">
+                <a:solidFill>
+                  <a:schemeClr val="tx2"/>
+                </a:solidFill>
+                <a:latin typeface="Open Sans" panose="020B0606030504020204" pitchFamily="34" charset="0"/>
+                <a:ea typeface="Open Sans" panose="020B0606030504020204" pitchFamily="34" charset="0"/>
+                <a:cs typeface="Open Sans" panose="020B0606030504020204" pitchFamily="34" charset="0"/>
+              </a:rPr>
+              <a:t>Convert date cols to datetime format</a:t>
+            </a:r>
+          </a:p>
+          <a:p>
+            <a:pPr marL="285750" indent="-285750">
+              <a:buFont typeface="Wingdings" panose="05000000000000000000" pitchFamily="2" charset="2"/>
+              <a:buChar char="§"/>
+            </a:pPr>
+            <a:r>
+              <a:rPr lang="en-IN" sz="1200" dirty="0">
+                <a:solidFill>
+                  <a:schemeClr val="tx2"/>
+                </a:solidFill>
+                <a:latin typeface="Open Sans" panose="020B0606030504020204" pitchFamily="34" charset="0"/>
+                <a:ea typeface="Open Sans" panose="020B0606030504020204" pitchFamily="34" charset="0"/>
+                <a:cs typeface="Open Sans" panose="020B0606030504020204" pitchFamily="34" charset="0"/>
+              </a:rPr>
+              <a:t>Convert Time zone(UTC) format in proper standard</a:t>
+            </a:r>
+          </a:p>
+          <a:p>
+            <a:pPr marL="285750" indent="-285750">
+              <a:buFont typeface="Wingdings" panose="05000000000000000000" pitchFamily="2" charset="2"/>
+              <a:buChar char="§"/>
+            </a:pPr>
+            <a:r>
+              <a:rPr lang="en-IN" sz="1200" dirty="0">
+                <a:solidFill>
+                  <a:schemeClr val="tx2"/>
+                </a:solidFill>
+                <a:latin typeface="Open Sans" panose="020B0606030504020204" pitchFamily="34" charset="0"/>
+                <a:ea typeface="Open Sans" panose="020B0606030504020204" pitchFamily="34" charset="0"/>
+                <a:cs typeface="Open Sans" panose="020B0606030504020204" pitchFamily="34" charset="0"/>
+              </a:rPr>
+              <a:t>Filter only for Bronx area using Location data</a:t>
+            </a:r>
+          </a:p>
+          <a:p>
+            <a:pPr marL="285750" indent="-285750">
+              <a:buFont typeface="Wingdings" panose="05000000000000000000" pitchFamily="2" charset="2"/>
+              <a:buChar char="§"/>
+            </a:pPr>
+            <a:r>
+              <a:rPr lang="en-IN" sz="1200" dirty="0">
+                <a:solidFill>
+                  <a:schemeClr val="tx2"/>
+                </a:solidFill>
+                <a:latin typeface="Open Sans" panose="020B0606030504020204" pitchFamily="34" charset="0"/>
+                <a:ea typeface="Open Sans" panose="020B0606030504020204" pitchFamily="34" charset="0"/>
+                <a:cs typeface="Open Sans" panose="020B0606030504020204" pitchFamily="34" charset="0"/>
+              </a:rPr>
+              <a:t>Aggregated demand by hour</a:t>
+            </a:r>
+          </a:p>
+          <a:p>
+            <a:pPr marL="285750" indent="-285750">
+              <a:buFont typeface="Wingdings" panose="05000000000000000000" pitchFamily="2" charset="2"/>
+              <a:buChar char="§"/>
+            </a:pPr>
+            <a:r>
+              <a:rPr lang="en-IN" sz="1200" dirty="0">
+                <a:solidFill>
+                  <a:schemeClr val="tx2"/>
+                </a:solidFill>
+                <a:latin typeface="Open Sans" panose="020B0606030504020204" pitchFamily="34" charset="0"/>
+                <a:ea typeface="Open Sans" panose="020B0606030504020204" pitchFamily="34" charset="0"/>
+                <a:cs typeface="Open Sans" panose="020B0606030504020204" pitchFamily="34" charset="0"/>
+              </a:rPr>
+              <a:t>Fill all the NANs </a:t>
+            </a:r>
+          </a:p>
+          <a:p>
+            <a:pPr marL="285750" indent="-285750">
+              <a:buFont typeface="Wingdings" panose="05000000000000000000" pitchFamily="2" charset="2"/>
+              <a:buChar char="§"/>
+            </a:pPr>
+            <a:r>
+              <a:rPr lang="en-IN" sz="1200" dirty="0">
+                <a:solidFill>
+                  <a:schemeClr val="tx2"/>
+                </a:solidFill>
+                <a:latin typeface="Open Sans" panose="020B0606030504020204" pitchFamily="34" charset="0"/>
+                <a:ea typeface="Open Sans" panose="020B0606030504020204" pitchFamily="34" charset="0"/>
+                <a:cs typeface="Open Sans" panose="020B0606030504020204" pitchFamily="34" charset="0"/>
+              </a:rPr>
+              <a:t>Drop unwanted columns</a:t>
+            </a:r>
+          </a:p>
+          <a:p>
+            <a:endParaRPr lang="en-IN" sz="1200" dirty="0">
+              <a:solidFill>
+                <a:schemeClr val="tx2"/>
+              </a:solidFill>
+              <a:latin typeface="Open Sans" panose="020B0606030504020204" pitchFamily="34" charset="0"/>
+              <a:ea typeface="Open Sans" panose="020B0606030504020204" pitchFamily="34" charset="0"/>
+              <a:cs typeface="Open Sans" panose="020B0606030504020204" pitchFamily="34" charset="0"/>
+            </a:endParaRPr>
+          </a:p>
+        </p:txBody>
+      </p:sp>
+      <p:sp>
+        <p:nvSpPr>
+          <p:cNvPr id="11" name="TextBox 10">
+            <a:extLst>
+              <a:ext uri="{FF2B5EF4-FFF2-40B4-BE49-F238E27FC236}">
+                <a16:creationId xmlns:a16="http://schemas.microsoft.com/office/drawing/2014/main" id="{6AD52E25-878B-FF55-CA52-570C21145032}"/>
+              </a:ext>
+            </a:extLst>
+          </p:cNvPr>
+          <p:cNvSpPr txBox="1"/>
+          <p:nvPr/>
+        </p:nvSpPr>
+        <p:spPr>
+          <a:xfrm>
+            <a:off x="3761487" y="3396588"/>
+            <a:ext cx="3135087" cy="1384995"/>
+          </a:xfrm>
+          <a:prstGeom prst="rect">
+            <a:avLst/>
+          </a:prstGeom>
+          <a:noFill/>
+        </p:spPr>
+        <p:txBody>
+          <a:bodyPr wrap="square" rtlCol="0">
+            <a:spAutoFit/>
+          </a:bodyPr>
+          <a:lstStyle/>
+          <a:p>
+            <a:pPr marL="285750" indent="-285750">
+              <a:buFont typeface="Wingdings" panose="05000000000000000000" pitchFamily="2" charset="2"/>
+              <a:buChar char="§"/>
+            </a:pPr>
+            <a:r>
+              <a:rPr lang="en-IN" sz="1200" dirty="0">
+                <a:solidFill>
+                  <a:schemeClr val="tx2"/>
+                </a:solidFill>
+                <a:latin typeface="Open Sans" panose="020B0606030504020204" pitchFamily="34" charset="0"/>
+                <a:ea typeface="Open Sans" panose="020B0606030504020204" pitchFamily="34" charset="0"/>
+                <a:cs typeface="Open Sans" panose="020B0606030504020204" pitchFamily="34" charset="0"/>
+              </a:rPr>
+              <a:t>Add in new features to the data like day of week, month, weekend</a:t>
+            </a:r>
+          </a:p>
+          <a:p>
+            <a:pPr marL="285750" indent="-285750">
+              <a:buFont typeface="Wingdings" panose="05000000000000000000" pitchFamily="2" charset="2"/>
+              <a:buChar char="§"/>
+            </a:pPr>
+            <a:r>
+              <a:rPr lang="en-IN" sz="1200" dirty="0">
+                <a:solidFill>
+                  <a:schemeClr val="tx2"/>
+                </a:solidFill>
+                <a:latin typeface="Open Sans" panose="020B0606030504020204" pitchFamily="34" charset="0"/>
+                <a:ea typeface="Open Sans" panose="020B0606030504020204" pitchFamily="34" charset="0"/>
+                <a:cs typeface="Open Sans" panose="020B0606030504020204" pitchFamily="34" charset="0"/>
+              </a:rPr>
+              <a:t>Merge taxi details data after preprocessing with weather data to get in more features </a:t>
+            </a:r>
+          </a:p>
+          <a:p>
+            <a:pPr marL="285750" indent="-285750">
+              <a:buFont typeface="Wingdings" panose="05000000000000000000" pitchFamily="2" charset="2"/>
+              <a:buChar char="§"/>
+            </a:pPr>
+            <a:r>
+              <a:rPr lang="en-IN" sz="1200" dirty="0">
+                <a:solidFill>
+                  <a:schemeClr val="tx2"/>
+                </a:solidFill>
+                <a:latin typeface="Open Sans" panose="020B0606030504020204" pitchFamily="34" charset="0"/>
+                <a:ea typeface="Open Sans" panose="020B0606030504020204" pitchFamily="34" charset="0"/>
+                <a:cs typeface="Open Sans" panose="020B0606030504020204" pitchFamily="34" charset="0"/>
+              </a:rPr>
+              <a:t>Add lags for the demand(lag1,2,3) as features</a:t>
+            </a:r>
+          </a:p>
+        </p:txBody>
+      </p:sp>
+      <p:sp>
+        <p:nvSpPr>
+          <p:cNvPr id="13" name="TextBox 12">
+            <a:extLst>
+              <a:ext uri="{FF2B5EF4-FFF2-40B4-BE49-F238E27FC236}">
+                <a16:creationId xmlns:a16="http://schemas.microsoft.com/office/drawing/2014/main" id="{D8C0C5D5-C889-69C6-B1B2-9EFF2478A1B4}"/>
+              </a:ext>
+            </a:extLst>
+          </p:cNvPr>
+          <p:cNvSpPr txBox="1"/>
+          <p:nvPr/>
+        </p:nvSpPr>
+        <p:spPr>
+          <a:xfrm>
+            <a:off x="4000501" y="2606388"/>
+            <a:ext cx="2732314" cy="307777"/>
+          </a:xfrm>
+          <a:prstGeom prst="rect">
+            <a:avLst/>
+          </a:prstGeom>
+          <a:noFill/>
+        </p:spPr>
+        <p:txBody>
+          <a:bodyPr wrap="square" rtlCol="0">
+            <a:spAutoFit/>
+          </a:bodyPr>
+          <a:lstStyle/>
+          <a:p>
+            <a:r>
+              <a:rPr lang="en-IN" sz="1400" b="1" dirty="0">
+                <a:solidFill>
+                  <a:srgbClr val="002060"/>
+                </a:solidFill>
+                <a:latin typeface="Open Sans" panose="020B0606030504020204" pitchFamily="34" charset="0"/>
+                <a:ea typeface="Open Sans" panose="020B0606030504020204" pitchFamily="34" charset="0"/>
+                <a:cs typeface="Open Sans" panose="020B0606030504020204" pitchFamily="34" charset="0"/>
+              </a:rPr>
+              <a:t>Feature Engineering</a:t>
+            </a:r>
+          </a:p>
+        </p:txBody>
+      </p:sp>
+      <p:pic>
+        <p:nvPicPr>
+          <p:cNvPr id="15" name="Graphic 14">
+            <a:extLst>
+              <a:ext uri="{FF2B5EF4-FFF2-40B4-BE49-F238E27FC236}">
+                <a16:creationId xmlns:a16="http://schemas.microsoft.com/office/drawing/2014/main" id="{B545E4FC-7E51-4B79-7E0F-336A76322375}"/>
+              </a:ext>
+            </a:extLst>
+          </p:cNvPr>
+          <p:cNvPicPr>
+            <a:picLocks noChangeAspect="1"/>
+          </p:cNvPicPr>
+          <p:nvPr/>
+        </p:nvPicPr>
+        <p:blipFill>
+          <a:blip r:embed="rId3">
+            <a:extLst>
+              <a:ext uri="{96DAC541-7B7A-43D3-8B79-37D633B846F1}">
+                <asvg:svgBlip xmlns:asvg="http://schemas.microsoft.com/office/drawing/2016/SVG/main" r:embed="rId4"/>
+              </a:ext>
+            </a:extLst>
+          </a:blip>
+          <a:stretch>
+            <a:fillRect/>
+          </a:stretch>
+        </p:blipFill>
+        <p:spPr>
+          <a:xfrm>
+            <a:off x="4556146" y="1503475"/>
+            <a:ext cx="772885" cy="620490"/>
+          </a:xfrm>
+          <a:prstGeom prst="rect">
+            <a:avLst/>
+          </a:prstGeom>
+        </p:spPr>
+      </p:pic>
+      <p:pic>
+        <p:nvPicPr>
+          <p:cNvPr id="17" name="Graphic 16">
+            <a:extLst>
+              <a:ext uri="{FF2B5EF4-FFF2-40B4-BE49-F238E27FC236}">
+                <a16:creationId xmlns:a16="http://schemas.microsoft.com/office/drawing/2014/main" id="{CDD037CC-E03A-FB78-0B64-6B26AC6A2544}"/>
+              </a:ext>
+            </a:extLst>
+          </p:cNvPr>
+          <p:cNvPicPr>
+            <a:picLocks noChangeAspect="1"/>
+          </p:cNvPicPr>
+          <p:nvPr/>
+        </p:nvPicPr>
+        <p:blipFill>
+          <a:blip r:embed="rId5">
+            <a:extLst>
+              <a:ext uri="{96DAC541-7B7A-43D3-8B79-37D633B846F1}">
+                <asvg:svgBlip xmlns:asvg="http://schemas.microsoft.com/office/drawing/2016/SVG/main" r:embed="rId6"/>
+              </a:ext>
+            </a:extLst>
+          </a:blip>
+          <a:stretch>
+            <a:fillRect/>
+          </a:stretch>
+        </p:blipFill>
+        <p:spPr>
+          <a:xfrm>
+            <a:off x="7913916" y="1460797"/>
+            <a:ext cx="772886" cy="772886"/>
+          </a:xfrm>
+          <a:prstGeom prst="rect">
+            <a:avLst/>
+          </a:prstGeom>
+        </p:spPr>
+      </p:pic>
+      <p:sp>
+        <p:nvSpPr>
+          <p:cNvPr id="19" name="TextBox 18">
+            <a:extLst>
+              <a:ext uri="{FF2B5EF4-FFF2-40B4-BE49-F238E27FC236}">
+                <a16:creationId xmlns:a16="http://schemas.microsoft.com/office/drawing/2014/main" id="{427F345E-8C47-8663-69E4-E6B2263398C6}"/>
+              </a:ext>
+            </a:extLst>
+          </p:cNvPr>
+          <p:cNvSpPr txBox="1"/>
+          <p:nvPr/>
+        </p:nvSpPr>
+        <p:spPr>
+          <a:xfrm>
+            <a:off x="7293427" y="2646520"/>
+            <a:ext cx="2574475" cy="307777"/>
+          </a:xfrm>
+          <a:prstGeom prst="rect">
+            <a:avLst/>
+          </a:prstGeom>
+          <a:noFill/>
+        </p:spPr>
+        <p:txBody>
+          <a:bodyPr wrap="square" rtlCol="0">
+            <a:spAutoFit/>
+          </a:bodyPr>
+          <a:lstStyle/>
+          <a:p>
+            <a:r>
+              <a:rPr lang="en-IN" sz="1400" b="1" dirty="0">
+                <a:solidFill>
+                  <a:srgbClr val="002060"/>
+                </a:solidFill>
+                <a:latin typeface="Open Sans" panose="020B0606030504020204" pitchFamily="34" charset="0"/>
+                <a:ea typeface="Open Sans" panose="020B0606030504020204" pitchFamily="34" charset="0"/>
+                <a:cs typeface="Open Sans" panose="020B0606030504020204" pitchFamily="34" charset="0"/>
+              </a:rPr>
+              <a:t>Model Development</a:t>
+            </a:r>
+          </a:p>
+        </p:txBody>
+      </p:sp>
+      <p:sp>
+        <p:nvSpPr>
+          <p:cNvPr id="22" name="TextBox 21">
+            <a:extLst>
+              <a:ext uri="{FF2B5EF4-FFF2-40B4-BE49-F238E27FC236}">
+                <a16:creationId xmlns:a16="http://schemas.microsoft.com/office/drawing/2014/main" id="{FD31B307-6212-7820-C207-C97D95D297F2}"/>
+              </a:ext>
+            </a:extLst>
+          </p:cNvPr>
+          <p:cNvSpPr txBox="1"/>
+          <p:nvPr/>
+        </p:nvSpPr>
+        <p:spPr>
+          <a:xfrm>
+            <a:off x="6732815" y="3367134"/>
+            <a:ext cx="3135087" cy="1200329"/>
+          </a:xfrm>
+          <a:prstGeom prst="rect">
+            <a:avLst/>
+          </a:prstGeom>
+          <a:noFill/>
+        </p:spPr>
+        <p:txBody>
+          <a:bodyPr wrap="square" rtlCol="0">
+            <a:spAutoFit/>
+          </a:bodyPr>
+          <a:lstStyle/>
+          <a:p>
+            <a:pPr marL="285750" indent="-285750">
+              <a:buFont typeface="Wingdings" panose="05000000000000000000" pitchFamily="2" charset="2"/>
+              <a:buChar char="§"/>
+            </a:pPr>
+            <a:r>
+              <a:rPr lang="en-IN" sz="1200" dirty="0">
+                <a:solidFill>
+                  <a:schemeClr val="tx2"/>
+                </a:solidFill>
+                <a:latin typeface="Open Sans" panose="020B0606030504020204" pitchFamily="34" charset="0"/>
+                <a:ea typeface="Open Sans" panose="020B0606030504020204" pitchFamily="34" charset="0"/>
+                <a:cs typeface="Open Sans" panose="020B0606030504020204" pitchFamily="34" charset="0"/>
+              </a:rPr>
+              <a:t>Split the data intro features (X) and Target (y)</a:t>
+            </a:r>
+          </a:p>
+          <a:p>
+            <a:pPr marL="285750" indent="-285750">
+              <a:buFont typeface="Wingdings" panose="05000000000000000000" pitchFamily="2" charset="2"/>
+              <a:buChar char="§"/>
+            </a:pPr>
+            <a:r>
+              <a:rPr lang="en-IN" sz="1200" dirty="0">
+                <a:solidFill>
+                  <a:schemeClr val="tx2"/>
+                </a:solidFill>
+                <a:latin typeface="Open Sans" panose="020B0606030504020204" pitchFamily="34" charset="0"/>
+                <a:ea typeface="Open Sans" panose="020B0606030504020204" pitchFamily="34" charset="0"/>
+                <a:cs typeface="Open Sans" panose="020B0606030504020204" pitchFamily="34" charset="0"/>
+              </a:rPr>
+              <a:t>Split the Data into training (80%) and testing</a:t>
+            </a:r>
+          </a:p>
+          <a:p>
+            <a:pPr marL="285750" indent="-285750">
+              <a:buFont typeface="Wingdings" panose="05000000000000000000" pitchFamily="2" charset="2"/>
+              <a:buChar char="§"/>
+            </a:pPr>
+            <a:r>
+              <a:rPr lang="en-IN" sz="1200" dirty="0">
+                <a:solidFill>
+                  <a:schemeClr val="tx2"/>
+                </a:solidFill>
+                <a:latin typeface="Open Sans" panose="020B0606030504020204" pitchFamily="34" charset="0"/>
+                <a:ea typeface="Open Sans" panose="020B0606030504020204" pitchFamily="34" charset="0"/>
+                <a:cs typeface="Open Sans" panose="020B0606030504020204" pitchFamily="34" charset="0"/>
+              </a:rPr>
+              <a:t>Use </a:t>
+            </a:r>
+            <a:r>
+              <a:rPr lang="en-IN" sz="1200" dirty="0" err="1">
+                <a:solidFill>
+                  <a:schemeClr val="tx2"/>
+                </a:solidFill>
+                <a:latin typeface="Open Sans" panose="020B0606030504020204" pitchFamily="34" charset="0"/>
+                <a:ea typeface="Open Sans" panose="020B0606030504020204" pitchFamily="34" charset="0"/>
+                <a:cs typeface="Open Sans" panose="020B0606030504020204" pitchFamily="34" charset="0"/>
+              </a:rPr>
+              <a:t>XGBoost</a:t>
+            </a:r>
+            <a:r>
+              <a:rPr lang="en-IN" sz="1200" dirty="0">
+                <a:solidFill>
+                  <a:schemeClr val="tx2"/>
+                </a:solidFill>
+                <a:latin typeface="Open Sans" panose="020B0606030504020204" pitchFamily="34" charset="0"/>
+                <a:ea typeface="Open Sans" panose="020B0606030504020204" pitchFamily="34" charset="0"/>
+                <a:cs typeface="Open Sans" panose="020B0606030504020204" pitchFamily="34" charset="0"/>
+              </a:rPr>
+              <a:t> as model to compare</a:t>
+            </a:r>
+          </a:p>
+          <a:p>
+            <a:pPr marL="285750" indent="-285750">
+              <a:buFont typeface="Wingdings" panose="05000000000000000000" pitchFamily="2" charset="2"/>
+              <a:buChar char="§"/>
+            </a:pPr>
+            <a:r>
+              <a:rPr lang="en-IN" sz="1200" dirty="0">
+                <a:solidFill>
+                  <a:schemeClr val="tx2"/>
+                </a:solidFill>
+                <a:latin typeface="Open Sans" panose="020B0606030504020204" pitchFamily="34" charset="0"/>
+                <a:ea typeface="Open Sans" panose="020B0606030504020204" pitchFamily="34" charset="0"/>
+                <a:cs typeface="Open Sans" panose="020B0606030504020204" pitchFamily="34" charset="0"/>
+              </a:rPr>
+              <a:t>Get the predicted demand</a:t>
+            </a:r>
+          </a:p>
+        </p:txBody>
+      </p:sp>
+      <p:pic>
+        <p:nvPicPr>
+          <p:cNvPr id="24" name="Graphic 23">
+            <a:extLst>
+              <a:ext uri="{FF2B5EF4-FFF2-40B4-BE49-F238E27FC236}">
+                <a16:creationId xmlns:a16="http://schemas.microsoft.com/office/drawing/2014/main" id="{6E213E22-6822-A2AA-34C3-F375680D80B7}"/>
+              </a:ext>
+            </a:extLst>
+          </p:cNvPr>
+          <p:cNvPicPr>
+            <a:picLocks noChangeAspect="1"/>
+          </p:cNvPicPr>
+          <p:nvPr/>
+        </p:nvPicPr>
+        <p:blipFill>
+          <a:blip r:embed="rId7">
+            <a:extLst>
+              <a:ext uri="{96DAC541-7B7A-43D3-8B79-37D633B846F1}">
+                <asvg:svgBlip xmlns:asvg="http://schemas.microsoft.com/office/drawing/2016/SVG/main" r:embed="rId8"/>
+              </a:ext>
+            </a:extLst>
+          </a:blip>
+          <a:stretch>
+            <a:fillRect/>
+          </a:stretch>
+        </p:blipFill>
+        <p:spPr>
+          <a:xfrm>
+            <a:off x="10654945" y="1385872"/>
+            <a:ext cx="1055914" cy="1055914"/>
+          </a:xfrm>
+          <a:prstGeom prst="rect">
+            <a:avLst/>
+          </a:prstGeom>
+        </p:spPr>
+      </p:pic>
+      <p:sp>
+        <p:nvSpPr>
+          <p:cNvPr id="25" name="TextBox 24">
+            <a:extLst>
+              <a:ext uri="{FF2B5EF4-FFF2-40B4-BE49-F238E27FC236}">
+                <a16:creationId xmlns:a16="http://schemas.microsoft.com/office/drawing/2014/main" id="{1B048B0A-F66B-C296-B30F-E32CD4E6EB25}"/>
+              </a:ext>
+            </a:extLst>
+          </p:cNvPr>
+          <p:cNvSpPr txBox="1"/>
+          <p:nvPr/>
+        </p:nvSpPr>
+        <p:spPr>
+          <a:xfrm>
+            <a:off x="10091606" y="2606388"/>
+            <a:ext cx="2100394" cy="523220"/>
+          </a:xfrm>
+          <a:prstGeom prst="rect">
+            <a:avLst/>
+          </a:prstGeom>
+          <a:noFill/>
+        </p:spPr>
+        <p:txBody>
+          <a:bodyPr wrap="square" rtlCol="0">
+            <a:spAutoFit/>
+          </a:bodyPr>
+          <a:lstStyle/>
+          <a:p>
+            <a:r>
+              <a:rPr lang="en-IN" sz="1400" b="1" dirty="0">
+                <a:solidFill>
+                  <a:srgbClr val="002060"/>
+                </a:solidFill>
+                <a:latin typeface="Open Sans" panose="020B0606030504020204" pitchFamily="34" charset="0"/>
+                <a:ea typeface="Open Sans" panose="020B0606030504020204" pitchFamily="34" charset="0"/>
+                <a:cs typeface="Open Sans" panose="020B0606030504020204" pitchFamily="34" charset="0"/>
+              </a:rPr>
+              <a:t>Model Result and Performance</a:t>
+            </a:r>
+          </a:p>
+        </p:txBody>
+      </p:sp>
+      <p:sp>
+        <p:nvSpPr>
+          <p:cNvPr id="26" name="TextBox 25">
+            <a:extLst>
+              <a:ext uri="{FF2B5EF4-FFF2-40B4-BE49-F238E27FC236}">
+                <a16:creationId xmlns:a16="http://schemas.microsoft.com/office/drawing/2014/main" id="{7B38640F-1275-F7F8-4C81-71F4BE89B502}"/>
+              </a:ext>
+            </a:extLst>
+          </p:cNvPr>
+          <p:cNvSpPr txBox="1"/>
+          <p:nvPr/>
+        </p:nvSpPr>
+        <p:spPr>
+          <a:xfrm>
+            <a:off x="9704144" y="3337680"/>
+            <a:ext cx="2338182" cy="1384995"/>
+          </a:xfrm>
+          <a:prstGeom prst="rect">
+            <a:avLst/>
+          </a:prstGeom>
+          <a:noFill/>
+        </p:spPr>
+        <p:txBody>
+          <a:bodyPr wrap="square" rtlCol="0">
+            <a:spAutoFit/>
+          </a:bodyPr>
+          <a:lstStyle/>
+          <a:p>
+            <a:pPr marL="285750" indent="-285750">
+              <a:buFont typeface="Wingdings" panose="05000000000000000000" pitchFamily="2" charset="2"/>
+              <a:buChar char="§"/>
+            </a:pPr>
+            <a:r>
+              <a:rPr lang="en-IN" sz="1200" dirty="0">
+                <a:solidFill>
+                  <a:schemeClr val="tx2"/>
+                </a:solidFill>
+                <a:latin typeface="Open Sans" panose="020B0606030504020204" pitchFamily="34" charset="0"/>
+                <a:ea typeface="Open Sans" panose="020B0606030504020204" pitchFamily="34" charset="0"/>
+                <a:cs typeface="Open Sans" panose="020B0606030504020204" pitchFamily="34" charset="0"/>
+              </a:rPr>
+              <a:t>The Prediction aligns with the actuals.</a:t>
+            </a:r>
+          </a:p>
+          <a:p>
+            <a:pPr marL="285750" indent="-285750">
+              <a:buFont typeface="Wingdings" panose="05000000000000000000" pitchFamily="2" charset="2"/>
+              <a:buChar char="§"/>
+            </a:pPr>
+            <a:r>
+              <a:rPr lang="en-IN" sz="1200" dirty="0">
+                <a:solidFill>
+                  <a:schemeClr val="tx2"/>
+                </a:solidFill>
+                <a:latin typeface="Open Sans" panose="020B0606030504020204" pitchFamily="34" charset="0"/>
+                <a:ea typeface="Open Sans" panose="020B0606030504020204" pitchFamily="34" charset="0"/>
+                <a:cs typeface="Open Sans" panose="020B0606030504020204" pitchFamily="34" charset="0"/>
+              </a:rPr>
+              <a:t>Model is evaluated on 3 metrics:</a:t>
+            </a:r>
+          </a:p>
+          <a:p>
+            <a:pPr marL="742950" lvl="1" indent="-285750">
+              <a:buFont typeface="Wingdings" panose="05000000000000000000" pitchFamily="2" charset="2"/>
+              <a:buChar char="§"/>
+            </a:pPr>
+            <a:r>
+              <a:rPr lang="en-IN" sz="1200" dirty="0">
+                <a:solidFill>
+                  <a:schemeClr val="tx2"/>
+                </a:solidFill>
+                <a:latin typeface="Open Sans" panose="020B0606030504020204" pitchFamily="34" charset="0"/>
+                <a:ea typeface="Open Sans" panose="020B0606030504020204" pitchFamily="34" charset="0"/>
+                <a:cs typeface="Open Sans" panose="020B0606030504020204" pitchFamily="34" charset="0"/>
+              </a:rPr>
+              <a:t>MAE: 1.35</a:t>
+            </a:r>
+          </a:p>
+          <a:p>
+            <a:pPr marL="742950" lvl="1" indent="-285750">
+              <a:buFont typeface="Wingdings" panose="05000000000000000000" pitchFamily="2" charset="2"/>
+              <a:buChar char="§"/>
+            </a:pPr>
+            <a:r>
+              <a:rPr lang="en-IN" sz="1200" dirty="0">
+                <a:solidFill>
+                  <a:schemeClr val="tx2"/>
+                </a:solidFill>
+                <a:latin typeface="Open Sans" panose="020B0606030504020204" pitchFamily="34" charset="0"/>
+                <a:ea typeface="Open Sans" panose="020B0606030504020204" pitchFamily="34" charset="0"/>
+                <a:cs typeface="Open Sans" panose="020B0606030504020204" pitchFamily="34" charset="0"/>
+              </a:rPr>
+              <a:t>MSE:11.1</a:t>
+            </a:r>
+          </a:p>
+          <a:p>
+            <a:pPr marL="742950" lvl="1" indent="-285750">
+              <a:buFont typeface="Wingdings" panose="05000000000000000000" pitchFamily="2" charset="2"/>
+              <a:buChar char="§"/>
+            </a:pPr>
+            <a:r>
+              <a:rPr lang="en-IN" sz="1200" dirty="0">
+                <a:solidFill>
+                  <a:schemeClr val="tx2"/>
+                </a:solidFill>
+                <a:latin typeface="Open Sans" panose="020B0606030504020204" pitchFamily="34" charset="0"/>
+                <a:ea typeface="Open Sans" panose="020B0606030504020204" pitchFamily="34" charset="0"/>
+                <a:cs typeface="Open Sans" panose="020B0606030504020204" pitchFamily="34" charset="0"/>
+              </a:rPr>
+              <a:t>R-squared-0.80</a:t>
+            </a:r>
+          </a:p>
+        </p:txBody>
+      </p:sp>
+    </p:spTree>
+    <p:extLst>
+      <p:ext uri="{BB962C8B-B14F-4D97-AF65-F5344CB8AC3E}">
+        <p14:creationId xmlns:p14="http://schemas.microsoft.com/office/powerpoint/2010/main" val="1460241173"/>
+      </p:ext>
+    </p:extLst>
+  </p:cSld>
+  <p:clrMapOvr>
+    <a:masterClrMapping/>
+  </p:clrMapOvr>
   <mc:AlternateContent xmlns:mc="http://schemas.openxmlformats.org/markup-compatibility/2006">
     <mc:Choice xmlns:p14="http://schemas.microsoft.com/office/powerpoint/2010/main" Requires="p14">
       <p:transition spd="med" p14:dur="700">
@@ -26262,7 +27297,7 @@
 </p:sld>
 </file>
 
-<file path=ppt/slides/slide7.xml><?xml version="1.0" encoding="utf-8"?>
+<file path=ppt/slides/slide8.xml><?xml version="1.0" encoding="utf-8"?>
 <p:sld xmlns:a="http://schemas.openxmlformats.org/drawingml/2006/main" xmlns:r="http://schemas.openxmlformats.org/officeDocument/2006/relationships" xmlns:p="http://schemas.openxmlformats.org/presentationml/2006/main" showMasterSp="0">
   <p:cSld>
     <p:bg>
@@ -26367,7 +27402,20 @@
                 <a:ea typeface="Open Sans" panose="020B0606030504020204" pitchFamily="34" charset="0"/>
                 <a:cs typeface="Open Sans" panose="020B0606030504020204" pitchFamily="34" charset="0"/>
               </a:rPr>
-              <a:t>Forecasting for the first week of September 2024 : Using Lasso Regression</a:t>
+              <a:t>Forecasting for the first week of September 2024 : Using Lasso Regression and </a:t>
+            </a:r>
+            <a:r>
+              <a:rPr lang="en-IN" sz="2400" b="1" dirty="0" err="1">
+                <a:solidFill>
+                  <a:schemeClr val="accent1">
+                    <a:lumMod val="50000"/>
+                  </a:schemeClr>
+                </a:solidFill>
+                <a:latin typeface="Open Sans" panose="020B0606030504020204" pitchFamily="34" charset="0"/>
+                <a:ea typeface="Open Sans" panose="020B0606030504020204" pitchFamily="34" charset="0"/>
+                <a:cs typeface="Open Sans" panose="020B0606030504020204" pitchFamily="34" charset="0"/>
+              </a:rPr>
+              <a:t>XGBoost</a:t>
             </a:r>
             <a:endParaRPr lang="en-IN" sz="2400" dirty="0">
               <a:latin typeface="Open Sans" panose="020B0606030504020204" pitchFamily="34" charset="0"/>
@@ -27084,7 +28132,7 @@
                 <a:ea typeface="Open Sans" panose="020B0606030504020204" pitchFamily="34" charset="0"/>
                 <a:cs typeface="Open Sans" panose="020B0606030504020204" pitchFamily="34" charset="0"/>
               </a:rPr>
-              <a:t>Results for the prediction</a:t>
+              <a:t>Results for the prediction </a:t>
             </a:r>
             <a:r>
               <a:rPr lang="en-IN" sz="1200" b="1" dirty="0">
@@ -27189,13 +28237,13 @@
   <p:clrMapOvr>
     <a:masterClrMapping/>
   </p:clrMapOvr>
-  <mc:AlternateContent xmlns:mc="http://schemas.openxmlformats.org/markup-compatibility/2006">
-    <mc:Choice xmlns:p14="http://schemas.microsoft.com/office/powerpoint/2010/main" Requires="p14">
+  <mc:AlternateContent xmlns:mc="http://schemas.openxmlformats.org/markup-compatibility/2006" xmlns:p14="http://schemas.microsoft.com/office/powerpoint/2010/main">
+    <mc:Choice Requires="p14">
       <p:transition spd="med" p14:dur="700">
         <p:fade/>
       </p:transition>
     </mc:Choice>
-    <mc:Fallback>
+    <mc:Fallback xmlns="">
       <p:transition spd="med">
         <p:fade/>
       </p:transition>
@@ -27204,7 +28252,7 @@
 </p:sld>
 </file>
 
-<file path=ppt/slides/slide8.xml><?xml version="1.0" encoding="utf-8"?>
+<file path=ppt/slides/slide9.xml><?xml version="1.0" encoding="utf-8"?>
 <p:sld xmlns:a="http://schemas.openxmlformats.org/drawingml/2006/main" xmlns:r="http://schemas.openxmlformats.org/officeDocument/2006/relationships" xmlns:p="http://schemas.openxmlformats.org/presentationml/2006/main" showMasterSp="0">
   <p:cSld>
     <p:bg>
@@ -27332,7 +28380,7 @@
           <p:nvPr>
             <p:extLst>
               <p:ext uri="{D42A27DB-BD31-4B8C-83A1-F6EECF244321}">
-                <p14:modId xmlns:p14="http://schemas.microsoft.com/office/powerpoint/2010/main" val="1229216701"/>
+                <p14:modId xmlns:p14="http://schemas.microsoft.com/office/powerpoint/2010/main" val="2072796115"/>
               </p:ext>
             </p:extLst>
           </p:nvPr>
@@ -27444,7 +28492,7 @@
           <p:nvPr>
             <p:extLst>
               <p:ext uri="{D42A27DB-BD31-4B8C-83A1-F6EECF244321}">
-                <p14:modId xmlns:p14="http://schemas.microsoft.com/office/powerpoint/2010/main" val="1252550765"/>
+                <p14:modId xmlns:p14="http://schemas.microsoft.com/office/powerpoint/2010/main" val="1722310839"/>
               </p:ext>
             </p:extLst>
           </p:nvPr>
@@ -27469,302 +28517,13 @@
   <p:clrMapOvr>
     <a:masterClrMapping/>
   </p:clrMapOvr>
-  <mc:AlternateContent xmlns:mc="http://schemas.openxmlformats.org/markup-compatibility/2006">
-    <mc:Choice xmlns:p14="http://schemas.microsoft.com/office/powerpoint/2010/main" Requires="p14">
+  <mc:AlternateContent xmlns:mc="http://schemas.openxmlformats.org/markup-compatibility/2006" xmlns:p14="http://schemas.microsoft.com/office/powerpoint/2010/main">
+    <mc:Choice Requires="p14">
       <p:transition spd="med" p14:dur="700">
         <p:fade/>
       </p:transition>
     </mc:Choice>
-    <mc:Fallback>
-      <p:transition spd="med">
-        <p:fade/>
-      </p:transition>
-    </mc:Fallback>
-  </mc:AlternateContent>
-</p:sld>
-</file>
-
-<file path=ppt/slides/slide9.xml><?xml version="1.0" encoding="utf-8"?>
-<p:sld xmlns:a="http://schemas.openxmlformats.org/drawingml/2006/main" xmlns:r="http://schemas.openxmlformats.org/officeDocument/2006/relationships" xmlns:p="http://schemas.openxmlformats.org/presentationml/2006/main" showMasterSp="0">
-  <p:cSld>
-    <p:bg>
-      <p:bgPr>
-        <a:gradFill flip="none" rotWithShape="1">
-          <a:gsLst>
-            <a:gs pos="10000">
-              <a:schemeClr val="accent5">
-                <a:lumMod val="0"/>
-                <a:lumOff val="100000"/>
-                <a:alpha val="0"/>
-              </a:schemeClr>
-            </a:gs>
-            <a:gs pos="29000">
-              <a:schemeClr val="accent5">
-                <a:lumMod val="0"/>
-                <a:lumOff val="100000"/>
-                <a:alpha val="0"/>
-              </a:schemeClr>
-            </a:gs>
-            <a:gs pos="100000">
-              <a:schemeClr val="accent5">
-                <a:lumMod val="45000"/>
-                <a:lumOff val="55000"/>
-              </a:schemeClr>
-            </a:gs>
-            <a:gs pos="100000">
-              <a:schemeClr val="tx2">
-                <a:lumMod val="20000"/>
-                <a:lumOff val="80000"/>
-              </a:schemeClr>
-            </a:gs>
-            <a:gs pos="100000">
-              <a:schemeClr val="accent5">
-                <a:lumMod val="30000"/>
-                <a:lumOff val="70000"/>
-              </a:schemeClr>
-            </a:gs>
-          </a:gsLst>
-          <a:lin ang="2700000" scaled="1"/>
-          <a:tileRect/>
-        </a:gradFill>
-        <a:effectLst/>
-      </p:bgPr>
-    </p:bg>
-    <p:spTree>
-      <p:nvGrpSpPr>
-        <p:cNvPr id="1" name="">
-          <a:extLst>
-            <a:ext uri="{FF2B5EF4-FFF2-40B4-BE49-F238E27FC236}">
-              <a16:creationId xmlns:a16="http://schemas.microsoft.com/office/drawing/2014/main" id="{55807055-3A0C-9DBC-AAD5-4724734D9046}"/>
-            </a:ext>
-          </a:extLst>
-        </p:cNvPr>
-        <p:cNvGrpSpPr/>
-        <p:nvPr/>
-      </p:nvGrpSpPr>
-      <p:grpSpPr>
-        <a:xfrm>
-          <a:off x="0" y="0"/>
-          <a:ext cx="0" cy="0"/>
-          <a:chOff x="0" y="0"/>
-          <a:chExt cx="0" cy="0"/>
-        </a:xfrm>
-      </p:grpSpPr>
-      <p:sp>
-        <p:nvSpPr>
-          <p:cNvPr id="3" name="TextBox 2">
-            <a:extLst>
-              <a:ext uri="{FF2B5EF4-FFF2-40B4-BE49-F238E27FC236}">
-                <a16:creationId xmlns:a16="http://schemas.microsoft.com/office/drawing/2014/main" id="{36BBEE6C-EFD4-9ECD-D4C4-0B4D95609701}"/>
-              </a:ext>
-            </a:extLst>
-          </p:cNvPr>
-          <p:cNvSpPr txBox="1"/>
-          <p:nvPr/>
-        </p:nvSpPr>
-        <p:spPr>
-          <a:xfrm>
-            <a:off x="195942" y="161053"/>
-            <a:ext cx="10559143" cy="461665"/>
-          </a:xfrm>
-          <a:prstGeom prst="rect">
-            <a:avLst/>
-          </a:prstGeom>
-          <a:noFill/>
-        </p:spPr>
-        <p:txBody>
-          <a:bodyPr wrap="square" rtlCol="0">
-            <a:spAutoFit/>
-          </a:bodyPr>
-          <a:lstStyle/>
-          <a:p>
-            <a:r>
-              <a:rPr lang="en-IN" sz="2400" b="1" dirty="0">
-                <a:solidFill>
-                  <a:schemeClr val="accent1">
-                    <a:lumMod val="50000"/>
-                  </a:schemeClr>
-                </a:solidFill>
-                <a:latin typeface="Open Sans" panose="020B0606030504020204" pitchFamily="34" charset="0"/>
-                <a:ea typeface="Open Sans" panose="020B0606030504020204" pitchFamily="34" charset="0"/>
-                <a:cs typeface="Open Sans" panose="020B0606030504020204" pitchFamily="34" charset="0"/>
-              </a:rPr>
-              <a:t>Optimal Number of Taxis</a:t>
-            </a:r>
-            <a:endParaRPr lang="en-IN" sz="2400" dirty="0">
-              <a:latin typeface="Open Sans" panose="020B0606030504020204" pitchFamily="34" charset="0"/>
-              <a:ea typeface="Open Sans" panose="020B0606030504020204" pitchFamily="34" charset="0"/>
-              <a:cs typeface="Open Sans" panose="020B0606030504020204" pitchFamily="34" charset="0"/>
-            </a:endParaRPr>
-          </a:p>
-        </p:txBody>
-      </p:sp>
-      <p:sp>
-        <p:nvSpPr>
-          <p:cNvPr id="4" name="TextBox 3">
-            <a:extLst>
-              <a:ext uri="{FF2B5EF4-FFF2-40B4-BE49-F238E27FC236}">
-                <a16:creationId xmlns:a16="http://schemas.microsoft.com/office/drawing/2014/main" id="{8F40A2C0-B492-5780-957B-CCD2A976B6FA}"/>
-              </a:ext>
-            </a:extLst>
-          </p:cNvPr>
-          <p:cNvSpPr txBox="1"/>
-          <p:nvPr/>
-        </p:nvSpPr>
-        <p:spPr>
-          <a:xfrm>
-            <a:off x="304801" y="1044983"/>
-            <a:ext cx="9307285" cy="954107"/>
-          </a:xfrm>
-          <a:prstGeom prst="rect">
-            <a:avLst/>
-          </a:prstGeom>
-          <a:noFill/>
-        </p:spPr>
-        <p:txBody>
-          <a:bodyPr wrap="square" rtlCol="0">
-            <a:spAutoFit/>
-          </a:bodyPr>
-          <a:lstStyle/>
-          <a:p>
-            <a:r>
-              <a:rPr lang="en-IN" sz="2000" b="1" dirty="0">
-                <a:solidFill>
-                  <a:srgbClr val="002060"/>
-                </a:solidFill>
-                <a:latin typeface="Open Sans" panose="020B0606030504020204" pitchFamily="34" charset="0"/>
-                <a:ea typeface="Open Sans" panose="020B0606030504020204" pitchFamily="34" charset="0"/>
-                <a:cs typeface="Open Sans" panose="020B0606030504020204" pitchFamily="34" charset="0"/>
-              </a:rPr>
-              <a:t>Results: </a:t>
-            </a:r>
-          </a:p>
-          <a:p>
-            <a:r>
-              <a:rPr lang="en-IN" sz="1400" b="1" dirty="0">
-                <a:latin typeface="Open Sans" panose="020B0606030504020204" pitchFamily="34" charset="0"/>
-                <a:ea typeface="Open Sans" panose="020B0606030504020204" pitchFamily="34" charset="0"/>
-                <a:cs typeface="Open Sans" panose="020B0606030504020204" pitchFamily="34" charset="0"/>
-              </a:rPr>
-              <a:t>Please find the results in Optimal_taxis.csv </a:t>
-            </a:r>
-          </a:p>
-          <a:p>
-            <a:endParaRPr lang="en-IN" sz="2000" b="1" dirty="0">
-              <a:solidFill>
-                <a:srgbClr val="002060"/>
-              </a:solidFill>
-              <a:latin typeface="Open Sans" panose="020B0606030504020204" pitchFamily="34" charset="0"/>
-              <a:ea typeface="Open Sans" panose="020B0606030504020204" pitchFamily="34" charset="0"/>
-              <a:cs typeface="Open Sans" panose="020B0606030504020204" pitchFamily="34" charset="0"/>
-            </a:endParaRPr>
-          </a:p>
-        </p:txBody>
-      </p:sp>
-      <p:sp>
-        <p:nvSpPr>
-          <p:cNvPr id="5" name="Rectangle: Rounded Corners 4">
-            <a:extLst>
-              <a:ext uri="{FF2B5EF4-FFF2-40B4-BE49-F238E27FC236}">
-                <a16:creationId xmlns:a16="http://schemas.microsoft.com/office/drawing/2014/main" id="{21BD4A55-D911-B36D-3608-43CD0DB9536C}"/>
-              </a:ext>
-            </a:extLst>
-          </p:cNvPr>
-          <p:cNvSpPr/>
-          <p:nvPr/>
-        </p:nvSpPr>
-        <p:spPr>
-          <a:xfrm>
-            <a:off x="402771" y="2719318"/>
-            <a:ext cx="11386458" cy="914400"/>
-          </a:xfrm>
-          <a:prstGeom prst="roundRect">
-            <a:avLst/>
-          </a:prstGeom>
-          <a:solidFill>
-            <a:schemeClr val="tx2">
-              <a:lumMod val="40000"/>
-              <a:lumOff val="60000"/>
-            </a:schemeClr>
-          </a:solidFill>
-        </p:spPr>
-        <p:style>
-          <a:lnRef idx="2">
-            <a:schemeClr val="accent1">
-              <a:shade val="15000"/>
-            </a:schemeClr>
-          </a:lnRef>
-          <a:fillRef idx="1">
-            <a:schemeClr val="accent1"/>
-          </a:fillRef>
-          <a:effectRef idx="0">
-            <a:schemeClr val="accent1"/>
-          </a:effectRef>
-          <a:fontRef idx="minor">
-            <a:schemeClr val="lt1"/>
-          </a:fontRef>
-        </p:style>
-        <p:txBody>
-          <a:bodyPr rtlCol="0" anchor="ctr"/>
-          <a:lstStyle/>
-          <a:p>
-            <a:pPr algn="ctr"/>
-            <a:r>
-              <a:rPr lang="en-US" b="1" i="0" dirty="0">
-                <a:solidFill>
-                  <a:srgbClr val="002060"/>
-                </a:solidFill>
-                <a:effectLst/>
-                <a:latin typeface="system-ui"/>
-              </a:rPr>
-              <a:t>Maximum number of Taxis </a:t>
-            </a:r>
-            <a:r>
-              <a:rPr lang="en-US" b="1" dirty="0">
-                <a:solidFill>
-                  <a:srgbClr val="002060"/>
-                </a:solidFill>
-                <a:latin typeface="system-ui"/>
-              </a:rPr>
-              <a:t>required is 14 while minimum is 2.</a:t>
-            </a:r>
-            <a:endParaRPr lang="en-US" b="1" i="0" dirty="0">
-              <a:solidFill>
-                <a:srgbClr val="002060"/>
-              </a:solidFill>
-              <a:effectLst/>
-              <a:latin typeface="system-ui"/>
-            </a:endParaRPr>
-          </a:p>
-          <a:p>
-            <a:endParaRPr lang="en-IN" dirty="0">
-              <a:solidFill>
-                <a:schemeClr val="tx1"/>
-              </a:solidFill>
-              <a:latin typeface="Open Sans" panose="020B0606030504020204" pitchFamily="34" charset="0"/>
-              <a:ea typeface="Open Sans" panose="020B0606030504020204" pitchFamily="34" charset="0"/>
-              <a:cs typeface="Open Sans" panose="020B0606030504020204" pitchFamily="34" charset="0"/>
-            </a:endParaRPr>
-          </a:p>
-        </p:txBody>
-      </p:sp>
-    </p:spTree>
-    <p:extLst>
-      <p:ext uri="{BB962C8B-B14F-4D97-AF65-F5344CB8AC3E}">
-        <p14:creationId xmlns:p14="http://schemas.microsoft.com/office/powerpoint/2010/main" val="3517469546"/>
-      </p:ext>
-    </p:extLst>
-  </p:cSld>
-  <p:clrMapOvr>
-    <a:masterClrMapping/>
-  </p:clrMapOvr>
-  <mc:AlternateContent xmlns:mc="http://schemas.openxmlformats.org/markup-compatibility/2006">
-    <mc:Choice xmlns:p14="http://schemas.microsoft.com/office/powerpoint/2010/main" Requires="p14">
-      <p:transition spd="med" p14:dur="700">
-        <p:fade/>
-      </p:transition>
-    </mc:Choice>
-    <mc:Fallback>
+    <mc:Fallback xmlns="">
       <p:transition spd="med">
         <p:fade/>
       </p:transition>
